--- a/progressReport.pptx
+++ b/progressReport.pptx
@@ -2,23 +2,30 @@
 <file path=ppt/presentation.xml><?xml version="1.0" encoding="utf-8"?>
 <p:presentation xmlns:a="http://schemas.openxmlformats.org/drawingml/2006/main" xmlns:r="http://schemas.openxmlformats.org/officeDocument/2006/relationships" xmlns:p="http://schemas.openxmlformats.org/presentationml/2006/main" saveSubsetFonts="1" autoCompressPictures="0">
   <p:sldMasterIdLst>
-    <p:sldMasterId id="2147483648" r:id="rId1"/>
+    <p:sldMasterId id="2147483889" r:id="rId1"/>
   </p:sldMasterIdLst>
   <p:sldIdLst>
     <p:sldId id="256" r:id="rId2"/>
     <p:sldId id="265" r:id="rId3"/>
     <p:sldId id="266" r:id="rId4"/>
-    <p:sldId id="267" r:id="rId5"/>
-    <p:sldId id="268" r:id="rId6"/>
+    <p:sldId id="271" r:id="rId5"/>
+    <p:sldId id="267" r:id="rId6"/>
     <p:sldId id="269" r:id="rId7"/>
     <p:sldId id="270" r:id="rId8"/>
-    <p:sldId id="257" r:id="rId9"/>
-    <p:sldId id="258" r:id="rId10"/>
-    <p:sldId id="259" r:id="rId11"/>
-    <p:sldId id="261" r:id="rId12"/>
-    <p:sldId id="262" r:id="rId13"/>
-    <p:sldId id="263" r:id="rId14"/>
-    <p:sldId id="264" r:id="rId15"/>
+    <p:sldId id="273" r:id="rId9"/>
+    <p:sldId id="275" r:id="rId10"/>
+    <p:sldId id="281" r:id="rId11"/>
+    <p:sldId id="288" r:id="rId12"/>
+    <p:sldId id="287" r:id="rId13"/>
+    <p:sldId id="274" r:id="rId14"/>
+    <p:sldId id="283" r:id="rId15"/>
+    <p:sldId id="278" r:id="rId16"/>
+    <p:sldId id="279" r:id="rId17"/>
+    <p:sldId id="284" r:id="rId18"/>
+    <p:sldId id="285" r:id="rId19"/>
+    <p:sldId id="286" r:id="rId20"/>
+    <p:sldId id="280" r:id="rId21"/>
+    <p:sldId id="277" r:id="rId22"/>
   </p:sldIdLst>
   <p:sldSz cx="9144000" cy="6858000" type="screen4x3"/>
   <p:notesSz cx="6858000" cy="9144000"/>
@@ -121,7 +128,7 @@
 </file>
 
 <file path=ppt/slideLayouts/slideLayout1.xml><?xml version="1.0" encoding="utf-8"?>
-<p:sldLayout xmlns:a="http://schemas.openxmlformats.org/drawingml/2006/main" xmlns:r="http://schemas.openxmlformats.org/officeDocument/2006/relationships" xmlns:p="http://schemas.openxmlformats.org/presentationml/2006/main" type="title" preserve="1">
+<p:sldLayout xmlns:a="http://schemas.openxmlformats.org/drawingml/2006/main" xmlns:r="http://schemas.openxmlformats.org/officeDocument/2006/relationships" xmlns:p="http://schemas.openxmlformats.org/presentationml/2006/main" showMasterSp="0" type="title" preserve="1">
   <p:cSld name="Title Slide">
     <p:spTree>
       <p:nvGrpSpPr>
@@ -137,6 +144,30 @@
           <a:chExt cx="0" cy="0"/>
         </a:xfrm>
       </p:grpSpPr>
+      <p:pic>
+        <p:nvPicPr>
+          <p:cNvPr id="8" name="Picture 7" descr="TitlePageOverlay.png"/>
+          <p:cNvPicPr>
+            <a:picLocks noChangeAspect="1"/>
+          </p:cNvPicPr>
+          <p:nvPr/>
+        </p:nvPicPr>
+        <p:blipFill>
+          <a:blip r:embed="rId2"/>
+          <a:stretch>
+            <a:fillRect/>
+          </a:stretch>
+        </p:blipFill>
+        <p:spPr>
+          <a:xfrm>
+            <a:off x="0" y="0"/>
+            <a:ext cx="9144000" cy="6858000"/>
+          </a:xfrm>
+          <a:prstGeom prst="rect">
+            <a:avLst/>
+          </a:prstGeom>
+        </p:spPr>
+      </p:pic>
       <p:sp>
         <p:nvSpPr>
           <p:cNvPr id="2" name="Title 1"/>
@@ -149,19 +180,29 @@
         </p:nvSpPr>
         <p:spPr>
           <a:xfrm>
-            <a:off x="685800" y="2130425"/>
-            <a:ext cx="7772400" cy="1470025"/>
-          </a:xfrm>
-        </p:spPr>
-        <p:txBody>
-          <a:bodyPr/>
-          <a:lstStyle/>
+            <a:off x="571500" y="1676401"/>
+            <a:ext cx="8001000" cy="2424766"/>
+          </a:xfrm>
+        </p:spPr>
+        <p:txBody>
+          <a:bodyPr anchor="b" anchorCtr="0">
+            <a:noAutofit/>
+          </a:bodyPr>
+          <a:lstStyle>
+            <a:lvl1pPr>
+              <a:defRPr sz="5600">
+                <a:solidFill>
+                  <a:schemeClr val="tx1"/>
+                </a:solidFill>
+              </a:defRPr>
+            </a:lvl1pPr>
+          </a:lstStyle>
           <a:p>
             <a:r>
               <a:rPr lang="en-US" smtClean="0"/>
               <a:t>Click to edit Master title style</a:t>
             </a:r>
-            <a:endParaRPr lang="en-US"/>
+            <a:endParaRPr/>
           </a:p>
         </p:txBody>
       </p:sp>
@@ -177,20 +218,21 @@
         </p:nvSpPr>
         <p:spPr>
           <a:xfrm>
-            <a:off x="1371600" y="3886200"/>
-            <a:ext cx="6400800" cy="1752600"/>
+            <a:off x="571500" y="4419600"/>
+            <a:ext cx="8001000" cy="1219200"/>
           </a:xfrm>
         </p:spPr>
         <p:txBody>
           <a:bodyPr/>
           <a:lstStyle>
             <a:lvl1pPr marL="0" indent="0" algn="ctr">
+              <a:spcAft>
+                <a:spcPts val="0"/>
+              </a:spcAft>
               <a:buNone/>
               <a:defRPr>
                 <a:solidFill>
-                  <a:schemeClr val="tx1">
-                    <a:tint val="75000"/>
-                  </a:schemeClr>
+                  <a:schemeClr val="tx1"/>
                 </a:solidFill>
               </a:defRPr>
             </a:lvl1pPr>
@@ -280,7 +322,7 @@
               <a:rPr lang="en-US" smtClean="0"/>
               <a:t>Click to edit Master subtitle style</a:t>
             </a:r>
-            <a:endParaRPr lang="en-US"/>
+            <a:endParaRPr dirty="0"/>
           </a:p>
         </p:txBody>
       </p:sp>
@@ -299,11 +341,12 @@
           <a:bodyPr/>
           <a:lstStyle/>
           <a:p>
-            <a:fld id="{F6F69B8E-2428-3940-9302-DEDA118D8E59}" type="datetimeFigureOut">
-              <a:rPr lang="en-US" smtClean="0"/>
-              <a:t>12/13/11</a:t>
+            <a:fld id="{8ACDB3CC-F982-40F9-8DD6-BCC9AFBF44BD}" type="datetime1">
+              <a:rPr lang="en-US" smtClean="0"/>
+              <a:pPr/>
+              <a:t>12/15/11</a:t>
             </a:fld>
-            <a:endParaRPr lang="en-US"/>
+            <a:endParaRPr lang="en-US" dirty="0"/>
           </a:p>
         </p:txBody>
       </p:sp>
@@ -322,7 +365,7 @@
           <a:bodyPr/>
           <a:lstStyle/>
           <a:p>
-            <a:endParaRPr lang="en-US"/>
+            <a:endParaRPr lang="en-US" dirty="0"/>
           </a:p>
         </p:txBody>
       </p:sp>
@@ -341,20 +384,47 @@
           <a:bodyPr/>
           <a:lstStyle/>
           <a:p>
-            <a:fld id="{2CFBDAFC-02EE-594F-8DC9-0F28EDAA04B6}" type="slidenum">
-              <a:rPr lang="en-US" smtClean="0"/>
+            <a:fld id="{AC5B1FEA-406A-7749-A5C3-DDCB5F67A4CE}" type="slidenum">
+              <a:rPr lang="en-US" smtClean="0"/>
+              <a:pPr/>
               <a:t>‹#›</a:t>
             </a:fld>
-            <a:endParaRPr lang="en-US"/>
-          </a:p>
-        </p:txBody>
-      </p:sp>
+            <a:endParaRPr lang="en-US" dirty="0"/>
+          </a:p>
+        </p:txBody>
+      </p:sp>
+      <p:pic>
+        <p:nvPicPr>
+          <p:cNvPr id="9" name="Picture 8" descr="standardRule.png"/>
+          <p:cNvPicPr>
+            <a:picLocks noChangeAspect="1"/>
+          </p:cNvPicPr>
+          <p:nvPr/>
+        </p:nvPicPr>
+        <p:blipFill>
+          <a:blip r:embed="rId3"/>
+          <a:stretch>
+            <a:fillRect/>
+          </a:stretch>
+        </p:blipFill>
+        <p:spPr>
+          <a:xfrm>
+            <a:off x="2705100" y="4191000"/>
+            <a:ext cx="3733800" cy="152400"/>
+          </a:xfrm>
+          <a:prstGeom prst="rect">
+            <a:avLst/>
+          </a:prstGeom>
+          <a:effectLst>
+            <a:outerShdw blurRad="25400" sx="101000" sy="101000" algn="ctr" rotWithShape="0">
+              <a:prstClr val="black">
+                <a:alpha val="40000"/>
+              </a:prstClr>
+            </a:outerShdw>
+          </a:effectLst>
+        </p:spPr>
+      </p:pic>
     </p:spTree>
-    <p:extLst>
-      <p:ext uri="{BB962C8B-B14F-4D97-AF65-F5344CB8AC3E}">
-        <p14:creationId xmlns:p14="http://schemas.microsoft.com/office/powerpoint/2010/main" val="2078388947"/>
-      </p:ext>
-    </p:extLst>
   </p:cSld>
   <p:clrMapOvr>
     <a:masterClrMapping/>
@@ -363,6 +433,2541 @@
 </file>
 
 <file path=ppt/slideLayouts/slideLayout10.xml><?xml version="1.0" encoding="utf-8"?>
+<p:sldLayout xmlns:a="http://schemas.openxmlformats.org/drawingml/2006/main" xmlns:r="http://schemas.openxmlformats.org/officeDocument/2006/relationships" xmlns:p="http://schemas.openxmlformats.org/presentationml/2006/main" type="picTx" preserve="1">
+  <p:cSld name="Picture with Caption">
+    <p:spTree>
+      <p:nvGrpSpPr>
+        <p:cNvPr id="1" name=""/>
+        <p:cNvGrpSpPr/>
+        <p:nvPr/>
+      </p:nvGrpSpPr>
+      <p:grpSpPr>
+        <a:xfrm>
+          <a:off x="0" y="0"/>
+          <a:ext cx="0" cy="0"/>
+          <a:chOff x="0" y="0"/>
+          <a:chExt cx="0" cy="0"/>
+        </a:xfrm>
+      </p:grpSpPr>
+      <p:sp>
+        <p:nvSpPr>
+          <p:cNvPr id="2" name="Title 1"/>
+          <p:cNvSpPr>
+            <a:spLocks noGrp="1"/>
+          </p:cNvSpPr>
+          <p:nvPr>
+            <p:ph type="title"/>
+          </p:nvPr>
+        </p:nvSpPr>
+        <p:spPr>
+          <a:xfrm>
+            <a:off x="594360" y="434609"/>
+            <a:ext cx="3749040" cy="1709928"/>
+          </a:xfrm>
+        </p:spPr>
+        <p:txBody>
+          <a:bodyPr vert="horz" lIns="91440" tIns="45720" rIns="91440" bIns="45720" rtlCol="0" anchor="b">
+            <a:noAutofit/>
+          </a:bodyPr>
+          <a:lstStyle>
+            <a:lvl1pPr algn="ctr" defTabSz="914400" rtl="0" eaLnBrk="1" latinLnBrk="0" hangingPunct="1">
+              <a:spcBef>
+                <a:spcPct val="0"/>
+              </a:spcBef>
+              <a:buNone/>
+              <a:defRPr sz="3600" b="0" kern="1200">
+                <a:solidFill>
+                  <a:schemeClr val="tx1"/>
+                </a:solidFill>
+                <a:latin typeface="+mj-lt"/>
+                <a:ea typeface="+mj-ea"/>
+                <a:cs typeface="+mj-cs"/>
+              </a:defRPr>
+            </a:lvl1pPr>
+          </a:lstStyle>
+          <a:p>
+            <a:r>
+              <a:rPr lang="en-US" smtClean="0"/>
+              <a:t>Click to edit Master title style</a:t>
+            </a:r>
+            <a:endParaRPr/>
+          </a:p>
+        </p:txBody>
+      </p:sp>
+      <p:sp>
+        <p:nvSpPr>
+          <p:cNvPr id="4" name="Text Placeholder 3"/>
+          <p:cNvSpPr>
+            <a:spLocks noGrp="1"/>
+          </p:cNvSpPr>
+          <p:nvPr>
+            <p:ph type="body" sz="half" idx="2"/>
+          </p:nvPr>
+        </p:nvSpPr>
+        <p:spPr>
+          <a:xfrm>
+            <a:off x="594360" y="2551176"/>
+            <a:ext cx="3749040" cy="3145536"/>
+          </a:xfrm>
+        </p:spPr>
+        <p:txBody>
+          <a:bodyPr vert="horz" lIns="91440" tIns="45720" rIns="91440" bIns="45720" rtlCol="0">
+            <a:normAutofit/>
+          </a:bodyPr>
+          <a:lstStyle>
+            <a:lvl1pPr marL="0" indent="0">
+              <a:spcAft>
+                <a:spcPts val="1000"/>
+              </a:spcAft>
+              <a:buNone/>
+              <a:defRPr sz="1800" kern="1200">
+                <a:solidFill>
+                  <a:schemeClr val="tx1"/>
+                </a:solidFill>
+                <a:latin typeface="+mn-lt"/>
+                <a:ea typeface="+mn-ea"/>
+                <a:cs typeface="+mn-cs"/>
+              </a:defRPr>
+            </a:lvl1pPr>
+            <a:lvl2pPr marL="457200" indent="0">
+              <a:buNone/>
+              <a:defRPr sz="1200"/>
+            </a:lvl2pPr>
+            <a:lvl3pPr marL="914400" indent="0">
+              <a:buNone/>
+              <a:defRPr sz="1000"/>
+            </a:lvl3pPr>
+            <a:lvl4pPr marL="1371600" indent="0">
+              <a:buNone/>
+              <a:defRPr sz="900"/>
+            </a:lvl4pPr>
+            <a:lvl5pPr marL="1828800" indent="0">
+              <a:buNone/>
+              <a:defRPr sz="900"/>
+            </a:lvl5pPr>
+            <a:lvl6pPr marL="2286000" indent="0">
+              <a:buNone/>
+              <a:defRPr sz="900"/>
+            </a:lvl6pPr>
+            <a:lvl7pPr marL="2743200" indent="0">
+              <a:buNone/>
+              <a:defRPr sz="900"/>
+            </a:lvl7pPr>
+            <a:lvl8pPr marL="3200400" indent="0">
+              <a:buNone/>
+              <a:defRPr sz="900"/>
+            </a:lvl8pPr>
+            <a:lvl9pPr marL="3657600" indent="0">
+              <a:buNone/>
+              <a:defRPr sz="900"/>
+            </a:lvl9pPr>
+          </a:lstStyle>
+          <a:p>
+            <a:pPr marL="0" lvl="0" indent="0" algn="ctr" defTabSz="914400" rtl="0" eaLnBrk="1" latinLnBrk="0" hangingPunct="1">
+              <a:spcBef>
+                <a:spcPts val="0"/>
+              </a:spcBef>
+              <a:spcAft>
+                <a:spcPts val="1800"/>
+              </a:spcAft>
+              <a:buFont typeface="Wingdings 2" pitchFamily="18" charset="2"/>
+              <a:buNone/>
+            </a:pPr>
+            <a:r>
+              <a:rPr lang="en-US" smtClean="0"/>
+              <a:t>Click to edit Master text styles</a:t>
+            </a:r>
+          </a:p>
+        </p:txBody>
+      </p:sp>
+      <p:sp>
+        <p:nvSpPr>
+          <p:cNvPr id="5" name="Date Placeholder 4"/>
+          <p:cNvSpPr>
+            <a:spLocks noGrp="1"/>
+          </p:cNvSpPr>
+          <p:nvPr>
+            <p:ph type="dt" sz="half" idx="10"/>
+          </p:nvPr>
+        </p:nvSpPr>
+        <p:spPr/>
+        <p:txBody>
+          <a:bodyPr/>
+          <a:lstStyle/>
+          <a:p>
+            <a:fld id="{F6F69B8E-2428-3940-9302-DEDA118D8E59}" type="datetimeFigureOut">
+              <a:rPr lang="en-US" smtClean="0"/>
+              <a:t>12/15/11</a:t>
+            </a:fld>
+            <a:endParaRPr lang="en-US"/>
+          </a:p>
+        </p:txBody>
+      </p:sp>
+      <p:sp>
+        <p:nvSpPr>
+          <p:cNvPr id="6" name="Footer Placeholder 5"/>
+          <p:cNvSpPr>
+            <a:spLocks noGrp="1"/>
+          </p:cNvSpPr>
+          <p:nvPr>
+            <p:ph type="ftr" sz="quarter" idx="11"/>
+          </p:nvPr>
+        </p:nvSpPr>
+        <p:spPr/>
+        <p:txBody>
+          <a:bodyPr/>
+          <a:lstStyle/>
+          <a:p>
+            <a:endParaRPr lang="en-US"/>
+          </a:p>
+        </p:txBody>
+      </p:sp>
+      <p:sp>
+        <p:nvSpPr>
+          <p:cNvPr id="7" name="Slide Number Placeholder 6"/>
+          <p:cNvSpPr>
+            <a:spLocks noGrp="1"/>
+          </p:cNvSpPr>
+          <p:nvPr>
+            <p:ph type="sldNum" sz="quarter" idx="12"/>
+          </p:nvPr>
+        </p:nvSpPr>
+        <p:spPr/>
+        <p:txBody>
+          <a:bodyPr/>
+          <a:lstStyle/>
+          <a:p>
+            <a:fld id="{2CFBDAFC-02EE-594F-8DC9-0F28EDAA04B6}" type="slidenum">
+              <a:rPr lang="en-US" smtClean="0"/>
+              <a:t>‹#›</a:t>
+            </a:fld>
+            <a:endParaRPr lang="en-US"/>
+          </a:p>
+        </p:txBody>
+      </p:sp>
+      <p:pic>
+        <p:nvPicPr>
+          <p:cNvPr id="8" name="Picture 7" descr="shortRule.png"/>
+          <p:cNvPicPr>
+            <a:picLocks noChangeAspect="1"/>
+          </p:cNvPicPr>
+          <p:nvPr/>
+        </p:nvPicPr>
+        <p:blipFill>
+          <a:blip r:embed="rId2"/>
+          <a:stretch>
+            <a:fillRect/>
+          </a:stretch>
+        </p:blipFill>
+        <p:spPr>
+          <a:xfrm>
+            <a:off x="1222898" y="2305609"/>
+            <a:ext cx="2495550" cy="95250"/>
+          </a:xfrm>
+          <a:prstGeom prst="rect">
+            <a:avLst/>
+          </a:prstGeom>
+          <a:effectLst>
+            <a:outerShdw blurRad="25400" sx="101000" sy="101000" algn="ctr" rotWithShape="0">
+              <a:prstClr val="black">
+                <a:alpha val="40000"/>
+              </a:prstClr>
+            </a:outerShdw>
+          </a:effectLst>
+        </p:spPr>
+      </p:pic>
+      <p:pic>
+        <p:nvPicPr>
+          <p:cNvPr id="11" name="Picture 10" descr="parAvion.png"/>
+          <p:cNvPicPr>
+            <a:picLocks noChangeAspect="1"/>
+          </p:cNvPicPr>
+          <p:nvPr/>
+        </p:nvPicPr>
+        <p:blipFill>
+          <a:blip r:embed="rId3"/>
+          <a:stretch>
+            <a:fillRect/>
+          </a:stretch>
+        </p:blipFill>
+        <p:spPr>
+          <a:xfrm rot="308222">
+            <a:off x="6798020" y="538594"/>
+            <a:ext cx="1808485" cy="516710"/>
+          </a:xfrm>
+          <a:prstGeom prst="rect">
+            <a:avLst/>
+          </a:prstGeom>
+        </p:spPr>
+      </p:pic>
+      <p:sp>
+        <p:nvSpPr>
+          <p:cNvPr id="3" name="Picture Placeholder 2"/>
+          <p:cNvSpPr>
+            <a:spLocks noGrp="1"/>
+          </p:cNvSpPr>
+          <p:nvPr>
+            <p:ph type="pic" idx="1"/>
+          </p:nvPr>
+        </p:nvSpPr>
+        <p:spPr>
+          <a:xfrm rot="150174">
+            <a:off x="4827538" y="836203"/>
+            <a:ext cx="3657600" cy="4937760"/>
+          </a:xfrm>
+          <a:solidFill>
+            <a:srgbClr val="FFFFFF">
+              <a:shade val="85000"/>
+            </a:srgbClr>
+          </a:solidFill>
+          <a:ln w="31750" cap="sq">
+            <a:solidFill>
+              <a:srgbClr val="FDFDFD"/>
+            </a:solidFill>
+            <a:miter lim="800000"/>
+          </a:ln>
+          <a:effectLst>
+            <a:outerShdw blurRad="88900" dist="44450" dir="7560000" sy="98000" kx="110000" ky="200000" algn="tl" rotWithShape="0">
+              <a:srgbClr val="000000">
+                <a:alpha val="20000"/>
+              </a:srgbClr>
+            </a:outerShdw>
+          </a:effectLst>
+          <a:scene3d>
+            <a:camera prst="perspectiveRelaxed">
+              <a:rot lat="0" lon="0" rev="0"/>
+            </a:camera>
+            <a:lightRig rig="twoPt" dir="t">
+              <a:rot lat="0" lon="0" rev="7200000"/>
+            </a:lightRig>
+          </a:scene3d>
+          <a:sp3d prstMaterial="matte">
+            <a:bevelT w="22860" h="12700"/>
+            <a:contourClr>
+              <a:srgbClr val="FFFFFF"/>
+            </a:contourClr>
+          </a:sp3d>
+        </p:spPr>
+        <p:txBody>
+          <a:bodyPr>
+            <a:normAutofit/>
+          </a:bodyPr>
+          <a:lstStyle>
+            <a:lvl1pPr marL="0" indent="0">
+              <a:buNone/>
+              <a:defRPr sz="2000"/>
+            </a:lvl1pPr>
+            <a:lvl2pPr marL="457200" indent="0">
+              <a:buNone/>
+              <a:defRPr sz="2800"/>
+            </a:lvl2pPr>
+            <a:lvl3pPr marL="914400" indent="0">
+              <a:buNone/>
+              <a:defRPr sz="2400"/>
+            </a:lvl3pPr>
+            <a:lvl4pPr marL="1371600" indent="0">
+              <a:buNone/>
+              <a:defRPr sz="2000"/>
+            </a:lvl4pPr>
+            <a:lvl5pPr marL="1828800" indent="0">
+              <a:buNone/>
+              <a:defRPr sz="2000"/>
+            </a:lvl5pPr>
+            <a:lvl6pPr marL="2286000" indent="0">
+              <a:buNone/>
+              <a:defRPr sz="2000"/>
+            </a:lvl6pPr>
+            <a:lvl7pPr marL="2743200" indent="0">
+              <a:buNone/>
+              <a:defRPr sz="2000"/>
+            </a:lvl7pPr>
+            <a:lvl8pPr marL="3200400" indent="0">
+              <a:buNone/>
+              <a:defRPr sz="2000"/>
+            </a:lvl8pPr>
+            <a:lvl9pPr marL="3657600" indent="0">
+              <a:buNone/>
+              <a:defRPr sz="2000"/>
+            </a:lvl9pPr>
+          </a:lstStyle>
+          <a:p>
+            <a:r>
+              <a:rPr lang="en-US" smtClean="0"/>
+              <a:t>Drag picture to placeholder or click icon to add</a:t>
+            </a:r>
+            <a:endParaRPr/>
+          </a:p>
+        </p:txBody>
+      </p:sp>
+    </p:spTree>
+  </p:cSld>
+  <p:clrMapOvr>
+    <a:masterClrMapping/>
+  </p:clrMapOvr>
+</p:sldLayout>
+</file>
+
+<file path=ppt/slideLayouts/slideLayout11.xml><?xml version="1.0" encoding="utf-8"?>
+<p:sldLayout xmlns:a="http://schemas.openxmlformats.org/drawingml/2006/main" xmlns:r="http://schemas.openxmlformats.org/officeDocument/2006/relationships" xmlns:p="http://schemas.openxmlformats.org/presentationml/2006/main" showMasterSp="0" type="picTx" preserve="1">
+  <p:cSld name="Picture above Caption">
+    <p:spTree>
+      <p:nvGrpSpPr>
+        <p:cNvPr id="1" name=""/>
+        <p:cNvGrpSpPr/>
+        <p:nvPr/>
+      </p:nvGrpSpPr>
+      <p:grpSpPr>
+        <a:xfrm>
+          <a:off x="0" y="0"/>
+          <a:ext cx="0" cy="0"/>
+          <a:chOff x="0" y="0"/>
+          <a:chExt cx="0" cy="0"/>
+        </a:xfrm>
+      </p:grpSpPr>
+      <p:pic>
+        <p:nvPicPr>
+          <p:cNvPr id="12" name="Picture 11" descr="TitlePageOverlay.png"/>
+          <p:cNvPicPr>
+            <a:picLocks noChangeAspect="1"/>
+          </p:cNvPicPr>
+          <p:nvPr/>
+        </p:nvPicPr>
+        <p:blipFill>
+          <a:blip r:embed="rId2"/>
+          <a:stretch>
+            <a:fillRect/>
+          </a:stretch>
+        </p:blipFill>
+        <p:spPr>
+          <a:xfrm>
+            <a:off x="0" y="0"/>
+            <a:ext cx="9144000" cy="6858000"/>
+          </a:xfrm>
+          <a:prstGeom prst="rect">
+            <a:avLst/>
+          </a:prstGeom>
+        </p:spPr>
+      </p:pic>
+      <p:sp>
+        <p:nvSpPr>
+          <p:cNvPr id="2" name="Title 1"/>
+          <p:cNvSpPr>
+            <a:spLocks noGrp="1"/>
+          </p:cNvSpPr>
+          <p:nvPr>
+            <p:ph type="title"/>
+          </p:nvPr>
+        </p:nvSpPr>
+        <p:spPr>
+          <a:xfrm>
+            <a:off x="571500" y="2924825"/>
+            <a:ext cx="8001000" cy="1709928"/>
+          </a:xfrm>
+        </p:spPr>
+        <p:txBody>
+          <a:bodyPr vert="horz" lIns="91440" tIns="45720" rIns="91440" bIns="45720" rtlCol="0" anchor="b">
+            <a:noAutofit/>
+          </a:bodyPr>
+          <a:lstStyle>
+            <a:lvl1pPr algn="ctr" defTabSz="914400" rtl="0" eaLnBrk="1" latinLnBrk="0" hangingPunct="1">
+              <a:spcBef>
+                <a:spcPct val="0"/>
+              </a:spcBef>
+              <a:buNone/>
+              <a:defRPr sz="4000" b="0" kern="1200">
+                <a:solidFill>
+                  <a:schemeClr val="tx1"/>
+                </a:solidFill>
+                <a:latin typeface="+mj-lt"/>
+                <a:ea typeface="+mj-ea"/>
+                <a:cs typeface="+mj-cs"/>
+              </a:defRPr>
+            </a:lvl1pPr>
+          </a:lstStyle>
+          <a:p>
+            <a:r>
+              <a:rPr lang="en-US" smtClean="0"/>
+              <a:t>Click to edit Master title style</a:t>
+            </a:r>
+            <a:endParaRPr/>
+          </a:p>
+        </p:txBody>
+      </p:sp>
+      <p:sp>
+        <p:nvSpPr>
+          <p:cNvPr id="4" name="Text Placeholder 3"/>
+          <p:cNvSpPr>
+            <a:spLocks noGrp="1"/>
+          </p:cNvSpPr>
+          <p:nvPr>
+            <p:ph type="body" sz="half" idx="2"/>
+          </p:nvPr>
+        </p:nvSpPr>
+        <p:spPr>
+          <a:xfrm>
+            <a:off x="571500" y="4800600"/>
+            <a:ext cx="8001000" cy="1219200"/>
+          </a:xfrm>
+        </p:spPr>
+        <p:txBody>
+          <a:bodyPr vert="horz" lIns="91440" tIns="45720" rIns="91440" bIns="45720" rtlCol="0">
+            <a:normAutofit/>
+          </a:bodyPr>
+          <a:lstStyle>
+            <a:lvl1pPr marL="0" indent="0" algn="ctr">
+              <a:spcAft>
+                <a:spcPts val="300"/>
+              </a:spcAft>
+              <a:buNone/>
+              <a:defRPr sz="1800" kern="1200">
+                <a:solidFill>
+                  <a:schemeClr val="tx1"/>
+                </a:solidFill>
+                <a:latin typeface="+mn-lt"/>
+                <a:ea typeface="+mn-ea"/>
+                <a:cs typeface="+mn-cs"/>
+              </a:defRPr>
+            </a:lvl1pPr>
+            <a:lvl2pPr marL="457200" indent="0">
+              <a:buNone/>
+              <a:defRPr sz="1200"/>
+            </a:lvl2pPr>
+            <a:lvl3pPr marL="914400" indent="0">
+              <a:buNone/>
+              <a:defRPr sz="1000"/>
+            </a:lvl3pPr>
+            <a:lvl4pPr marL="1371600" indent="0">
+              <a:buNone/>
+              <a:defRPr sz="900"/>
+            </a:lvl4pPr>
+            <a:lvl5pPr marL="1828800" indent="0">
+              <a:buNone/>
+              <a:defRPr sz="900"/>
+            </a:lvl5pPr>
+            <a:lvl6pPr marL="2286000" indent="0">
+              <a:buNone/>
+              <a:defRPr sz="900"/>
+            </a:lvl6pPr>
+            <a:lvl7pPr marL="2743200" indent="0">
+              <a:buNone/>
+              <a:defRPr sz="900"/>
+            </a:lvl7pPr>
+            <a:lvl8pPr marL="3200400" indent="0">
+              <a:buNone/>
+              <a:defRPr sz="900"/>
+            </a:lvl8pPr>
+            <a:lvl9pPr marL="3657600" indent="0">
+              <a:buNone/>
+              <a:defRPr sz="900"/>
+            </a:lvl9pPr>
+          </a:lstStyle>
+          <a:p>
+            <a:pPr marL="0" lvl="0" indent="0" algn="ctr" defTabSz="914400" rtl="0" eaLnBrk="1" latinLnBrk="0" hangingPunct="1">
+              <a:spcBef>
+                <a:spcPts val="0"/>
+              </a:spcBef>
+              <a:spcAft>
+                <a:spcPts val="1800"/>
+              </a:spcAft>
+              <a:buFont typeface="Wingdings 2" pitchFamily="18" charset="2"/>
+              <a:buNone/>
+            </a:pPr>
+            <a:r>
+              <a:rPr lang="en-US" smtClean="0"/>
+              <a:t>Click to edit Master text styles</a:t>
+            </a:r>
+          </a:p>
+        </p:txBody>
+      </p:sp>
+      <p:sp>
+        <p:nvSpPr>
+          <p:cNvPr id="5" name="Date Placeholder 4"/>
+          <p:cNvSpPr>
+            <a:spLocks noGrp="1"/>
+          </p:cNvSpPr>
+          <p:nvPr>
+            <p:ph type="dt" sz="half" idx="10"/>
+          </p:nvPr>
+        </p:nvSpPr>
+        <p:spPr/>
+        <p:txBody>
+          <a:bodyPr/>
+          <a:lstStyle/>
+          <a:p>
+            <a:fld id="{F6F69B8E-2428-3940-9302-DEDA118D8E59}" type="datetimeFigureOut">
+              <a:rPr lang="en-US" smtClean="0"/>
+              <a:t>12/15/11</a:t>
+            </a:fld>
+            <a:endParaRPr lang="en-US"/>
+          </a:p>
+        </p:txBody>
+      </p:sp>
+      <p:sp>
+        <p:nvSpPr>
+          <p:cNvPr id="6" name="Footer Placeholder 5"/>
+          <p:cNvSpPr>
+            <a:spLocks noGrp="1"/>
+          </p:cNvSpPr>
+          <p:nvPr>
+            <p:ph type="ftr" sz="quarter" idx="11"/>
+          </p:nvPr>
+        </p:nvSpPr>
+        <p:spPr/>
+        <p:txBody>
+          <a:bodyPr/>
+          <a:lstStyle/>
+          <a:p>
+            <a:endParaRPr lang="en-US"/>
+          </a:p>
+        </p:txBody>
+      </p:sp>
+      <p:sp>
+        <p:nvSpPr>
+          <p:cNvPr id="7" name="Slide Number Placeholder 6"/>
+          <p:cNvSpPr>
+            <a:spLocks noGrp="1"/>
+          </p:cNvSpPr>
+          <p:nvPr>
+            <p:ph type="sldNum" sz="quarter" idx="12"/>
+          </p:nvPr>
+        </p:nvSpPr>
+        <p:spPr/>
+        <p:txBody>
+          <a:bodyPr/>
+          <a:lstStyle/>
+          <a:p>
+            <a:fld id="{2CFBDAFC-02EE-594F-8DC9-0F28EDAA04B6}" type="slidenum">
+              <a:rPr lang="en-US" smtClean="0"/>
+              <a:t>‹#›</a:t>
+            </a:fld>
+            <a:endParaRPr lang="en-US"/>
+          </a:p>
+        </p:txBody>
+      </p:sp>
+      <p:pic>
+        <p:nvPicPr>
+          <p:cNvPr id="8" name="Picture 7" descr="shortRule.png"/>
+          <p:cNvPicPr>
+            <a:picLocks noChangeAspect="1"/>
+          </p:cNvPicPr>
+          <p:nvPr/>
+        </p:nvPicPr>
+        <p:blipFill>
+          <a:blip r:embed="rId3"/>
+          <a:stretch>
+            <a:fillRect/>
+          </a:stretch>
+        </p:blipFill>
+        <p:spPr>
+          <a:xfrm>
+            <a:off x="3324225" y="4666129"/>
+            <a:ext cx="2495550" cy="95250"/>
+          </a:xfrm>
+          <a:prstGeom prst="rect">
+            <a:avLst/>
+          </a:prstGeom>
+          <a:effectLst>
+            <a:outerShdw blurRad="25400" sx="101000" sy="101000" algn="ctr" rotWithShape="0">
+              <a:prstClr val="black">
+                <a:alpha val="40000"/>
+              </a:prstClr>
+            </a:outerShdw>
+          </a:effectLst>
+        </p:spPr>
+      </p:pic>
+      <p:sp>
+        <p:nvSpPr>
+          <p:cNvPr id="3" name="Picture Placeholder 2"/>
+          <p:cNvSpPr>
+            <a:spLocks noGrp="1"/>
+          </p:cNvSpPr>
+          <p:nvPr>
+            <p:ph type="pic" idx="1"/>
+          </p:nvPr>
+        </p:nvSpPr>
+        <p:spPr>
+          <a:xfrm rot="21355093">
+            <a:off x="2359666" y="458370"/>
+            <a:ext cx="4424669" cy="3079124"/>
+          </a:xfrm>
+          <a:solidFill>
+            <a:srgbClr val="FFFFFF">
+              <a:shade val="85000"/>
+            </a:srgbClr>
+          </a:solidFill>
+          <a:ln w="31750" cap="sq">
+            <a:solidFill>
+              <a:srgbClr val="FDFDFD"/>
+            </a:solidFill>
+            <a:miter lim="800000"/>
+          </a:ln>
+          <a:effectLst>
+            <a:outerShdw blurRad="88900" dist="44450" dir="900000" sy="98000" kx="110000" ky="200000" algn="tl" rotWithShape="0">
+              <a:srgbClr val="000000">
+                <a:alpha val="20000"/>
+              </a:srgbClr>
+            </a:outerShdw>
+          </a:effectLst>
+          <a:scene3d>
+            <a:camera prst="perspectiveRelaxed">
+              <a:rot lat="0" lon="0" rev="0"/>
+            </a:camera>
+            <a:lightRig rig="twoPt" dir="t">
+              <a:rot lat="0" lon="0" rev="7200000"/>
+            </a:lightRig>
+          </a:scene3d>
+          <a:sp3d prstMaterial="matte">
+            <a:bevelT w="22860" h="12700"/>
+            <a:contourClr>
+              <a:srgbClr val="FFFFFF"/>
+            </a:contourClr>
+          </a:sp3d>
+        </p:spPr>
+        <p:txBody>
+          <a:bodyPr>
+            <a:normAutofit/>
+          </a:bodyPr>
+          <a:lstStyle>
+            <a:lvl1pPr marL="0" indent="0">
+              <a:buNone/>
+              <a:defRPr sz="2000"/>
+            </a:lvl1pPr>
+            <a:lvl2pPr marL="457200" indent="0">
+              <a:buNone/>
+              <a:defRPr sz="2800"/>
+            </a:lvl2pPr>
+            <a:lvl3pPr marL="914400" indent="0">
+              <a:buNone/>
+              <a:defRPr sz="2400"/>
+            </a:lvl3pPr>
+            <a:lvl4pPr marL="1371600" indent="0">
+              <a:buNone/>
+              <a:defRPr sz="2000"/>
+            </a:lvl4pPr>
+            <a:lvl5pPr marL="1828800" indent="0">
+              <a:buNone/>
+              <a:defRPr sz="2000"/>
+            </a:lvl5pPr>
+            <a:lvl6pPr marL="2286000" indent="0">
+              <a:buNone/>
+              <a:defRPr sz="2000"/>
+            </a:lvl6pPr>
+            <a:lvl7pPr marL="2743200" indent="0">
+              <a:buNone/>
+              <a:defRPr sz="2000"/>
+            </a:lvl7pPr>
+            <a:lvl8pPr marL="3200400" indent="0">
+              <a:buNone/>
+              <a:defRPr sz="2000"/>
+            </a:lvl8pPr>
+            <a:lvl9pPr marL="3657600" indent="0">
+              <a:buNone/>
+              <a:defRPr sz="2000"/>
+            </a:lvl9pPr>
+          </a:lstStyle>
+          <a:p>
+            <a:r>
+              <a:rPr lang="en-US" smtClean="0"/>
+              <a:t>Drag picture to placeholder or click icon to add</a:t>
+            </a:r>
+            <a:endParaRPr/>
+          </a:p>
+        </p:txBody>
+      </p:sp>
+    </p:spTree>
+  </p:cSld>
+  <p:clrMapOvr>
+    <a:masterClrMapping/>
+  </p:clrMapOvr>
+</p:sldLayout>
+</file>
+
+<file path=ppt/slideLayouts/slideLayout12.xml><?xml version="1.0" encoding="utf-8"?>
+<p:sldLayout xmlns:a="http://schemas.openxmlformats.org/drawingml/2006/main" xmlns:r="http://schemas.openxmlformats.org/officeDocument/2006/relationships" xmlns:p="http://schemas.openxmlformats.org/presentationml/2006/main" showMasterSp="0" type="picTx" preserve="1">
+  <p:cSld name="2 Pictures above Caption">
+    <p:spTree>
+      <p:nvGrpSpPr>
+        <p:cNvPr id="1" name=""/>
+        <p:cNvGrpSpPr/>
+        <p:nvPr/>
+      </p:nvGrpSpPr>
+      <p:grpSpPr>
+        <a:xfrm>
+          <a:off x="0" y="0"/>
+          <a:ext cx="0" cy="0"/>
+          <a:chOff x="0" y="0"/>
+          <a:chExt cx="0" cy="0"/>
+        </a:xfrm>
+      </p:grpSpPr>
+      <p:pic>
+        <p:nvPicPr>
+          <p:cNvPr id="12" name="Picture 11" descr="TitlePageOverlay.png"/>
+          <p:cNvPicPr>
+            <a:picLocks noChangeAspect="1"/>
+          </p:cNvPicPr>
+          <p:nvPr/>
+        </p:nvPicPr>
+        <p:blipFill>
+          <a:blip r:embed="rId2"/>
+          <a:stretch>
+            <a:fillRect/>
+          </a:stretch>
+        </p:blipFill>
+        <p:spPr>
+          <a:xfrm>
+            <a:off x="0" y="0"/>
+            <a:ext cx="9144000" cy="6858000"/>
+          </a:xfrm>
+          <a:prstGeom prst="rect">
+            <a:avLst/>
+          </a:prstGeom>
+        </p:spPr>
+      </p:pic>
+      <p:pic>
+        <p:nvPicPr>
+          <p:cNvPr id="11" name="Picture 10" descr="parAvion.png"/>
+          <p:cNvPicPr>
+            <a:picLocks noChangeAspect="1"/>
+          </p:cNvPicPr>
+          <p:nvPr/>
+        </p:nvPicPr>
+        <p:blipFill>
+          <a:blip r:embed="rId3"/>
+          <a:stretch>
+            <a:fillRect/>
+          </a:stretch>
+        </p:blipFill>
+        <p:spPr>
+          <a:xfrm rot="308222">
+            <a:off x="6835967" y="278688"/>
+            <a:ext cx="1695954" cy="484558"/>
+          </a:xfrm>
+          <a:prstGeom prst="rect">
+            <a:avLst/>
+          </a:prstGeom>
+        </p:spPr>
+      </p:pic>
+      <p:sp>
+        <p:nvSpPr>
+          <p:cNvPr id="2" name="Title 1"/>
+          <p:cNvSpPr>
+            <a:spLocks noGrp="1"/>
+          </p:cNvSpPr>
+          <p:nvPr>
+            <p:ph type="title"/>
+          </p:nvPr>
+        </p:nvSpPr>
+        <p:spPr>
+          <a:xfrm>
+            <a:off x="571500" y="2924825"/>
+            <a:ext cx="8001000" cy="1709928"/>
+          </a:xfrm>
+        </p:spPr>
+        <p:txBody>
+          <a:bodyPr vert="horz" lIns="91440" tIns="45720" rIns="91440" bIns="45720" rtlCol="0" anchor="b">
+            <a:noAutofit/>
+          </a:bodyPr>
+          <a:lstStyle>
+            <a:lvl1pPr algn="ctr" defTabSz="914400" rtl="0" eaLnBrk="1" latinLnBrk="0" hangingPunct="1">
+              <a:spcBef>
+                <a:spcPct val="0"/>
+              </a:spcBef>
+              <a:buNone/>
+              <a:defRPr sz="4000" b="0" kern="1200">
+                <a:solidFill>
+                  <a:schemeClr val="tx1"/>
+                </a:solidFill>
+                <a:latin typeface="+mj-lt"/>
+                <a:ea typeface="+mj-ea"/>
+                <a:cs typeface="+mj-cs"/>
+              </a:defRPr>
+            </a:lvl1pPr>
+          </a:lstStyle>
+          <a:p>
+            <a:r>
+              <a:rPr lang="en-US" smtClean="0"/>
+              <a:t>Click to edit Master title style</a:t>
+            </a:r>
+            <a:endParaRPr/>
+          </a:p>
+        </p:txBody>
+      </p:sp>
+      <p:sp>
+        <p:nvSpPr>
+          <p:cNvPr id="4" name="Text Placeholder 3"/>
+          <p:cNvSpPr>
+            <a:spLocks noGrp="1"/>
+          </p:cNvSpPr>
+          <p:nvPr>
+            <p:ph type="body" sz="half" idx="2"/>
+          </p:nvPr>
+        </p:nvSpPr>
+        <p:spPr>
+          <a:xfrm>
+            <a:off x="571500" y="4800600"/>
+            <a:ext cx="8001000" cy="1219200"/>
+          </a:xfrm>
+        </p:spPr>
+        <p:txBody>
+          <a:bodyPr vert="horz" lIns="91440" tIns="45720" rIns="91440" bIns="45720" rtlCol="0">
+            <a:normAutofit/>
+          </a:bodyPr>
+          <a:lstStyle>
+            <a:lvl1pPr marL="0" indent="0" algn="ctr">
+              <a:spcAft>
+                <a:spcPts val="300"/>
+              </a:spcAft>
+              <a:buNone/>
+              <a:defRPr sz="1800" kern="1200">
+                <a:solidFill>
+                  <a:schemeClr val="tx1"/>
+                </a:solidFill>
+                <a:latin typeface="+mn-lt"/>
+                <a:ea typeface="+mn-ea"/>
+                <a:cs typeface="+mn-cs"/>
+              </a:defRPr>
+            </a:lvl1pPr>
+            <a:lvl2pPr marL="457200" indent="0">
+              <a:buNone/>
+              <a:defRPr sz="1200"/>
+            </a:lvl2pPr>
+            <a:lvl3pPr marL="914400" indent="0">
+              <a:buNone/>
+              <a:defRPr sz="1000"/>
+            </a:lvl3pPr>
+            <a:lvl4pPr marL="1371600" indent="0">
+              <a:buNone/>
+              <a:defRPr sz="900"/>
+            </a:lvl4pPr>
+            <a:lvl5pPr marL="1828800" indent="0">
+              <a:buNone/>
+              <a:defRPr sz="900"/>
+            </a:lvl5pPr>
+            <a:lvl6pPr marL="2286000" indent="0">
+              <a:buNone/>
+              <a:defRPr sz="900"/>
+            </a:lvl6pPr>
+            <a:lvl7pPr marL="2743200" indent="0">
+              <a:buNone/>
+              <a:defRPr sz="900"/>
+            </a:lvl7pPr>
+            <a:lvl8pPr marL="3200400" indent="0">
+              <a:buNone/>
+              <a:defRPr sz="900"/>
+            </a:lvl8pPr>
+            <a:lvl9pPr marL="3657600" indent="0">
+              <a:buNone/>
+              <a:defRPr sz="900"/>
+            </a:lvl9pPr>
+          </a:lstStyle>
+          <a:p>
+            <a:pPr marL="0" lvl="0" indent="0" algn="ctr" defTabSz="914400" rtl="0" eaLnBrk="1" latinLnBrk="0" hangingPunct="1">
+              <a:spcBef>
+                <a:spcPts val="0"/>
+              </a:spcBef>
+              <a:spcAft>
+                <a:spcPts val="1800"/>
+              </a:spcAft>
+              <a:buFont typeface="Wingdings 2" pitchFamily="18" charset="2"/>
+              <a:buNone/>
+            </a:pPr>
+            <a:r>
+              <a:rPr lang="en-US" smtClean="0"/>
+              <a:t>Click to edit Master text styles</a:t>
+            </a:r>
+          </a:p>
+        </p:txBody>
+      </p:sp>
+      <p:sp>
+        <p:nvSpPr>
+          <p:cNvPr id="5" name="Date Placeholder 4"/>
+          <p:cNvSpPr>
+            <a:spLocks noGrp="1"/>
+          </p:cNvSpPr>
+          <p:nvPr>
+            <p:ph type="dt" sz="half" idx="10"/>
+          </p:nvPr>
+        </p:nvSpPr>
+        <p:spPr/>
+        <p:txBody>
+          <a:bodyPr/>
+          <a:lstStyle/>
+          <a:p>
+            <a:fld id="{F6F69B8E-2428-3940-9302-DEDA118D8E59}" type="datetimeFigureOut">
+              <a:rPr lang="en-US" smtClean="0"/>
+              <a:t>12/15/11</a:t>
+            </a:fld>
+            <a:endParaRPr lang="en-US"/>
+          </a:p>
+        </p:txBody>
+      </p:sp>
+      <p:sp>
+        <p:nvSpPr>
+          <p:cNvPr id="6" name="Footer Placeholder 5"/>
+          <p:cNvSpPr>
+            <a:spLocks noGrp="1"/>
+          </p:cNvSpPr>
+          <p:nvPr>
+            <p:ph type="ftr" sz="quarter" idx="11"/>
+          </p:nvPr>
+        </p:nvSpPr>
+        <p:spPr/>
+        <p:txBody>
+          <a:bodyPr/>
+          <a:lstStyle/>
+          <a:p>
+            <a:endParaRPr lang="en-US"/>
+          </a:p>
+        </p:txBody>
+      </p:sp>
+      <p:sp>
+        <p:nvSpPr>
+          <p:cNvPr id="7" name="Slide Number Placeholder 6"/>
+          <p:cNvSpPr>
+            <a:spLocks noGrp="1"/>
+          </p:cNvSpPr>
+          <p:nvPr>
+            <p:ph type="sldNum" sz="quarter" idx="12"/>
+          </p:nvPr>
+        </p:nvSpPr>
+        <p:spPr/>
+        <p:txBody>
+          <a:bodyPr/>
+          <a:lstStyle/>
+          <a:p>
+            <a:fld id="{2CFBDAFC-02EE-594F-8DC9-0F28EDAA04B6}" type="slidenum">
+              <a:rPr lang="en-US" smtClean="0"/>
+              <a:t>‹#›</a:t>
+            </a:fld>
+            <a:endParaRPr lang="en-US"/>
+          </a:p>
+        </p:txBody>
+      </p:sp>
+      <p:pic>
+        <p:nvPicPr>
+          <p:cNvPr id="8" name="Picture 7" descr="shortRule.png"/>
+          <p:cNvPicPr>
+            <a:picLocks noChangeAspect="1"/>
+          </p:cNvPicPr>
+          <p:nvPr/>
+        </p:nvPicPr>
+        <p:blipFill>
+          <a:blip r:embed="rId4"/>
+          <a:stretch>
+            <a:fillRect/>
+          </a:stretch>
+        </p:blipFill>
+        <p:spPr>
+          <a:xfrm>
+            <a:off x="3324225" y="4666129"/>
+            <a:ext cx="2495550" cy="95250"/>
+          </a:xfrm>
+          <a:prstGeom prst="rect">
+            <a:avLst/>
+          </a:prstGeom>
+          <a:effectLst>
+            <a:outerShdw blurRad="25400" sx="101000" sy="101000" algn="ctr" rotWithShape="0">
+              <a:prstClr val="black">
+                <a:alpha val="40000"/>
+              </a:prstClr>
+            </a:outerShdw>
+          </a:effectLst>
+        </p:spPr>
+      </p:pic>
+      <p:pic>
+        <p:nvPicPr>
+          <p:cNvPr id="13" name="Picture 12" descr="parAvion.png"/>
+          <p:cNvPicPr>
+            <a:picLocks noChangeAspect="1"/>
+          </p:cNvPicPr>
+          <p:nvPr/>
+        </p:nvPicPr>
+        <p:blipFill>
+          <a:blip r:embed="rId3"/>
+          <a:stretch>
+            <a:fillRect/>
+          </a:stretch>
+        </p:blipFill>
+        <p:spPr>
+          <a:xfrm rot="20785255">
+            <a:off x="2866028" y="3182426"/>
+            <a:ext cx="1695954" cy="484558"/>
+          </a:xfrm>
+          <a:prstGeom prst="rect">
+            <a:avLst/>
+          </a:prstGeom>
+        </p:spPr>
+      </p:pic>
+      <p:sp>
+        <p:nvSpPr>
+          <p:cNvPr id="10" name="Picture Placeholder 2"/>
+          <p:cNvSpPr>
+            <a:spLocks noGrp="1"/>
+          </p:cNvSpPr>
+          <p:nvPr>
+            <p:ph type="pic" idx="13"/>
+          </p:nvPr>
+        </p:nvSpPr>
+        <p:spPr>
+          <a:xfrm rot="150321">
+            <a:off x="4329929" y="546774"/>
+            <a:ext cx="4163077" cy="2961146"/>
+          </a:xfrm>
+          <a:solidFill>
+            <a:srgbClr val="FFFFFF">
+              <a:shade val="85000"/>
+            </a:srgbClr>
+          </a:solidFill>
+          <a:ln w="31750" cap="sq">
+            <a:solidFill>
+              <a:srgbClr val="FDFDFD"/>
+            </a:solidFill>
+            <a:miter lim="800000"/>
+          </a:ln>
+          <a:effectLst>
+            <a:outerShdw blurRad="88900" dist="31750" dir="900000" sy="98000" kx="110000" ky="200000" algn="tl" rotWithShape="0">
+              <a:srgbClr val="000000">
+                <a:alpha val="20000"/>
+              </a:srgbClr>
+            </a:outerShdw>
+          </a:effectLst>
+          <a:scene3d>
+            <a:camera prst="perspectiveRelaxed">
+              <a:rot lat="0" lon="0" rev="0"/>
+            </a:camera>
+            <a:lightRig rig="twoPt" dir="t">
+              <a:rot lat="0" lon="0" rev="7200000"/>
+            </a:lightRig>
+          </a:scene3d>
+          <a:sp3d prstMaterial="matte">
+            <a:bevelT w="22860" h="12700"/>
+            <a:contourClr>
+              <a:srgbClr val="FFFFFF"/>
+            </a:contourClr>
+          </a:sp3d>
+        </p:spPr>
+        <p:txBody>
+          <a:bodyPr>
+            <a:normAutofit/>
+          </a:bodyPr>
+          <a:lstStyle>
+            <a:lvl1pPr marL="0" indent="0" algn="r">
+              <a:buNone/>
+              <a:defRPr sz="1800"/>
+            </a:lvl1pPr>
+            <a:lvl2pPr marL="457200" indent="0">
+              <a:buNone/>
+              <a:defRPr sz="2800"/>
+            </a:lvl2pPr>
+            <a:lvl3pPr marL="914400" indent="0">
+              <a:buNone/>
+              <a:defRPr sz="2400"/>
+            </a:lvl3pPr>
+            <a:lvl4pPr marL="1371600" indent="0">
+              <a:buNone/>
+              <a:defRPr sz="2000"/>
+            </a:lvl4pPr>
+            <a:lvl5pPr marL="1828800" indent="0">
+              <a:buNone/>
+              <a:defRPr sz="2000"/>
+            </a:lvl5pPr>
+            <a:lvl6pPr marL="2286000" indent="0">
+              <a:buNone/>
+              <a:defRPr sz="2000"/>
+            </a:lvl6pPr>
+            <a:lvl7pPr marL="2743200" indent="0">
+              <a:buNone/>
+              <a:defRPr sz="2000"/>
+            </a:lvl7pPr>
+            <a:lvl8pPr marL="3200400" indent="0">
+              <a:buNone/>
+              <a:defRPr sz="2000"/>
+            </a:lvl8pPr>
+            <a:lvl9pPr marL="3657600" indent="0">
+              <a:buNone/>
+              <a:defRPr sz="2000"/>
+            </a:lvl9pPr>
+          </a:lstStyle>
+          <a:p>
+            <a:r>
+              <a:rPr lang="en-US" smtClean="0"/>
+              <a:t>Drag picture to placeholder or click icon to add</a:t>
+            </a:r>
+            <a:endParaRPr/>
+          </a:p>
+        </p:txBody>
+      </p:sp>
+      <p:sp>
+        <p:nvSpPr>
+          <p:cNvPr id="3" name="Picture Placeholder 2"/>
+          <p:cNvSpPr>
+            <a:spLocks noGrp="1"/>
+          </p:cNvSpPr>
+          <p:nvPr>
+            <p:ph type="pic" idx="1"/>
+          </p:nvPr>
+        </p:nvSpPr>
+        <p:spPr>
+          <a:xfrm rot="21380673">
+            <a:off x="699762" y="451178"/>
+            <a:ext cx="4163077" cy="2961146"/>
+          </a:xfrm>
+          <a:solidFill>
+            <a:srgbClr val="FFFFFF">
+              <a:shade val="85000"/>
+            </a:srgbClr>
+          </a:solidFill>
+          <a:ln w="31750" cap="sq">
+            <a:solidFill>
+              <a:srgbClr val="FDFDFD"/>
+            </a:solidFill>
+            <a:miter lim="800000"/>
+          </a:ln>
+          <a:effectLst>
+            <a:outerShdw blurRad="88900" dist="44450" dir="900000" kx="110000" ky="200000" algn="tl" rotWithShape="0">
+              <a:srgbClr val="000000">
+                <a:alpha val="20000"/>
+              </a:srgbClr>
+            </a:outerShdw>
+          </a:effectLst>
+          <a:scene3d>
+            <a:camera prst="perspectiveRelaxed">
+              <a:rot lat="0" lon="0" rev="0"/>
+            </a:camera>
+            <a:lightRig rig="twoPt" dir="t">
+              <a:rot lat="0" lon="0" rev="7200000"/>
+            </a:lightRig>
+          </a:scene3d>
+          <a:sp3d prstMaterial="matte">
+            <a:bevelT w="22860" h="12700"/>
+            <a:contourClr>
+              <a:srgbClr val="FFFFFF"/>
+            </a:contourClr>
+          </a:sp3d>
+        </p:spPr>
+        <p:txBody>
+          <a:bodyPr>
+            <a:normAutofit/>
+          </a:bodyPr>
+          <a:lstStyle>
+            <a:lvl1pPr marL="0" indent="0">
+              <a:buNone/>
+              <a:defRPr sz="1800"/>
+            </a:lvl1pPr>
+            <a:lvl2pPr marL="457200" indent="0">
+              <a:buNone/>
+              <a:defRPr sz="2800"/>
+            </a:lvl2pPr>
+            <a:lvl3pPr marL="914400" indent="0">
+              <a:buNone/>
+              <a:defRPr sz="2400"/>
+            </a:lvl3pPr>
+            <a:lvl4pPr marL="1371600" indent="0">
+              <a:buNone/>
+              <a:defRPr sz="2000"/>
+            </a:lvl4pPr>
+            <a:lvl5pPr marL="1828800" indent="0">
+              <a:buNone/>
+              <a:defRPr sz="2000"/>
+            </a:lvl5pPr>
+            <a:lvl6pPr marL="2286000" indent="0">
+              <a:buNone/>
+              <a:defRPr sz="2000"/>
+            </a:lvl6pPr>
+            <a:lvl7pPr marL="2743200" indent="0">
+              <a:buNone/>
+              <a:defRPr sz="2000"/>
+            </a:lvl7pPr>
+            <a:lvl8pPr marL="3200400" indent="0">
+              <a:buNone/>
+              <a:defRPr sz="2000"/>
+            </a:lvl8pPr>
+            <a:lvl9pPr marL="3657600" indent="0">
+              <a:buNone/>
+              <a:defRPr sz="2000"/>
+            </a:lvl9pPr>
+          </a:lstStyle>
+          <a:p>
+            <a:r>
+              <a:rPr lang="en-US" smtClean="0"/>
+              <a:t>Drag picture to placeholder or click icon to add</a:t>
+            </a:r>
+            <a:endParaRPr/>
+          </a:p>
+        </p:txBody>
+      </p:sp>
+    </p:spTree>
+  </p:cSld>
+  <p:clrMapOvr>
+    <a:masterClrMapping/>
+  </p:clrMapOvr>
+</p:sldLayout>
+</file>
+
+<file path=ppt/slideLayouts/slideLayout13.xml><?xml version="1.0" encoding="utf-8"?>
+<p:sldLayout xmlns:a="http://schemas.openxmlformats.org/drawingml/2006/main" xmlns:r="http://schemas.openxmlformats.org/officeDocument/2006/relationships" xmlns:p="http://schemas.openxmlformats.org/presentationml/2006/main" showMasterSp="0" preserve="1">
+  <p:cSld name="3 Pictures with Caption">
+    <p:spTree>
+      <p:nvGrpSpPr>
+        <p:cNvPr id="1" name=""/>
+        <p:cNvGrpSpPr/>
+        <p:nvPr/>
+      </p:nvGrpSpPr>
+      <p:grpSpPr>
+        <a:xfrm>
+          <a:off x="0" y="0"/>
+          <a:ext cx="0" cy="0"/>
+          <a:chOff x="0" y="0"/>
+          <a:chExt cx="0" cy="0"/>
+        </a:xfrm>
+      </p:grpSpPr>
+      <p:pic>
+        <p:nvPicPr>
+          <p:cNvPr id="12" name="Picture 11" descr="TitlePageOverlay.png"/>
+          <p:cNvPicPr>
+            <a:picLocks noChangeAspect="1"/>
+          </p:cNvPicPr>
+          <p:nvPr/>
+        </p:nvPicPr>
+        <p:blipFill>
+          <a:blip r:embed="rId2"/>
+          <a:stretch>
+            <a:fillRect/>
+          </a:stretch>
+        </p:blipFill>
+        <p:spPr>
+          <a:xfrm>
+            <a:off x="0" y="0"/>
+            <a:ext cx="9144000" cy="6858000"/>
+          </a:xfrm>
+          <a:prstGeom prst="rect">
+            <a:avLst/>
+          </a:prstGeom>
+        </p:spPr>
+      </p:pic>
+      <p:sp>
+        <p:nvSpPr>
+          <p:cNvPr id="4" name="Text Placeholder 3"/>
+          <p:cNvSpPr>
+            <a:spLocks noGrp="1"/>
+          </p:cNvSpPr>
+          <p:nvPr>
+            <p:ph type="body" sz="half" idx="2"/>
+          </p:nvPr>
+        </p:nvSpPr>
+        <p:spPr>
+          <a:xfrm>
+            <a:off x="4983480" y="4800600"/>
+            <a:ext cx="3246120" cy="1188720"/>
+          </a:xfrm>
+        </p:spPr>
+        <p:txBody>
+          <a:bodyPr vert="horz" lIns="91440" tIns="45720" rIns="91440" bIns="45720" rtlCol="0" anchor="t" anchorCtr="0">
+            <a:normAutofit/>
+          </a:bodyPr>
+          <a:lstStyle>
+            <a:lvl1pPr marL="0" indent="0" algn="ctr">
+              <a:spcAft>
+                <a:spcPts val="300"/>
+              </a:spcAft>
+              <a:buNone/>
+              <a:defRPr sz="2000">
+                <a:solidFill>
+                  <a:schemeClr val="tx1"/>
+                </a:solidFill>
+                <a:latin typeface="Mistral" pitchFamily="66" charset="0"/>
+                <a:ea typeface="+mn-ea"/>
+                <a:cs typeface="+mn-cs"/>
+              </a:defRPr>
+            </a:lvl1pPr>
+            <a:lvl2pPr marL="457200" indent="0">
+              <a:buNone/>
+              <a:defRPr sz="1200"/>
+            </a:lvl2pPr>
+            <a:lvl3pPr marL="914400" indent="0">
+              <a:buNone/>
+              <a:defRPr sz="1000"/>
+            </a:lvl3pPr>
+            <a:lvl4pPr marL="1371600" indent="0">
+              <a:buNone/>
+              <a:defRPr sz="900"/>
+            </a:lvl4pPr>
+            <a:lvl5pPr marL="1828800" indent="0">
+              <a:buNone/>
+              <a:defRPr sz="900"/>
+            </a:lvl5pPr>
+            <a:lvl6pPr marL="2286000" indent="0">
+              <a:buNone/>
+              <a:defRPr sz="900"/>
+            </a:lvl6pPr>
+            <a:lvl7pPr marL="2743200" indent="0">
+              <a:buNone/>
+              <a:defRPr sz="900"/>
+            </a:lvl7pPr>
+            <a:lvl8pPr marL="3200400" indent="0">
+              <a:buNone/>
+              <a:defRPr sz="900"/>
+            </a:lvl8pPr>
+            <a:lvl9pPr marL="3657600" indent="0">
+              <a:buNone/>
+              <a:defRPr sz="900"/>
+            </a:lvl9pPr>
+          </a:lstStyle>
+          <a:p>
+            <a:pPr marL="0" lvl="0" indent="0" algn="ctr" defTabSz="914400" rtl="0" eaLnBrk="1" latinLnBrk="0" hangingPunct="1">
+              <a:spcBef>
+                <a:spcPts val="0"/>
+              </a:spcBef>
+              <a:spcAft>
+                <a:spcPts val="1800"/>
+              </a:spcAft>
+              <a:buFont typeface="Wingdings 2" pitchFamily="18" charset="2"/>
+              <a:buNone/>
+            </a:pPr>
+            <a:r>
+              <a:rPr lang="en-US" smtClean="0"/>
+              <a:t>Click to edit Master text styles</a:t>
+            </a:r>
+          </a:p>
+        </p:txBody>
+      </p:sp>
+      <p:sp>
+        <p:nvSpPr>
+          <p:cNvPr id="5" name="Date Placeholder 4"/>
+          <p:cNvSpPr>
+            <a:spLocks noGrp="1"/>
+          </p:cNvSpPr>
+          <p:nvPr>
+            <p:ph type="dt" sz="half" idx="10"/>
+          </p:nvPr>
+        </p:nvSpPr>
+        <p:spPr/>
+        <p:txBody>
+          <a:bodyPr/>
+          <a:lstStyle/>
+          <a:p>
+            <a:fld id="{F6F69B8E-2428-3940-9302-DEDA118D8E59}" type="datetimeFigureOut">
+              <a:rPr lang="en-US" smtClean="0"/>
+              <a:t>12/15/11</a:t>
+            </a:fld>
+            <a:endParaRPr lang="en-US"/>
+          </a:p>
+        </p:txBody>
+      </p:sp>
+      <p:sp>
+        <p:nvSpPr>
+          <p:cNvPr id="6" name="Footer Placeholder 5"/>
+          <p:cNvSpPr>
+            <a:spLocks noGrp="1"/>
+          </p:cNvSpPr>
+          <p:nvPr>
+            <p:ph type="ftr" sz="quarter" idx="11"/>
+          </p:nvPr>
+        </p:nvSpPr>
+        <p:spPr/>
+        <p:txBody>
+          <a:bodyPr/>
+          <a:lstStyle/>
+          <a:p>
+            <a:endParaRPr lang="en-US"/>
+          </a:p>
+        </p:txBody>
+      </p:sp>
+      <p:sp>
+        <p:nvSpPr>
+          <p:cNvPr id="7" name="Slide Number Placeholder 6"/>
+          <p:cNvSpPr>
+            <a:spLocks noGrp="1"/>
+          </p:cNvSpPr>
+          <p:nvPr>
+            <p:ph type="sldNum" sz="quarter" idx="12"/>
+          </p:nvPr>
+        </p:nvSpPr>
+        <p:spPr/>
+        <p:txBody>
+          <a:bodyPr/>
+          <a:lstStyle/>
+          <a:p>
+            <a:fld id="{2CFBDAFC-02EE-594F-8DC9-0F28EDAA04B6}" type="slidenum">
+              <a:rPr lang="en-US" smtClean="0"/>
+              <a:t>‹#›</a:t>
+            </a:fld>
+            <a:endParaRPr lang="en-US"/>
+          </a:p>
+        </p:txBody>
+      </p:sp>
+      <p:sp>
+        <p:nvSpPr>
+          <p:cNvPr id="10" name="Picture Placeholder 2"/>
+          <p:cNvSpPr>
+            <a:spLocks noGrp="1"/>
+          </p:cNvSpPr>
+          <p:nvPr>
+            <p:ph type="pic" idx="13"/>
+          </p:nvPr>
+        </p:nvSpPr>
+        <p:spPr>
+          <a:xfrm rot="253865">
+            <a:off x="4415567" y="369110"/>
+            <a:ext cx="3794703" cy="2729767"/>
+          </a:xfrm>
+          <a:solidFill>
+            <a:srgbClr val="FFFFFF">
+              <a:shade val="85000"/>
+            </a:srgbClr>
+          </a:solidFill>
+          <a:ln w="31750" cap="sq">
+            <a:solidFill>
+              <a:srgbClr val="FDFDFD"/>
+            </a:solidFill>
+            <a:miter lim="800000"/>
+          </a:ln>
+          <a:effectLst>
+            <a:outerShdw blurRad="88900" dist="44450" dir="6000000" sy="98000" kx="110000" ky="200000" algn="tl" rotWithShape="0">
+              <a:srgbClr val="000000">
+                <a:alpha val="20000"/>
+              </a:srgbClr>
+            </a:outerShdw>
+          </a:effectLst>
+          <a:scene3d>
+            <a:camera prst="perspectiveRelaxed">
+              <a:rot lat="0" lon="0" rev="0"/>
+            </a:camera>
+            <a:lightRig rig="twoPt" dir="t">
+              <a:rot lat="0" lon="0" rev="7200000"/>
+            </a:lightRig>
+          </a:scene3d>
+          <a:sp3d prstMaterial="matte">
+            <a:bevelT w="22860" h="12700"/>
+            <a:contourClr>
+              <a:srgbClr val="FFFFFF"/>
+            </a:contourClr>
+          </a:sp3d>
+        </p:spPr>
+        <p:txBody>
+          <a:bodyPr>
+            <a:normAutofit/>
+          </a:bodyPr>
+          <a:lstStyle>
+            <a:lvl1pPr marL="0" indent="0" algn="r">
+              <a:buNone/>
+              <a:defRPr sz="1800"/>
+            </a:lvl1pPr>
+            <a:lvl2pPr marL="457200" indent="0">
+              <a:buNone/>
+              <a:defRPr sz="2800"/>
+            </a:lvl2pPr>
+            <a:lvl3pPr marL="914400" indent="0">
+              <a:buNone/>
+              <a:defRPr sz="2400"/>
+            </a:lvl3pPr>
+            <a:lvl4pPr marL="1371600" indent="0">
+              <a:buNone/>
+              <a:defRPr sz="2000"/>
+            </a:lvl4pPr>
+            <a:lvl5pPr marL="1828800" indent="0">
+              <a:buNone/>
+              <a:defRPr sz="2000"/>
+            </a:lvl5pPr>
+            <a:lvl6pPr marL="2286000" indent="0">
+              <a:buNone/>
+              <a:defRPr sz="2000"/>
+            </a:lvl6pPr>
+            <a:lvl7pPr marL="2743200" indent="0">
+              <a:buNone/>
+              <a:defRPr sz="2000"/>
+            </a:lvl7pPr>
+            <a:lvl8pPr marL="3200400" indent="0">
+              <a:buNone/>
+              <a:defRPr sz="2000"/>
+            </a:lvl8pPr>
+            <a:lvl9pPr marL="3657600" indent="0">
+              <a:buNone/>
+              <a:defRPr sz="2000"/>
+            </a:lvl9pPr>
+          </a:lstStyle>
+          <a:p>
+            <a:r>
+              <a:rPr lang="en-US" smtClean="0"/>
+              <a:t>Drag picture to placeholder or click icon to add</a:t>
+            </a:r>
+            <a:endParaRPr/>
+          </a:p>
+        </p:txBody>
+      </p:sp>
+      <p:sp>
+        <p:nvSpPr>
+          <p:cNvPr id="3" name="Picture Placeholder 2"/>
+          <p:cNvSpPr>
+            <a:spLocks noGrp="1"/>
+          </p:cNvSpPr>
+          <p:nvPr>
+            <p:ph type="pic" idx="1"/>
+          </p:nvPr>
+        </p:nvSpPr>
+        <p:spPr>
+          <a:xfrm rot="20973137">
+            <a:off x="530124" y="631160"/>
+            <a:ext cx="3837559" cy="2604282"/>
+          </a:xfrm>
+          <a:solidFill>
+            <a:srgbClr val="FFFFFF">
+              <a:shade val="85000"/>
+            </a:srgbClr>
+          </a:solidFill>
+          <a:ln w="31750" cap="sq">
+            <a:solidFill>
+              <a:srgbClr val="FDFDFD"/>
+            </a:solidFill>
+            <a:miter lim="800000"/>
+          </a:ln>
+          <a:effectLst>
+            <a:outerShdw blurRad="88900" dist="44450" dir="900000" sy="98000" kx="110000" ky="200000" algn="tl" rotWithShape="0">
+              <a:srgbClr val="000000">
+                <a:alpha val="20000"/>
+              </a:srgbClr>
+            </a:outerShdw>
+          </a:effectLst>
+          <a:scene3d>
+            <a:camera prst="perspectiveRelaxed">
+              <a:rot lat="0" lon="0" rev="0"/>
+            </a:camera>
+            <a:lightRig rig="twoPt" dir="t">
+              <a:rot lat="0" lon="0" rev="7200000"/>
+            </a:lightRig>
+          </a:scene3d>
+          <a:sp3d prstMaterial="matte">
+            <a:bevelT w="22860" h="12700"/>
+            <a:contourClr>
+              <a:srgbClr val="FFFFFF"/>
+            </a:contourClr>
+          </a:sp3d>
+        </p:spPr>
+        <p:txBody>
+          <a:bodyPr>
+            <a:normAutofit/>
+          </a:bodyPr>
+          <a:lstStyle>
+            <a:lvl1pPr marL="0" indent="0">
+              <a:buNone/>
+              <a:defRPr sz="1800"/>
+            </a:lvl1pPr>
+            <a:lvl2pPr marL="457200" indent="0">
+              <a:buNone/>
+              <a:defRPr sz="2800"/>
+            </a:lvl2pPr>
+            <a:lvl3pPr marL="914400" indent="0">
+              <a:buNone/>
+              <a:defRPr sz="2400"/>
+            </a:lvl3pPr>
+            <a:lvl4pPr marL="1371600" indent="0">
+              <a:buNone/>
+              <a:defRPr sz="2000"/>
+            </a:lvl4pPr>
+            <a:lvl5pPr marL="1828800" indent="0">
+              <a:buNone/>
+              <a:defRPr sz="2000"/>
+            </a:lvl5pPr>
+            <a:lvl6pPr marL="2286000" indent="0">
+              <a:buNone/>
+              <a:defRPr sz="2000"/>
+            </a:lvl6pPr>
+            <a:lvl7pPr marL="2743200" indent="0">
+              <a:buNone/>
+              <a:defRPr sz="2000"/>
+            </a:lvl7pPr>
+            <a:lvl8pPr marL="3200400" indent="0">
+              <a:buNone/>
+              <a:defRPr sz="2000"/>
+            </a:lvl8pPr>
+            <a:lvl9pPr marL="3657600" indent="0">
+              <a:buNone/>
+              <a:defRPr sz="2000"/>
+            </a:lvl9pPr>
+          </a:lstStyle>
+          <a:p>
+            <a:r>
+              <a:rPr lang="en-US" smtClean="0"/>
+              <a:t>Drag picture to placeholder or click icon to add</a:t>
+            </a:r>
+            <a:endParaRPr/>
+          </a:p>
+        </p:txBody>
+      </p:sp>
+      <p:sp>
+        <p:nvSpPr>
+          <p:cNvPr id="14" name="Picture Placeholder 2"/>
+          <p:cNvSpPr>
+            <a:spLocks noGrp="1"/>
+          </p:cNvSpPr>
+          <p:nvPr>
+            <p:ph type="pic" idx="14"/>
+          </p:nvPr>
+        </p:nvSpPr>
+        <p:spPr>
+          <a:xfrm rot="470783">
+            <a:off x="708565" y="3070624"/>
+            <a:ext cx="3918749" cy="2827517"/>
+          </a:xfrm>
+          <a:solidFill>
+            <a:srgbClr val="FFFFFF">
+              <a:shade val="85000"/>
+            </a:srgbClr>
+          </a:solidFill>
+          <a:ln w="31750" cap="sq">
+            <a:solidFill>
+              <a:srgbClr val="FDFDFD"/>
+            </a:solidFill>
+            <a:miter lim="800000"/>
+          </a:ln>
+          <a:effectLst>
+            <a:outerShdw blurRad="88900" dist="44450" dir="11400000" sy="98000" kx="110000" ky="200000" algn="tl" rotWithShape="0">
+              <a:srgbClr val="000000">
+                <a:alpha val="20000"/>
+              </a:srgbClr>
+            </a:outerShdw>
+          </a:effectLst>
+          <a:scene3d>
+            <a:camera prst="perspectiveRelaxed">
+              <a:rot lat="0" lon="0" rev="0"/>
+            </a:camera>
+            <a:lightRig rig="twoPt" dir="t">
+              <a:rot lat="0" lon="0" rev="7200000"/>
+            </a:lightRig>
+          </a:scene3d>
+          <a:sp3d prstMaterial="matte">
+            <a:bevelT w="22860" h="12700"/>
+            <a:contourClr>
+              <a:srgbClr val="FFFFFF"/>
+            </a:contourClr>
+          </a:sp3d>
+        </p:spPr>
+        <p:txBody>
+          <a:bodyPr>
+            <a:normAutofit/>
+          </a:bodyPr>
+          <a:lstStyle>
+            <a:lvl1pPr marL="0" indent="0" algn="r">
+              <a:buNone/>
+              <a:defRPr sz="1800"/>
+            </a:lvl1pPr>
+            <a:lvl2pPr marL="457200" indent="0">
+              <a:buNone/>
+              <a:defRPr sz="2800"/>
+            </a:lvl2pPr>
+            <a:lvl3pPr marL="914400" indent="0">
+              <a:buNone/>
+              <a:defRPr sz="2400"/>
+            </a:lvl3pPr>
+            <a:lvl4pPr marL="1371600" indent="0">
+              <a:buNone/>
+              <a:defRPr sz="2000"/>
+            </a:lvl4pPr>
+            <a:lvl5pPr marL="1828800" indent="0">
+              <a:buNone/>
+              <a:defRPr sz="2000"/>
+            </a:lvl5pPr>
+            <a:lvl6pPr marL="2286000" indent="0">
+              <a:buNone/>
+              <a:defRPr sz="2000"/>
+            </a:lvl6pPr>
+            <a:lvl7pPr marL="2743200" indent="0">
+              <a:buNone/>
+              <a:defRPr sz="2000"/>
+            </a:lvl7pPr>
+            <a:lvl8pPr marL="3200400" indent="0">
+              <a:buNone/>
+              <a:defRPr sz="2000"/>
+            </a:lvl8pPr>
+            <a:lvl9pPr marL="3657600" indent="0">
+              <a:buNone/>
+              <a:defRPr sz="2000"/>
+            </a:lvl9pPr>
+          </a:lstStyle>
+          <a:p>
+            <a:r>
+              <a:rPr lang="en-US" smtClean="0"/>
+              <a:t>Drag picture to placeholder or click icon to add</a:t>
+            </a:r>
+            <a:endParaRPr/>
+          </a:p>
+        </p:txBody>
+      </p:sp>
+      <p:sp>
+        <p:nvSpPr>
+          <p:cNvPr id="11" name="Title 1"/>
+          <p:cNvSpPr>
+            <a:spLocks noGrp="1"/>
+          </p:cNvSpPr>
+          <p:nvPr>
+            <p:ph type="title"/>
+          </p:nvPr>
+        </p:nvSpPr>
+        <p:spPr>
+          <a:xfrm rot="21240000">
+            <a:off x="4717562" y="3396154"/>
+            <a:ext cx="3474720" cy="1097280"/>
+          </a:xfrm>
+        </p:spPr>
+        <p:txBody>
+          <a:bodyPr vert="horz" lIns="91440" tIns="45720" rIns="91440" bIns="45720" rtlCol="0">
+            <a:normAutofit/>
+          </a:bodyPr>
+          <a:lstStyle>
+            <a:lvl1pPr algn="ctr" defTabSz="914400" rtl="0" eaLnBrk="1" latinLnBrk="0" hangingPunct="1">
+              <a:spcBef>
+                <a:spcPct val="0"/>
+              </a:spcBef>
+              <a:spcAft>
+                <a:spcPts val="300"/>
+              </a:spcAft>
+              <a:buNone/>
+              <a:defRPr sz="2800" kern="1200">
+                <a:solidFill>
+                  <a:schemeClr val="tx1"/>
+                </a:solidFill>
+                <a:latin typeface="Mistral" pitchFamily="66" charset="0"/>
+                <a:ea typeface="+mn-ea"/>
+                <a:cs typeface="+mn-cs"/>
+              </a:defRPr>
+            </a:lvl1pPr>
+          </a:lstStyle>
+          <a:p>
+            <a:pPr marL="0" lvl="0" indent="0" algn="ctr" defTabSz="914400" rtl="0" eaLnBrk="1" latinLnBrk="0" hangingPunct="1">
+              <a:spcBef>
+                <a:spcPts val="0"/>
+              </a:spcBef>
+              <a:spcAft>
+                <a:spcPts val="1800"/>
+              </a:spcAft>
+              <a:buFont typeface="Wingdings 2" pitchFamily="18" charset="2"/>
+              <a:buNone/>
+            </a:pPr>
+            <a:r>
+              <a:rPr lang="en-US" smtClean="0"/>
+              <a:t>Click to edit Master title style</a:t>
+            </a:r>
+            <a:endParaRPr dirty="0"/>
+          </a:p>
+        </p:txBody>
+      </p:sp>
+    </p:spTree>
+  </p:cSld>
+  <p:clrMapOvr>
+    <a:masterClrMapping/>
+  </p:clrMapOvr>
+</p:sldLayout>
+</file>
+
+<file path=ppt/slideLayouts/slideLayout14.xml><?xml version="1.0" encoding="utf-8"?>
+<p:sldLayout xmlns:a="http://schemas.openxmlformats.org/drawingml/2006/main" xmlns:r="http://schemas.openxmlformats.org/officeDocument/2006/relationships" xmlns:p="http://schemas.openxmlformats.org/presentationml/2006/main" showMasterSp="0" preserve="1">
+  <p:cSld name="4 Pictures with Caption">
+    <p:spTree>
+      <p:nvGrpSpPr>
+        <p:cNvPr id="1" name=""/>
+        <p:cNvGrpSpPr/>
+        <p:nvPr/>
+      </p:nvGrpSpPr>
+      <p:grpSpPr>
+        <a:xfrm>
+          <a:off x="0" y="0"/>
+          <a:ext cx="0" cy="0"/>
+          <a:chOff x="0" y="0"/>
+          <a:chExt cx="0" cy="0"/>
+        </a:xfrm>
+      </p:grpSpPr>
+      <p:pic>
+        <p:nvPicPr>
+          <p:cNvPr id="12" name="Picture 11" descr="TitlePageOverlay.png"/>
+          <p:cNvPicPr>
+            <a:picLocks noChangeAspect="1"/>
+          </p:cNvPicPr>
+          <p:nvPr/>
+        </p:nvPicPr>
+        <p:blipFill>
+          <a:blip r:embed="rId2"/>
+          <a:stretch>
+            <a:fillRect/>
+          </a:stretch>
+        </p:blipFill>
+        <p:spPr>
+          <a:xfrm>
+            <a:off x="0" y="0"/>
+            <a:ext cx="9144000" cy="6858000"/>
+          </a:xfrm>
+          <a:prstGeom prst="rect">
+            <a:avLst/>
+          </a:prstGeom>
+        </p:spPr>
+      </p:pic>
+      <p:sp>
+        <p:nvSpPr>
+          <p:cNvPr id="4" name="Text Placeholder 3"/>
+          <p:cNvSpPr>
+            <a:spLocks noGrp="1"/>
+          </p:cNvSpPr>
+          <p:nvPr>
+            <p:ph type="body" sz="half" idx="2"/>
+          </p:nvPr>
+        </p:nvSpPr>
+        <p:spPr>
+          <a:xfrm>
+            <a:off x="762000" y="4876800"/>
+            <a:ext cx="3048000" cy="1188720"/>
+          </a:xfrm>
+        </p:spPr>
+        <p:txBody>
+          <a:bodyPr vert="horz" lIns="91440" tIns="45720" rIns="91440" bIns="45720" rtlCol="0">
+            <a:normAutofit/>
+          </a:bodyPr>
+          <a:lstStyle>
+            <a:lvl1pPr marL="0" indent="0" algn="ctr">
+              <a:spcAft>
+                <a:spcPts val="300"/>
+              </a:spcAft>
+              <a:buNone/>
+              <a:defRPr sz="2000" kern="1200">
+                <a:solidFill>
+                  <a:schemeClr val="tx1"/>
+                </a:solidFill>
+                <a:latin typeface="Mistral" pitchFamily="66" charset="0"/>
+                <a:ea typeface="+mn-ea"/>
+                <a:cs typeface="+mn-cs"/>
+              </a:defRPr>
+            </a:lvl1pPr>
+            <a:lvl2pPr marL="457200" indent="0">
+              <a:buNone/>
+              <a:defRPr sz="1200"/>
+            </a:lvl2pPr>
+            <a:lvl3pPr marL="914400" indent="0">
+              <a:buNone/>
+              <a:defRPr sz="1000"/>
+            </a:lvl3pPr>
+            <a:lvl4pPr marL="1371600" indent="0">
+              <a:buNone/>
+              <a:defRPr sz="900"/>
+            </a:lvl4pPr>
+            <a:lvl5pPr marL="1828800" indent="0">
+              <a:buNone/>
+              <a:defRPr sz="900"/>
+            </a:lvl5pPr>
+            <a:lvl6pPr marL="2286000" indent="0">
+              <a:buNone/>
+              <a:defRPr sz="900"/>
+            </a:lvl6pPr>
+            <a:lvl7pPr marL="2743200" indent="0">
+              <a:buNone/>
+              <a:defRPr sz="900"/>
+            </a:lvl7pPr>
+            <a:lvl8pPr marL="3200400" indent="0">
+              <a:buNone/>
+              <a:defRPr sz="900"/>
+            </a:lvl8pPr>
+            <a:lvl9pPr marL="3657600" indent="0">
+              <a:buNone/>
+              <a:defRPr sz="900"/>
+            </a:lvl9pPr>
+          </a:lstStyle>
+          <a:p>
+            <a:pPr marL="0" lvl="0" indent="0" algn="ctr" defTabSz="914400" rtl="0" eaLnBrk="1" latinLnBrk="0" hangingPunct="1">
+              <a:spcBef>
+                <a:spcPts val="0"/>
+              </a:spcBef>
+              <a:spcAft>
+                <a:spcPts val="1800"/>
+              </a:spcAft>
+              <a:buFont typeface="Wingdings 2" pitchFamily="18" charset="2"/>
+              <a:buNone/>
+            </a:pPr>
+            <a:r>
+              <a:rPr lang="en-US" smtClean="0"/>
+              <a:t>Click to edit Master text styles</a:t>
+            </a:r>
+          </a:p>
+        </p:txBody>
+      </p:sp>
+      <p:sp>
+        <p:nvSpPr>
+          <p:cNvPr id="5" name="Date Placeholder 4"/>
+          <p:cNvSpPr>
+            <a:spLocks noGrp="1"/>
+          </p:cNvSpPr>
+          <p:nvPr>
+            <p:ph type="dt" sz="half" idx="10"/>
+          </p:nvPr>
+        </p:nvSpPr>
+        <p:spPr/>
+        <p:txBody>
+          <a:bodyPr/>
+          <a:lstStyle/>
+          <a:p>
+            <a:fld id="{F6F69B8E-2428-3940-9302-DEDA118D8E59}" type="datetimeFigureOut">
+              <a:rPr lang="en-US" smtClean="0"/>
+              <a:t>12/15/11</a:t>
+            </a:fld>
+            <a:endParaRPr lang="en-US"/>
+          </a:p>
+        </p:txBody>
+      </p:sp>
+      <p:sp>
+        <p:nvSpPr>
+          <p:cNvPr id="6" name="Footer Placeholder 5"/>
+          <p:cNvSpPr>
+            <a:spLocks noGrp="1"/>
+          </p:cNvSpPr>
+          <p:nvPr>
+            <p:ph type="ftr" sz="quarter" idx="11"/>
+          </p:nvPr>
+        </p:nvSpPr>
+        <p:spPr/>
+        <p:txBody>
+          <a:bodyPr/>
+          <a:lstStyle/>
+          <a:p>
+            <a:endParaRPr lang="en-US"/>
+          </a:p>
+        </p:txBody>
+      </p:sp>
+      <p:sp>
+        <p:nvSpPr>
+          <p:cNvPr id="7" name="Slide Number Placeholder 6"/>
+          <p:cNvSpPr>
+            <a:spLocks noGrp="1"/>
+          </p:cNvSpPr>
+          <p:nvPr>
+            <p:ph type="sldNum" sz="quarter" idx="12"/>
+          </p:nvPr>
+        </p:nvSpPr>
+        <p:spPr/>
+        <p:txBody>
+          <a:bodyPr/>
+          <a:lstStyle/>
+          <a:p>
+            <a:fld id="{2CFBDAFC-02EE-594F-8DC9-0F28EDAA04B6}" type="slidenum">
+              <a:rPr lang="en-US" smtClean="0"/>
+              <a:t>‹#›</a:t>
+            </a:fld>
+            <a:endParaRPr lang="en-US"/>
+          </a:p>
+        </p:txBody>
+      </p:sp>
+      <p:pic>
+        <p:nvPicPr>
+          <p:cNvPr id="15" name="Picture 14" descr="parAvion.png"/>
+          <p:cNvPicPr>
+            <a:picLocks noChangeAspect="1"/>
+          </p:cNvPicPr>
+          <p:nvPr/>
+        </p:nvPicPr>
+        <p:blipFill>
+          <a:blip r:embed="rId3"/>
+          <a:stretch>
+            <a:fillRect/>
+          </a:stretch>
+        </p:blipFill>
+        <p:spPr>
+          <a:xfrm rot="308222">
+            <a:off x="7428515" y="2619243"/>
+            <a:ext cx="1580737" cy="451639"/>
+          </a:xfrm>
+          <a:prstGeom prst="rect">
+            <a:avLst/>
+          </a:prstGeom>
+        </p:spPr>
+      </p:pic>
+      <p:pic>
+        <p:nvPicPr>
+          <p:cNvPr id="11" name="Picture 10" descr="pictureStamp-Frame.png"/>
+          <p:cNvPicPr>
+            <a:picLocks noChangeAspect="1"/>
+          </p:cNvPicPr>
+          <p:nvPr/>
+        </p:nvPicPr>
+        <p:blipFill>
+          <a:blip r:embed="rId4"/>
+          <a:stretch>
+            <a:fillRect/>
+          </a:stretch>
+        </p:blipFill>
+        <p:spPr>
+          <a:xfrm rot="322260">
+            <a:off x="6339646" y="604321"/>
+            <a:ext cx="1610332" cy="2025115"/>
+          </a:xfrm>
+          <a:prstGeom prst="rect">
+            <a:avLst/>
+          </a:prstGeom>
+        </p:spPr>
+      </p:pic>
+      <p:pic>
+        <p:nvPicPr>
+          <p:cNvPr id="13" name="Picture 12" descr="pictureStamp-Frame.png"/>
+          <p:cNvPicPr>
+            <a:picLocks noChangeAspect="1"/>
+          </p:cNvPicPr>
+          <p:nvPr/>
+        </p:nvPicPr>
+        <p:blipFill>
+          <a:blip r:embed="rId4"/>
+          <a:stretch>
+            <a:fillRect/>
+          </a:stretch>
+        </p:blipFill>
+        <p:spPr>
+          <a:xfrm rot="322260">
+            <a:off x="4891846" y="985321"/>
+            <a:ext cx="1610332" cy="2025115"/>
+          </a:xfrm>
+          <a:prstGeom prst="rect">
+            <a:avLst/>
+          </a:prstGeom>
+        </p:spPr>
+      </p:pic>
+      <p:sp>
+        <p:nvSpPr>
+          <p:cNvPr id="16" name="Picture Placeholder 2"/>
+          <p:cNvSpPr>
+            <a:spLocks noGrp="1"/>
+          </p:cNvSpPr>
+          <p:nvPr>
+            <p:ph type="pic" idx="14"/>
+          </p:nvPr>
+        </p:nvSpPr>
+        <p:spPr>
+          <a:xfrm rot="247118">
+            <a:off x="5075220" y="1165774"/>
+            <a:ext cx="1243584" cy="1664208"/>
+          </a:xfrm>
+          <a:solidFill>
+            <a:srgbClr val="FFFFFF">
+              <a:shade val="85000"/>
+            </a:srgbClr>
+          </a:solidFill>
+          <a:ln w="114300" cap="sq">
+            <a:noFill/>
+            <a:miter lim="800000"/>
+          </a:ln>
+          <a:effectLst/>
+          <a:scene3d>
+            <a:camera prst="perspectiveRelaxed">
+              <a:rot lat="0" lon="0" rev="0"/>
+            </a:camera>
+            <a:lightRig rig="twoPt" dir="t">
+              <a:rot lat="0" lon="0" rev="7200000"/>
+            </a:lightRig>
+          </a:scene3d>
+          <a:sp3d prstMaterial="matte">
+            <a:contourClr>
+              <a:srgbClr val="FFFFFF"/>
+            </a:contourClr>
+          </a:sp3d>
+        </p:spPr>
+        <p:txBody>
+          <a:bodyPr>
+            <a:normAutofit/>
+          </a:bodyPr>
+          <a:lstStyle>
+            <a:lvl1pPr marL="0" indent="0">
+              <a:buNone/>
+              <a:defRPr sz="1200"/>
+            </a:lvl1pPr>
+            <a:lvl2pPr marL="457200" indent="0">
+              <a:buNone/>
+              <a:defRPr sz="2800"/>
+            </a:lvl2pPr>
+            <a:lvl3pPr marL="914400" indent="0">
+              <a:buNone/>
+              <a:defRPr sz="2400"/>
+            </a:lvl3pPr>
+            <a:lvl4pPr marL="1371600" indent="0">
+              <a:buNone/>
+              <a:defRPr sz="2000"/>
+            </a:lvl4pPr>
+            <a:lvl5pPr marL="1828800" indent="0">
+              <a:buNone/>
+              <a:defRPr sz="2000"/>
+            </a:lvl5pPr>
+            <a:lvl6pPr marL="2286000" indent="0">
+              <a:buNone/>
+              <a:defRPr sz="2000"/>
+            </a:lvl6pPr>
+            <a:lvl7pPr marL="2743200" indent="0">
+              <a:buNone/>
+              <a:defRPr sz="2000"/>
+            </a:lvl7pPr>
+            <a:lvl8pPr marL="3200400" indent="0">
+              <a:buNone/>
+              <a:defRPr sz="2000"/>
+            </a:lvl8pPr>
+            <a:lvl9pPr marL="3657600" indent="0">
+              <a:buNone/>
+              <a:defRPr sz="2000"/>
+            </a:lvl9pPr>
+          </a:lstStyle>
+          <a:p>
+            <a:r>
+              <a:rPr lang="en-US" smtClean="0"/>
+              <a:t>Drag picture to placeholder or click icon to add</a:t>
+            </a:r>
+            <a:endParaRPr/>
+          </a:p>
+        </p:txBody>
+      </p:sp>
+      <p:sp>
+        <p:nvSpPr>
+          <p:cNvPr id="17" name="Picture Placeholder 2"/>
+          <p:cNvSpPr>
+            <a:spLocks noGrp="1"/>
+          </p:cNvSpPr>
+          <p:nvPr>
+            <p:ph type="pic" idx="15"/>
+          </p:nvPr>
+        </p:nvSpPr>
+        <p:spPr>
+          <a:xfrm rot="271248">
+            <a:off x="6523020" y="784774"/>
+            <a:ext cx="1243584" cy="1664208"/>
+          </a:xfrm>
+          <a:solidFill>
+            <a:srgbClr val="FFFFFF">
+              <a:shade val="85000"/>
+            </a:srgbClr>
+          </a:solidFill>
+          <a:ln w="114300" cap="sq">
+            <a:noFill/>
+            <a:miter lim="800000"/>
+          </a:ln>
+          <a:effectLst/>
+          <a:scene3d>
+            <a:camera prst="perspectiveRelaxed">
+              <a:rot lat="0" lon="0" rev="0"/>
+            </a:camera>
+            <a:lightRig rig="twoPt" dir="t">
+              <a:rot lat="0" lon="0" rev="7200000"/>
+            </a:lightRig>
+          </a:scene3d>
+          <a:sp3d prstMaterial="matte">
+            <a:contourClr>
+              <a:srgbClr val="FFFFFF"/>
+            </a:contourClr>
+          </a:sp3d>
+        </p:spPr>
+        <p:txBody>
+          <a:bodyPr>
+            <a:normAutofit/>
+          </a:bodyPr>
+          <a:lstStyle>
+            <a:lvl1pPr marL="0" indent="0">
+              <a:buNone/>
+              <a:defRPr sz="1200"/>
+            </a:lvl1pPr>
+            <a:lvl2pPr marL="457200" indent="0">
+              <a:buNone/>
+              <a:defRPr sz="2800"/>
+            </a:lvl2pPr>
+            <a:lvl3pPr marL="914400" indent="0">
+              <a:buNone/>
+              <a:defRPr sz="2400"/>
+            </a:lvl3pPr>
+            <a:lvl4pPr marL="1371600" indent="0">
+              <a:buNone/>
+              <a:defRPr sz="2000"/>
+            </a:lvl4pPr>
+            <a:lvl5pPr marL="1828800" indent="0">
+              <a:buNone/>
+              <a:defRPr sz="2000"/>
+            </a:lvl5pPr>
+            <a:lvl6pPr marL="2286000" indent="0">
+              <a:buNone/>
+              <a:defRPr sz="2000"/>
+            </a:lvl6pPr>
+            <a:lvl7pPr marL="2743200" indent="0">
+              <a:buNone/>
+              <a:defRPr sz="2000"/>
+            </a:lvl7pPr>
+            <a:lvl8pPr marL="3200400" indent="0">
+              <a:buNone/>
+              <a:defRPr sz="2000"/>
+            </a:lvl8pPr>
+            <a:lvl9pPr marL="3657600" indent="0">
+              <a:buNone/>
+              <a:defRPr sz="2000"/>
+            </a:lvl9pPr>
+          </a:lstStyle>
+          <a:p>
+            <a:r>
+              <a:rPr lang="en-US" smtClean="0"/>
+              <a:t>Drag picture to placeholder or click icon to add</a:t>
+            </a:r>
+            <a:endParaRPr/>
+          </a:p>
+        </p:txBody>
+      </p:sp>
+      <p:sp>
+        <p:nvSpPr>
+          <p:cNvPr id="10" name="Picture Placeholder 2"/>
+          <p:cNvSpPr>
+            <a:spLocks noGrp="1"/>
+          </p:cNvSpPr>
+          <p:nvPr>
+            <p:ph type="pic" idx="13"/>
+          </p:nvPr>
+        </p:nvSpPr>
+        <p:spPr>
+          <a:xfrm rot="253865">
+            <a:off x="4519045" y="2873698"/>
+            <a:ext cx="3931920" cy="2834640"/>
+          </a:xfrm>
+          <a:solidFill>
+            <a:srgbClr val="FFFFFF">
+              <a:shade val="85000"/>
+            </a:srgbClr>
+          </a:solidFill>
+          <a:ln w="31750" cap="sq">
+            <a:solidFill>
+              <a:srgbClr val="FDFDFD"/>
+            </a:solidFill>
+            <a:miter lim="800000"/>
+          </a:ln>
+          <a:effectLst>
+            <a:outerShdw blurRad="88900" dist="44450" dir="6900000" sy="98000" kx="110000" ky="200000" algn="tl" rotWithShape="0">
+              <a:srgbClr val="000000">
+                <a:alpha val="20000"/>
+              </a:srgbClr>
+            </a:outerShdw>
+          </a:effectLst>
+          <a:scene3d>
+            <a:camera prst="perspectiveRelaxed">
+              <a:rot lat="0" lon="0" rev="0"/>
+            </a:camera>
+            <a:lightRig rig="twoPt" dir="t">
+              <a:rot lat="0" lon="0" rev="7200000"/>
+            </a:lightRig>
+          </a:scene3d>
+          <a:sp3d prstMaterial="matte">
+            <a:bevelT w="22860" h="12700"/>
+            <a:contourClr>
+              <a:srgbClr val="FFFFFF"/>
+            </a:contourClr>
+          </a:sp3d>
+        </p:spPr>
+        <p:txBody>
+          <a:bodyPr>
+            <a:normAutofit/>
+          </a:bodyPr>
+          <a:lstStyle>
+            <a:lvl1pPr marL="0" indent="0" algn="r">
+              <a:buNone/>
+              <a:defRPr sz="1800"/>
+            </a:lvl1pPr>
+            <a:lvl2pPr marL="457200" indent="0">
+              <a:buNone/>
+              <a:defRPr sz="2800"/>
+            </a:lvl2pPr>
+            <a:lvl3pPr marL="914400" indent="0">
+              <a:buNone/>
+              <a:defRPr sz="2400"/>
+            </a:lvl3pPr>
+            <a:lvl4pPr marL="1371600" indent="0">
+              <a:buNone/>
+              <a:defRPr sz="2000"/>
+            </a:lvl4pPr>
+            <a:lvl5pPr marL="1828800" indent="0">
+              <a:buNone/>
+              <a:defRPr sz="2000"/>
+            </a:lvl5pPr>
+            <a:lvl6pPr marL="2286000" indent="0">
+              <a:buNone/>
+              <a:defRPr sz="2000"/>
+            </a:lvl6pPr>
+            <a:lvl7pPr marL="2743200" indent="0">
+              <a:buNone/>
+              <a:defRPr sz="2000"/>
+            </a:lvl7pPr>
+            <a:lvl8pPr marL="3200400" indent="0">
+              <a:buNone/>
+              <a:defRPr sz="2000"/>
+            </a:lvl8pPr>
+            <a:lvl9pPr marL="3657600" indent="0">
+              <a:buNone/>
+              <a:defRPr sz="2000"/>
+            </a:lvl9pPr>
+          </a:lstStyle>
+          <a:p>
+            <a:r>
+              <a:rPr lang="en-US" smtClean="0"/>
+              <a:t>Drag picture to placeholder or click icon to add</a:t>
+            </a:r>
+            <a:endParaRPr/>
+          </a:p>
+        </p:txBody>
+      </p:sp>
+      <p:sp>
+        <p:nvSpPr>
+          <p:cNvPr id="3" name="Picture Placeholder 2"/>
+          <p:cNvSpPr>
+            <a:spLocks noGrp="1"/>
+          </p:cNvSpPr>
+          <p:nvPr>
+            <p:ph type="pic" idx="1"/>
+          </p:nvPr>
+        </p:nvSpPr>
+        <p:spPr>
+          <a:xfrm rot="21193488">
+            <a:off x="610678" y="450635"/>
+            <a:ext cx="3931920" cy="2834640"/>
+          </a:xfrm>
+          <a:solidFill>
+            <a:srgbClr val="FFFFFF">
+              <a:shade val="85000"/>
+            </a:srgbClr>
+          </a:solidFill>
+          <a:ln w="31750" cap="sq">
+            <a:solidFill>
+              <a:srgbClr val="FDFDFD"/>
+            </a:solidFill>
+            <a:miter lim="800000"/>
+          </a:ln>
+          <a:effectLst>
+            <a:outerShdw blurRad="88900" dist="44450" dir="900000" sy="98000" kx="110000" ky="200000" algn="tl" rotWithShape="0">
+              <a:srgbClr val="000000">
+                <a:alpha val="20000"/>
+              </a:srgbClr>
+            </a:outerShdw>
+          </a:effectLst>
+          <a:scene3d>
+            <a:camera prst="perspectiveRelaxed">
+              <a:rot lat="0" lon="0" rev="0"/>
+            </a:camera>
+            <a:lightRig rig="twoPt" dir="t">
+              <a:rot lat="0" lon="0" rev="7200000"/>
+            </a:lightRig>
+          </a:scene3d>
+          <a:sp3d prstMaterial="matte">
+            <a:bevelT w="22860" h="12700"/>
+            <a:contourClr>
+              <a:srgbClr val="FFFFFF"/>
+            </a:contourClr>
+          </a:sp3d>
+        </p:spPr>
+        <p:txBody>
+          <a:bodyPr>
+            <a:normAutofit/>
+          </a:bodyPr>
+          <a:lstStyle>
+            <a:lvl1pPr marL="0" indent="0">
+              <a:buNone/>
+              <a:defRPr sz="1800"/>
+            </a:lvl1pPr>
+            <a:lvl2pPr marL="457200" indent="0">
+              <a:buNone/>
+              <a:defRPr sz="2800"/>
+            </a:lvl2pPr>
+            <a:lvl3pPr marL="914400" indent="0">
+              <a:buNone/>
+              <a:defRPr sz="2400"/>
+            </a:lvl3pPr>
+            <a:lvl4pPr marL="1371600" indent="0">
+              <a:buNone/>
+              <a:defRPr sz="2000"/>
+            </a:lvl4pPr>
+            <a:lvl5pPr marL="1828800" indent="0">
+              <a:buNone/>
+              <a:defRPr sz="2000"/>
+            </a:lvl5pPr>
+            <a:lvl6pPr marL="2286000" indent="0">
+              <a:buNone/>
+              <a:defRPr sz="2000"/>
+            </a:lvl6pPr>
+            <a:lvl7pPr marL="2743200" indent="0">
+              <a:buNone/>
+              <a:defRPr sz="2000"/>
+            </a:lvl7pPr>
+            <a:lvl8pPr marL="3200400" indent="0">
+              <a:buNone/>
+              <a:defRPr sz="2000"/>
+            </a:lvl8pPr>
+            <a:lvl9pPr marL="3657600" indent="0">
+              <a:buNone/>
+              <a:defRPr sz="2000"/>
+            </a:lvl9pPr>
+          </a:lstStyle>
+          <a:p>
+            <a:r>
+              <a:rPr lang="en-US" smtClean="0"/>
+              <a:t>Drag picture to placeholder or click icon to add</a:t>
+            </a:r>
+            <a:endParaRPr/>
+          </a:p>
+        </p:txBody>
+      </p:sp>
+      <p:sp>
+        <p:nvSpPr>
+          <p:cNvPr id="14" name="Title 1"/>
+          <p:cNvSpPr>
+            <a:spLocks noGrp="1"/>
+          </p:cNvSpPr>
+          <p:nvPr>
+            <p:ph type="title"/>
+          </p:nvPr>
+        </p:nvSpPr>
+        <p:spPr>
+          <a:xfrm rot="21240000">
+            <a:off x="455724" y="3551615"/>
+            <a:ext cx="3474720" cy="1097280"/>
+          </a:xfrm>
+        </p:spPr>
+        <p:txBody>
+          <a:bodyPr vert="horz" lIns="91440" tIns="45720" rIns="91440" bIns="45720" rtlCol="0">
+            <a:normAutofit/>
+          </a:bodyPr>
+          <a:lstStyle>
+            <a:lvl1pPr algn="ctr" defTabSz="914400" rtl="0" eaLnBrk="1" latinLnBrk="0" hangingPunct="1">
+              <a:spcBef>
+                <a:spcPct val="0"/>
+              </a:spcBef>
+              <a:spcAft>
+                <a:spcPts val="300"/>
+              </a:spcAft>
+              <a:buNone/>
+              <a:defRPr sz="2800" kern="1200">
+                <a:solidFill>
+                  <a:schemeClr val="tx1"/>
+                </a:solidFill>
+                <a:latin typeface="Mistral" pitchFamily="66" charset="0"/>
+                <a:ea typeface="+mn-ea"/>
+                <a:cs typeface="+mn-cs"/>
+              </a:defRPr>
+            </a:lvl1pPr>
+          </a:lstStyle>
+          <a:p>
+            <a:pPr marL="0" lvl="0" indent="0" algn="ctr" defTabSz="914400" rtl="0" eaLnBrk="1" latinLnBrk="0" hangingPunct="1">
+              <a:spcBef>
+                <a:spcPts val="0"/>
+              </a:spcBef>
+              <a:spcAft>
+                <a:spcPts val="1800"/>
+              </a:spcAft>
+              <a:buFont typeface="Wingdings 2" pitchFamily="18" charset="2"/>
+              <a:buNone/>
+            </a:pPr>
+            <a:r>
+              <a:rPr lang="en-US" smtClean="0"/>
+              <a:t>Click to edit Master title style</a:t>
+            </a:r>
+            <a:endParaRPr/>
+          </a:p>
+        </p:txBody>
+      </p:sp>
+    </p:spTree>
+  </p:cSld>
+  <p:clrMapOvr>
+    <a:masterClrMapping/>
+  </p:clrMapOvr>
+</p:sldLayout>
+</file>
+
+<file path=ppt/slideLayouts/slideLayout15.xml><?xml version="1.0" encoding="utf-8"?>
 <p:sldLayout xmlns:a="http://schemas.openxmlformats.org/drawingml/2006/main" xmlns:r="http://schemas.openxmlformats.org/officeDocument/2006/relationships" xmlns:p="http://schemas.openxmlformats.org/presentationml/2006/main" type="vertTx" preserve="1">
   <p:cSld name="Title and Vertical Text">
     <p:spTree>
@@ -398,7 +3003,7 @@
               <a:rPr lang="en-US" smtClean="0"/>
               <a:t>Click to edit Master title style</a:t>
             </a:r>
-            <a:endParaRPr lang="en-US"/>
+            <a:endParaRPr/>
           </a:p>
         </p:txBody>
       </p:sp>
@@ -415,7 +3020,23 @@
         <p:spPr/>
         <p:txBody>
           <a:bodyPr vert="eaVert"/>
-          <a:lstStyle/>
+          <a:lstStyle>
+            <a:lvl5pPr>
+              <a:defRPr/>
+            </a:lvl5pPr>
+            <a:lvl6pPr marL="2286000" indent="-457200">
+              <a:defRPr/>
+            </a:lvl6pPr>
+            <a:lvl7pPr marL="2286000" indent="-457200">
+              <a:defRPr/>
+            </a:lvl7pPr>
+            <a:lvl8pPr marL="2286000" indent="-457200">
+              <a:defRPr/>
+            </a:lvl8pPr>
+            <a:lvl9pPr marL="2286000" indent="-457200">
+              <a:defRPr/>
+            </a:lvl9pPr>
+          </a:lstStyle>
           <a:p>
             <a:pPr lvl="0"/>
             <a:r>
@@ -450,7 +3071,7 @@
               <a:rPr lang="en-US" smtClean="0"/>
               <a:t>Fifth level</a:t>
             </a:r>
-            <a:endParaRPr lang="en-US"/>
+            <a:endParaRPr dirty="0"/>
           </a:p>
         </p:txBody>
       </p:sp>
@@ -471,7 +3092,7 @@
           <a:p>
             <a:fld id="{F6F69B8E-2428-3940-9302-DEDA118D8E59}" type="datetimeFigureOut">
               <a:rPr lang="en-US" smtClean="0"/>
-              <a:t>12/13/11</a:t>
+              <a:t>12/15/11</a:t>
             </a:fld>
             <a:endParaRPr lang="en-US"/>
           </a:p>
@@ -519,12 +3140,38 @@
           </a:p>
         </p:txBody>
       </p:sp>
+      <p:pic>
+        <p:nvPicPr>
+          <p:cNvPr id="7" name="Picture 6" descr="standardRule.png"/>
+          <p:cNvPicPr>
+            <a:picLocks noChangeAspect="1"/>
+          </p:cNvPicPr>
+          <p:nvPr/>
+        </p:nvPicPr>
+        <p:blipFill>
+          <a:blip r:embed="rId2"/>
+          <a:stretch>
+            <a:fillRect/>
+          </a:stretch>
+        </p:blipFill>
+        <p:spPr>
+          <a:xfrm>
+            <a:off x="2705100" y="1524000"/>
+            <a:ext cx="3733800" cy="152400"/>
+          </a:xfrm>
+          <a:prstGeom prst="rect">
+            <a:avLst/>
+          </a:prstGeom>
+          <a:effectLst>
+            <a:outerShdw blurRad="25400" sx="101000" sy="101000" algn="ctr" rotWithShape="0">
+              <a:prstClr val="black">
+                <a:alpha val="40000"/>
+              </a:prstClr>
+            </a:outerShdw>
+          </a:effectLst>
+        </p:spPr>
+      </p:pic>
     </p:spTree>
-    <p:extLst>
-      <p:ext uri="{BB962C8B-B14F-4D97-AF65-F5344CB8AC3E}">
-        <p14:creationId xmlns:p14="http://schemas.microsoft.com/office/powerpoint/2010/main" val="2098966915"/>
-      </p:ext>
-    </p:extLst>
   </p:cSld>
   <p:clrMapOvr>
     <a:masterClrMapping/>
@@ -532,7 +3179,7 @@
 </p:sldLayout>
 </file>
 
-<file path=ppt/slideLayouts/slideLayout11.xml><?xml version="1.0" encoding="utf-8"?>
+<file path=ppt/slideLayouts/slideLayout16.xml><?xml version="1.0" encoding="utf-8"?>
 <p:sldLayout xmlns:a="http://schemas.openxmlformats.org/drawingml/2006/main" xmlns:r="http://schemas.openxmlformats.org/officeDocument/2006/relationships" xmlns:p="http://schemas.openxmlformats.org/presentationml/2006/main" type="vertTitleAndTx" preserve="1">
   <p:cSld name="Vertical Title and Text">
     <p:spTree>
@@ -561,19 +3208,23 @@
         </p:nvSpPr>
         <p:spPr>
           <a:xfrm>
-            <a:off x="6629400" y="274638"/>
-            <a:ext cx="2057400" cy="5851525"/>
+            <a:off x="6696634" y="577849"/>
+            <a:ext cx="1882589" cy="5461001"/>
           </a:xfrm>
         </p:spPr>
         <p:txBody>
           <a:bodyPr vert="eaVert"/>
-          <a:lstStyle/>
+          <a:lstStyle>
+            <a:lvl1pPr>
+              <a:defRPr sz="4400"/>
+            </a:lvl1pPr>
+          </a:lstStyle>
           <a:p>
             <a:r>
               <a:rPr lang="en-US" smtClean="0"/>
               <a:t>Click to edit Master title style</a:t>
             </a:r>
-            <a:endParaRPr lang="en-US"/>
+            <a:endParaRPr/>
           </a:p>
         </p:txBody>
       </p:sp>
@@ -589,13 +3240,17 @@
         </p:nvSpPr>
         <p:spPr>
           <a:xfrm>
-            <a:off x="457200" y="274638"/>
-            <a:ext cx="6019800" cy="5851525"/>
+            <a:off x="578224" y="577849"/>
+            <a:ext cx="5768788" cy="5461001"/>
           </a:xfrm>
         </p:spPr>
         <p:txBody>
           <a:bodyPr vert="eaVert"/>
-          <a:lstStyle/>
+          <a:lstStyle>
+            <a:lvl5pPr>
+              <a:defRPr/>
+            </a:lvl5pPr>
+          </a:lstStyle>
           <a:p>
             <a:pPr lvl="0"/>
             <a:r>
@@ -630,7 +3285,7 @@
               <a:rPr lang="en-US" smtClean="0"/>
               <a:t>Fifth level</a:t>
             </a:r>
-            <a:endParaRPr lang="en-US"/>
+            <a:endParaRPr dirty="0"/>
           </a:p>
         </p:txBody>
       </p:sp>
@@ -651,7 +3306,7 @@
           <a:p>
             <a:fld id="{F6F69B8E-2428-3940-9302-DEDA118D8E59}" type="datetimeFigureOut">
               <a:rPr lang="en-US" smtClean="0"/>
-              <a:t>12/13/11</a:t>
+              <a:t>12/15/11</a:t>
             </a:fld>
             <a:endParaRPr lang="en-US"/>
           </a:p>
@@ -699,12 +3354,38 @@
           </a:p>
         </p:txBody>
       </p:sp>
+      <p:pic>
+        <p:nvPicPr>
+          <p:cNvPr id="7" name="Picture 6" descr="verticalRule.png"/>
+          <p:cNvPicPr>
+            <a:picLocks noChangeAspect="1"/>
+          </p:cNvPicPr>
+          <p:nvPr/>
+        </p:nvPicPr>
+        <p:blipFill>
+          <a:blip r:embed="rId2"/>
+          <a:stretch>
+            <a:fillRect/>
+          </a:stretch>
+        </p:blipFill>
+        <p:spPr>
+          <a:xfrm>
+            <a:off x="6512859" y="1562100"/>
+            <a:ext cx="152400" cy="3733800"/>
+          </a:xfrm>
+          <a:prstGeom prst="rect">
+            <a:avLst/>
+          </a:prstGeom>
+          <a:effectLst>
+            <a:outerShdw blurRad="25400" sx="101000" sy="101000" algn="ctr" rotWithShape="0">
+              <a:prstClr val="black">
+                <a:alpha val="40000"/>
+              </a:prstClr>
+            </a:outerShdw>
+          </a:effectLst>
+        </p:spPr>
+      </p:pic>
     </p:spTree>
-    <p:extLst>
-      <p:ext uri="{BB962C8B-B14F-4D97-AF65-F5344CB8AC3E}">
-        <p14:creationId xmlns:p14="http://schemas.microsoft.com/office/powerpoint/2010/main" val="1500401829"/>
-      </p:ext>
-    </p:extLst>
   </p:cSld>
   <p:clrMapOvr>
     <a:masterClrMapping/>
@@ -748,7 +3429,7 @@
               <a:rPr lang="en-US" smtClean="0"/>
               <a:t>Click to edit Master title style</a:t>
             </a:r>
-            <a:endParaRPr lang="en-US"/>
+            <a:endParaRPr/>
           </a:p>
         </p:txBody>
       </p:sp>
@@ -760,6 +3441,62 @@
           </p:cNvSpPr>
           <p:nvPr>
             <p:ph idx="1"/>
+          </p:nvPr>
+        </p:nvSpPr>
+        <p:spPr/>
+        <p:txBody>
+          <a:bodyPr/>
+          <a:lstStyle>
+            <a:lvl5pPr>
+              <a:defRPr/>
+            </a:lvl5pPr>
+          </a:lstStyle>
+          <a:p>
+            <a:pPr lvl="0"/>
+            <a:r>
+              <a:rPr lang="en-US" smtClean="0"/>
+              <a:t>Click to edit Master text styles</a:t>
+            </a:r>
+          </a:p>
+          <a:p>
+            <a:pPr lvl="1"/>
+            <a:r>
+              <a:rPr lang="en-US" smtClean="0"/>
+              <a:t>Second level</a:t>
+            </a:r>
+          </a:p>
+          <a:p>
+            <a:pPr lvl="2"/>
+            <a:r>
+              <a:rPr lang="en-US" smtClean="0"/>
+              <a:t>Third level</a:t>
+            </a:r>
+          </a:p>
+          <a:p>
+            <a:pPr lvl="3"/>
+            <a:r>
+              <a:rPr lang="en-US" smtClean="0"/>
+              <a:t>Fourth level</a:t>
+            </a:r>
+          </a:p>
+          <a:p>
+            <a:pPr lvl="4"/>
+            <a:r>
+              <a:rPr lang="en-US" smtClean="0"/>
+              <a:t>Fifth level</a:t>
+            </a:r>
+            <a:endParaRPr dirty="0"/>
+          </a:p>
+        </p:txBody>
+      </p:sp>
+      <p:sp>
+        <p:nvSpPr>
+          <p:cNvPr id="4" name="Date Placeholder 3"/>
+          <p:cNvSpPr>
+            <a:spLocks noGrp="1"/>
+          </p:cNvSpPr>
+          <p:nvPr>
+            <p:ph type="dt" sz="half" idx="10"/>
           </p:nvPr>
         </p:nvSpPr>
         <p:spPr/>
@@ -767,61 +3504,9 @@
           <a:bodyPr/>
           <a:lstStyle/>
           <a:p>
-            <a:pPr lvl="0"/>
-            <a:r>
-              <a:rPr lang="en-US" smtClean="0"/>
-              <a:t>Click to edit Master text styles</a:t>
-            </a:r>
-          </a:p>
-          <a:p>
-            <a:pPr lvl="1"/>
-            <a:r>
-              <a:rPr lang="en-US" smtClean="0"/>
-              <a:t>Second level</a:t>
-            </a:r>
-          </a:p>
-          <a:p>
-            <a:pPr lvl="2"/>
-            <a:r>
-              <a:rPr lang="en-US" smtClean="0"/>
-              <a:t>Third level</a:t>
-            </a:r>
-          </a:p>
-          <a:p>
-            <a:pPr lvl="3"/>
-            <a:r>
-              <a:rPr lang="en-US" smtClean="0"/>
-              <a:t>Fourth level</a:t>
-            </a:r>
-          </a:p>
-          <a:p>
-            <a:pPr lvl="4"/>
-            <a:r>
-              <a:rPr lang="en-US" smtClean="0"/>
-              <a:t>Fifth level</a:t>
-            </a:r>
-            <a:endParaRPr lang="en-US"/>
-          </a:p>
-        </p:txBody>
-      </p:sp>
-      <p:sp>
-        <p:nvSpPr>
-          <p:cNvPr id="4" name="Date Placeholder 3"/>
-          <p:cNvSpPr>
-            <a:spLocks noGrp="1"/>
-          </p:cNvSpPr>
-          <p:nvPr>
-            <p:ph type="dt" sz="half" idx="10"/>
-          </p:nvPr>
-        </p:nvSpPr>
-        <p:spPr/>
-        <p:txBody>
-          <a:bodyPr/>
-          <a:lstStyle/>
-          <a:p>
             <a:fld id="{F6F69B8E-2428-3940-9302-DEDA118D8E59}" type="datetimeFigureOut">
               <a:rPr lang="en-US" smtClean="0"/>
-              <a:t>12/13/11</a:t>
+              <a:t>12/15/11</a:t>
             </a:fld>
             <a:endParaRPr lang="en-US"/>
           </a:p>
@@ -869,12 +3554,38 @@
           </a:p>
         </p:txBody>
       </p:sp>
+      <p:pic>
+        <p:nvPicPr>
+          <p:cNvPr id="8" name="Picture 7" descr="standardRule.png"/>
+          <p:cNvPicPr>
+            <a:picLocks noChangeAspect="1"/>
+          </p:cNvPicPr>
+          <p:nvPr/>
+        </p:nvPicPr>
+        <p:blipFill>
+          <a:blip r:embed="rId2"/>
+          <a:stretch>
+            <a:fillRect/>
+          </a:stretch>
+        </p:blipFill>
+        <p:spPr>
+          <a:xfrm>
+            <a:off x="2705100" y="1524000"/>
+            <a:ext cx="3733800" cy="152400"/>
+          </a:xfrm>
+          <a:prstGeom prst="rect">
+            <a:avLst/>
+          </a:prstGeom>
+          <a:effectLst>
+            <a:outerShdw blurRad="25400" sx="101000" sy="101000" algn="ctr" rotWithShape="0">
+              <a:prstClr val="black">
+                <a:alpha val="40000"/>
+              </a:prstClr>
+            </a:outerShdw>
+          </a:effectLst>
+        </p:spPr>
+      </p:pic>
     </p:spTree>
-    <p:extLst>
-      <p:ext uri="{BB962C8B-B14F-4D97-AF65-F5344CB8AC3E}">
-        <p14:creationId xmlns:p14="http://schemas.microsoft.com/office/powerpoint/2010/main" val="3866252635"/>
-      </p:ext>
-    </p:extLst>
   </p:cSld>
   <p:clrMapOvr>
     <a:masterClrMapping/>
@@ -883,6 +3594,651 @@
 </file>
 
 <file path=ppt/slideLayouts/slideLayout3.xml><?xml version="1.0" encoding="utf-8"?>
+<p:sldLayout xmlns:a="http://schemas.openxmlformats.org/drawingml/2006/main" xmlns:r="http://schemas.openxmlformats.org/officeDocument/2006/relationships" xmlns:p="http://schemas.openxmlformats.org/presentationml/2006/main" showMasterSp="0" preserve="1">
+  <p:cSld name="Title Slide with 3 Pictures">
+    <p:spTree>
+      <p:nvGrpSpPr>
+        <p:cNvPr id="1" name=""/>
+        <p:cNvGrpSpPr/>
+        <p:nvPr/>
+      </p:nvGrpSpPr>
+      <p:grpSpPr>
+        <a:xfrm>
+          <a:off x="0" y="0"/>
+          <a:ext cx="0" cy="0"/>
+          <a:chOff x="0" y="0"/>
+          <a:chExt cx="0" cy="0"/>
+        </a:xfrm>
+      </p:grpSpPr>
+      <p:pic>
+        <p:nvPicPr>
+          <p:cNvPr id="8" name="Picture 7" descr="TitlePageOverlay.png"/>
+          <p:cNvPicPr>
+            <a:picLocks noChangeAspect="1"/>
+          </p:cNvPicPr>
+          <p:nvPr/>
+        </p:nvPicPr>
+        <p:blipFill>
+          <a:blip r:embed="rId2"/>
+          <a:stretch>
+            <a:fillRect/>
+          </a:stretch>
+        </p:blipFill>
+        <p:spPr>
+          <a:xfrm>
+            <a:off x="0" y="0"/>
+            <a:ext cx="9144000" cy="6858000"/>
+          </a:xfrm>
+          <a:prstGeom prst="rect">
+            <a:avLst/>
+          </a:prstGeom>
+        </p:spPr>
+      </p:pic>
+      <p:sp>
+        <p:nvSpPr>
+          <p:cNvPr id="2" name="Title 1"/>
+          <p:cNvSpPr>
+            <a:spLocks noGrp="1"/>
+          </p:cNvSpPr>
+          <p:nvPr>
+            <p:ph type="ctrTitle"/>
+          </p:nvPr>
+        </p:nvSpPr>
+        <p:spPr>
+          <a:xfrm>
+            <a:off x="571500" y="2057401"/>
+            <a:ext cx="8001000" cy="2424766"/>
+          </a:xfrm>
+        </p:spPr>
+        <p:txBody>
+          <a:bodyPr anchor="b" anchorCtr="0">
+            <a:noAutofit/>
+          </a:bodyPr>
+          <a:lstStyle>
+            <a:lvl1pPr>
+              <a:defRPr sz="5600">
+                <a:solidFill>
+                  <a:schemeClr val="tx1"/>
+                </a:solidFill>
+              </a:defRPr>
+            </a:lvl1pPr>
+          </a:lstStyle>
+          <a:p>
+            <a:r>
+              <a:rPr lang="en-US" smtClean="0"/>
+              <a:t>Click to edit Master title style</a:t>
+            </a:r>
+            <a:endParaRPr/>
+          </a:p>
+        </p:txBody>
+      </p:sp>
+      <p:sp>
+        <p:nvSpPr>
+          <p:cNvPr id="3" name="Subtitle 2"/>
+          <p:cNvSpPr>
+            <a:spLocks noGrp="1"/>
+          </p:cNvSpPr>
+          <p:nvPr>
+            <p:ph type="subTitle" idx="1"/>
+          </p:nvPr>
+        </p:nvSpPr>
+        <p:spPr>
+          <a:xfrm>
+            <a:off x="571500" y="4800600"/>
+            <a:ext cx="8001000" cy="1219200"/>
+          </a:xfrm>
+        </p:spPr>
+        <p:txBody>
+          <a:bodyPr/>
+          <a:lstStyle>
+            <a:lvl1pPr marL="0" indent="0" algn="ctr">
+              <a:spcAft>
+                <a:spcPts val="0"/>
+              </a:spcAft>
+              <a:buNone/>
+              <a:defRPr>
+                <a:solidFill>
+                  <a:schemeClr val="tx1"/>
+                </a:solidFill>
+              </a:defRPr>
+            </a:lvl1pPr>
+            <a:lvl2pPr marL="457200" indent="0" algn="ctr">
+              <a:buNone/>
+              <a:defRPr>
+                <a:solidFill>
+                  <a:schemeClr val="tx1">
+                    <a:tint val="75000"/>
+                  </a:schemeClr>
+                </a:solidFill>
+              </a:defRPr>
+            </a:lvl2pPr>
+            <a:lvl3pPr marL="914400" indent="0" algn="ctr">
+              <a:buNone/>
+              <a:defRPr>
+                <a:solidFill>
+                  <a:schemeClr val="tx1">
+                    <a:tint val="75000"/>
+                  </a:schemeClr>
+                </a:solidFill>
+              </a:defRPr>
+            </a:lvl3pPr>
+            <a:lvl4pPr marL="1371600" indent="0" algn="ctr">
+              <a:buNone/>
+              <a:defRPr>
+                <a:solidFill>
+                  <a:schemeClr val="tx1">
+                    <a:tint val="75000"/>
+                  </a:schemeClr>
+                </a:solidFill>
+              </a:defRPr>
+            </a:lvl4pPr>
+            <a:lvl5pPr marL="1828800" indent="0" algn="ctr">
+              <a:buNone/>
+              <a:defRPr>
+                <a:solidFill>
+                  <a:schemeClr val="tx1">
+                    <a:tint val="75000"/>
+                  </a:schemeClr>
+                </a:solidFill>
+              </a:defRPr>
+            </a:lvl5pPr>
+            <a:lvl6pPr marL="2286000" indent="0" algn="ctr">
+              <a:buNone/>
+              <a:defRPr>
+                <a:solidFill>
+                  <a:schemeClr val="tx1">
+                    <a:tint val="75000"/>
+                  </a:schemeClr>
+                </a:solidFill>
+              </a:defRPr>
+            </a:lvl6pPr>
+            <a:lvl7pPr marL="2743200" indent="0" algn="ctr">
+              <a:buNone/>
+              <a:defRPr>
+                <a:solidFill>
+                  <a:schemeClr val="tx1">
+                    <a:tint val="75000"/>
+                  </a:schemeClr>
+                </a:solidFill>
+              </a:defRPr>
+            </a:lvl7pPr>
+            <a:lvl8pPr marL="3200400" indent="0" algn="ctr">
+              <a:buNone/>
+              <a:defRPr>
+                <a:solidFill>
+                  <a:schemeClr val="tx1">
+                    <a:tint val="75000"/>
+                  </a:schemeClr>
+                </a:solidFill>
+              </a:defRPr>
+            </a:lvl8pPr>
+            <a:lvl9pPr marL="3657600" indent="0" algn="ctr">
+              <a:buNone/>
+              <a:defRPr>
+                <a:solidFill>
+                  <a:schemeClr val="tx1">
+                    <a:tint val="75000"/>
+                  </a:schemeClr>
+                </a:solidFill>
+              </a:defRPr>
+            </a:lvl9pPr>
+          </a:lstStyle>
+          <a:p>
+            <a:r>
+              <a:rPr lang="en-US" smtClean="0"/>
+              <a:t>Click to edit Master subtitle style</a:t>
+            </a:r>
+            <a:endParaRPr dirty="0"/>
+          </a:p>
+        </p:txBody>
+      </p:sp>
+      <p:sp>
+        <p:nvSpPr>
+          <p:cNvPr id="4" name="Date Placeholder 3"/>
+          <p:cNvSpPr>
+            <a:spLocks noGrp="1"/>
+          </p:cNvSpPr>
+          <p:nvPr>
+            <p:ph type="dt" sz="half" idx="10"/>
+          </p:nvPr>
+        </p:nvSpPr>
+        <p:spPr/>
+        <p:txBody>
+          <a:bodyPr/>
+          <a:lstStyle/>
+          <a:p>
+            <a:fld id="{F6F69B8E-2428-3940-9302-DEDA118D8E59}" type="datetimeFigureOut">
+              <a:rPr lang="en-US" smtClean="0"/>
+              <a:t>12/15/11</a:t>
+            </a:fld>
+            <a:endParaRPr lang="en-US"/>
+          </a:p>
+        </p:txBody>
+      </p:sp>
+      <p:sp>
+        <p:nvSpPr>
+          <p:cNvPr id="5" name="Footer Placeholder 4"/>
+          <p:cNvSpPr>
+            <a:spLocks noGrp="1"/>
+          </p:cNvSpPr>
+          <p:nvPr>
+            <p:ph type="ftr" sz="quarter" idx="11"/>
+          </p:nvPr>
+        </p:nvSpPr>
+        <p:spPr/>
+        <p:txBody>
+          <a:bodyPr/>
+          <a:lstStyle/>
+          <a:p>
+            <a:endParaRPr lang="en-US"/>
+          </a:p>
+        </p:txBody>
+      </p:sp>
+      <p:sp>
+        <p:nvSpPr>
+          <p:cNvPr id="6" name="Slide Number Placeholder 5"/>
+          <p:cNvSpPr>
+            <a:spLocks noGrp="1"/>
+          </p:cNvSpPr>
+          <p:nvPr>
+            <p:ph type="sldNum" sz="quarter" idx="12"/>
+          </p:nvPr>
+        </p:nvSpPr>
+        <p:spPr/>
+        <p:txBody>
+          <a:bodyPr/>
+          <a:lstStyle/>
+          <a:p>
+            <a:fld id="{2CFBDAFC-02EE-594F-8DC9-0F28EDAA04B6}" type="slidenum">
+              <a:rPr lang="en-US" smtClean="0"/>
+              <a:t>‹#›</a:t>
+            </a:fld>
+            <a:endParaRPr lang="en-US"/>
+          </a:p>
+        </p:txBody>
+      </p:sp>
+      <p:pic>
+        <p:nvPicPr>
+          <p:cNvPr id="9" name="Picture 8" descr="standardRule.png"/>
+          <p:cNvPicPr>
+            <a:picLocks noChangeAspect="1"/>
+          </p:cNvPicPr>
+          <p:nvPr/>
+        </p:nvPicPr>
+        <p:blipFill>
+          <a:blip r:embed="rId3"/>
+          <a:stretch>
+            <a:fillRect/>
+          </a:stretch>
+        </p:blipFill>
+        <p:spPr>
+          <a:xfrm>
+            <a:off x="2705100" y="4572000"/>
+            <a:ext cx="3733800" cy="152400"/>
+          </a:xfrm>
+          <a:prstGeom prst="rect">
+            <a:avLst/>
+          </a:prstGeom>
+          <a:effectLst>
+            <a:outerShdw blurRad="25400" sx="101000" sy="101000" algn="ctr" rotWithShape="0">
+              <a:prstClr val="black">
+                <a:alpha val="40000"/>
+              </a:prstClr>
+            </a:outerShdw>
+          </a:effectLst>
+        </p:spPr>
+      </p:pic>
+      <p:pic>
+        <p:nvPicPr>
+          <p:cNvPr id="10" name="Picture 9" descr="pictureStamp-Frame.png"/>
+          <p:cNvPicPr>
+            <a:picLocks noChangeAspect="1"/>
+          </p:cNvPicPr>
+          <p:nvPr/>
+        </p:nvPicPr>
+        <p:blipFill>
+          <a:blip r:embed="rId4"/>
+          <a:stretch>
+            <a:fillRect/>
+          </a:stretch>
+        </p:blipFill>
+        <p:spPr>
+          <a:xfrm rot="21366660">
+            <a:off x="5138374" y="599839"/>
+            <a:ext cx="1610332" cy="2025115"/>
+          </a:xfrm>
+          <a:prstGeom prst="rect">
+            <a:avLst/>
+          </a:prstGeom>
+        </p:spPr>
+      </p:pic>
+      <p:pic>
+        <p:nvPicPr>
+          <p:cNvPr id="11" name="Picture 10" descr="pictureStamp-Frame.png"/>
+          <p:cNvPicPr>
+            <a:picLocks noChangeAspect="1"/>
+          </p:cNvPicPr>
+          <p:nvPr/>
+        </p:nvPicPr>
+        <p:blipFill>
+          <a:blip r:embed="rId4"/>
+          <a:stretch>
+            <a:fillRect/>
+          </a:stretch>
+        </p:blipFill>
+        <p:spPr>
+          <a:xfrm rot="21329776">
+            <a:off x="2072772" y="555386"/>
+            <a:ext cx="1610332" cy="2025115"/>
+          </a:xfrm>
+          <a:prstGeom prst="rect">
+            <a:avLst/>
+          </a:prstGeom>
+        </p:spPr>
+      </p:pic>
+      <p:sp>
+        <p:nvSpPr>
+          <p:cNvPr id="12" name="Picture Placeholder 2"/>
+          <p:cNvSpPr>
+            <a:spLocks noGrp="1"/>
+          </p:cNvSpPr>
+          <p:nvPr>
+            <p:ph type="pic" idx="14"/>
+          </p:nvPr>
+        </p:nvSpPr>
+        <p:spPr>
+          <a:xfrm rot="21254634">
+            <a:off x="2256146" y="735839"/>
+            <a:ext cx="1243584" cy="1664208"/>
+          </a:xfrm>
+          <a:solidFill>
+            <a:srgbClr val="FFFFFF">
+              <a:shade val="85000"/>
+            </a:srgbClr>
+          </a:solidFill>
+          <a:ln w="114300" cap="sq">
+            <a:noFill/>
+            <a:miter lim="800000"/>
+          </a:ln>
+          <a:effectLst/>
+          <a:scene3d>
+            <a:camera prst="perspectiveRelaxed">
+              <a:rot lat="0" lon="0" rev="0"/>
+            </a:camera>
+            <a:lightRig rig="twoPt" dir="t">
+              <a:rot lat="0" lon="0" rev="7200000"/>
+            </a:lightRig>
+          </a:scene3d>
+          <a:sp3d prstMaterial="matte">
+            <a:contourClr>
+              <a:srgbClr val="FFFFFF"/>
+            </a:contourClr>
+          </a:sp3d>
+        </p:spPr>
+        <p:txBody>
+          <a:bodyPr>
+            <a:normAutofit/>
+          </a:bodyPr>
+          <a:lstStyle>
+            <a:lvl1pPr marL="0" indent="0">
+              <a:buNone/>
+              <a:defRPr sz="1200"/>
+            </a:lvl1pPr>
+            <a:lvl2pPr marL="457200" indent="0">
+              <a:buNone/>
+              <a:defRPr sz="2800"/>
+            </a:lvl2pPr>
+            <a:lvl3pPr marL="914400" indent="0">
+              <a:buNone/>
+              <a:defRPr sz="2400"/>
+            </a:lvl3pPr>
+            <a:lvl4pPr marL="1371600" indent="0">
+              <a:buNone/>
+              <a:defRPr sz="2000"/>
+            </a:lvl4pPr>
+            <a:lvl5pPr marL="1828800" indent="0">
+              <a:buNone/>
+              <a:defRPr sz="2000"/>
+            </a:lvl5pPr>
+            <a:lvl6pPr marL="2286000" indent="0">
+              <a:buNone/>
+              <a:defRPr sz="2000"/>
+            </a:lvl6pPr>
+            <a:lvl7pPr marL="2743200" indent="0">
+              <a:buNone/>
+              <a:defRPr sz="2000"/>
+            </a:lvl7pPr>
+            <a:lvl8pPr marL="3200400" indent="0">
+              <a:buNone/>
+              <a:defRPr sz="2000"/>
+            </a:lvl8pPr>
+            <a:lvl9pPr marL="3657600" indent="0">
+              <a:buNone/>
+              <a:defRPr sz="2000"/>
+            </a:lvl9pPr>
+          </a:lstStyle>
+          <a:p>
+            <a:r>
+              <a:rPr lang="en-US" smtClean="0"/>
+              <a:t>Drag picture to placeholder or click icon to add</a:t>
+            </a:r>
+            <a:endParaRPr/>
+          </a:p>
+        </p:txBody>
+      </p:sp>
+      <p:sp>
+        <p:nvSpPr>
+          <p:cNvPr id="13" name="Picture Placeholder 2"/>
+          <p:cNvSpPr>
+            <a:spLocks noGrp="1"/>
+          </p:cNvSpPr>
+          <p:nvPr>
+            <p:ph type="pic" idx="15"/>
+          </p:nvPr>
+        </p:nvSpPr>
+        <p:spPr>
+          <a:xfrm rot="21315648">
+            <a:off x="5321748" y="780292"/>
+            <a:ext cx="1243584" cy="1664208"/>
+          </a:xfrm>
+          <a:solidFill>
+            <a:srgbClr val="FFFFFF">
+              <a:shade val="85000"/>
+            </a:srgbClr>
+          </a:solidFill>
+          <a:ln w="114300" cap="sq">
+            <a:noFill/>
+            <a:miter lim="800000"/>
+          </a:ln>
+          <a:effectLst/>
+          <a:scene3d>
+            <a:camera prst="perspectiveRelaxed">
+              <a:rot lat="0" lon="0" rev="0"/>
+            </a:camera>
+            <a:lightRig rig="twoPt" dir="t">
+              <a:rot lat="0" lon="0" rev="7200000"/>
+            </a:lightRig>
+          </a:scene3d>
+          <a:sp3d prstMaterial="matte">
+            <a:contourClr>
+              <a:srgbClr val="FFFFFF"/>
+            </a:contourClr>
+          </a:sp3d>
+        </p:spPr>
+        <p:txBody>
+          <a:bodyPr>
+            <a:normAutofit/>
+          </a:bodyPr>
+          <a:lstStyle>
+            <a:lvl1pPr marL="0" indent="0">
+              <a:buNone/>
+              <a:defRPr sz="1200"/>
+            </a:lvl1pPr>
+            <a:lvl2pPr marL="457200" indent="0">
+              <a:buNone/>
+              <a:defRPr sz="2800"/>
+            </a:lvl2pPr>
+            <a:lvl3pPr marL="914400" indent="0">
+              <a:buNone/>
+              <a:defRPr sz="2400"/>
+            </a:lvl3pPr>
+            <a:lvl4pPr marL="1371600" indent="0">
+              <a:buNone/>
+              <a:defRPr sz="2000"/>
+            </a:lvl4pPr>
+            <a:lvl5pPr marL="1828800" indent="0">
+              <a:buNone/>
+              <a:defRPr sz="2000"/>
+            </a:lvl5pPr>
+            <a:lvl6pPr marL="2286000" indent="0">
+              <a:buNone/>
+              <a:defRPr sz="2000"/>
+            </a:lvl6pPr>
+            <a:lvl7pPr marL="2743200" indent="0">
+              <a:buNone/>
+              <a:defRPr sz="2000"/>
+            </a:lvl7pPr>
+            <a:lvl8pPr marL="3200400" indent="0">
+              <a:buNone/>
+              <a:defRPr sz="2000"/>
+            </a:lvl8pPr>
+            <a:lvl9pPr marL="3657600" indent="0">
+              <a:buNone/>
+              <a:defRPr sz="2000"/>
+            </a:lvl9pPr>
+          </a:lstStyle>
+          <a:p>
+            <a:r>
+              <a:rPr lang="en-US" smtClean="0"/>
+              <a:t>Drag picture to placeholder or click icon to add</a:t>
+            </a:r>
+            <a:endParaRPr/>
+          </a:p>
+        </p:txBody>
+      </p:sp>
+      <p:pic>
+        <p:nvPicPr>
+          <p:cNvPr id="14" name="Picture 13" descr="pictureStamp-Frame.png"/>
+          <p:cNvPicPr>
+            <a:picLocks noChangeAspect="1"/>
+          </p:cNvPicPr>
+          <p:nvPr/>
+        </p:nvPicPr>
+        <p:blipFill>
+          <a:blip r:embed="rId4"/>
+          <a:stretch>
+            <a:fillRect/>
+          </a:stretch>
+        </p:blipFill>
+        <p:spPr>
+          <a:xfrm rot="151790">
+            <a:off x="3591963" y="936015"/>
+            <a:ext cx="1610332" cy="2025115"/>
+          </a:xfrm>
+          <a:prstGeom prst="rect">
+            <a:avLst/>
+          </a:prstGeom>
+        </p:spPr>
+      </p:pic>
+      <p:sp>
+        <p:nvSpPr>
+          <p:cNvPr id="17" name="Picture Placeholder 2"/>
+          <p:cNvSpPr>
+            <a:spLocks noGrp="1"/>
+          </p:cNvSpPr>
+          <p:nvPr>
+            <p:ph type="pic" idx="17"/>
+          </p:nvPr>
+        </p:nvSpPr>
+        <p:spPr>
+          <a:xfrm rot="100778">
+            <a:off x="3775337" y="1116468"/>
+            <a:ext cx="1243584" cy="1664208"/>
+          </a:xfrm>
+          <a:solidFill>
+            <a:srgbClr val="FFFFFF">
+              <a:shade val="85000"/>
+            </a:srgbClr>
+          </a:solidFill>
+          <a:ln w="114300" cap="sq">
+            <a:noFill/>
+            <a:miter lim="800000"/>
+          </a:ln>
+          <a:effectLst/>
+          <a:scene3d>
+            <a:camera prst="perspectiveRelaxed">
+              <a:rot lat="0" lon="0" rev="0"/>
+            </a:camera>
+            <a:lightRig rig="twoPt" dir="t">
+              <a:rot lat="0" lon="0" rev="7200000"/>
+            </a:lightRig>
+          </a:scene3d>
+          <a:sp3d prstMaterial="matte">
+            <a:contourClr>
+              <a:srgbClr val="FFFFFF"/>
+            </a:contourClr>
+          </a:sp3d>
+        </p:spPr>
+        <p:txBody>
+          <a:bodyPr>
+            <a:normAutofit/>
+          </a:bodyPr>
+          <a:lstStyle>
+            <a:lvl1pPr marL="0" indent="0">
+              <a:buNone/>
+              <a:defRPr sz="1200"/>
+            </a:lvl1pPr>
+            <a:lvl2pPr marL="457200" indent="0">
+              <a:buNone/>
+              <a:defRPr sz="2800"/>
+            </a:lvl2pPr>
+            <a:lvl3pPr marL="914400" indent="0">
+              <a:buNone/>
+              <a:defRPr sz="2400"/>
+            </a:lvl3pPr>
+            <a:lvl4pPr marL="1371600" indent="0">
+              <a:buNone/>
+              <a:defRPr sz="2000"/>
+            </a:lvl4pPr>
+            <a:lvl5pPr marL="1828800" indent="0">
+              <a:buNone/>
+              <a:defRPr sz="2000"/>
+            </a:lvl5pPr>
+            <a:lvl6pPr marL="2286000" indent="0">
+              <a:buNone/>
+              <a:defRPr sz="2000"/>
+            </a:lvl6pPr>
+            <a:lvl7pPr marL="2743200" indent="0">
+              <a:buNone/>
+              <a:defRPr sz="2000"/>
+            </a:lvl7pPr>
+            <a:lvl8pPr marL="3200400" indent="0">
+              <a:buNone/>
+              <a:defRPr sz="2000"/>
+            </a:lvl8pPr>
+            <a:lvl9pPr marL="3657600" indent="0">
+              <a:buNone/>
+              <a:defRPr sz="2000"/>
+            </a:lvl9pPr>
+          </a:lstStyle>
+          <a:p>
+            <a:r>
+              <a:rPr lang="en-US" smtClean="0"/>
+              <a:t>Drag picture to placeholder or click icon to add</a:t>
+            </a:r>
+            <a:endParaRPr/>
+          </a:p>
+        </p:txBody>
+      </p:sp>
+    </p:spTree>
+  </p:cSld>
+  <p:clrMapOvr>
+    <a:masterClrMapping/>
+  </p:clrMapOvr>
+</p:sldLayout>
+</file>
+
+<file path=ppt/slideLayouts/slideLayout4.xml><?xml version="1.0" encoding="utf-8"?>
 <p:sldLayout xmlns:a="http://schemas.openxmlformats.org/drawingml/2006/main" xmlns:r="http://schemas.openxmlformats.org/officeDocument/2006/relationships" xmlns:p="http://schemas.openxmlformats.org/presentationml/2006/main" type="secHead" preserve="1">
   <p:cSld name="Section Header">
     <p:spTree>
@@ -911,15 +4267,21 @@
         </p:nvSpPr>
         <p:spPr>
           <a:xfrm>
-            <a:off x="722313" y="4406900"/>
-            <a:ext cx="7772400" cy="1362075"/>
-          </a:xfrm>
-        </p:spPr>
-        <p:txBody>
-          <a:bodyPr anchor="t"/>
+            <a:off x="571500" y="1282700"/>
+            <a:ext cx="8001000" cy="1917700"/>
+          </a:xfrm>
+        </p:spPr>
+        <p:txBody>
+          <a:bodyPr anchor="b" anchorCtr="0">
+            <a:noAutofit/>
+          </a:bodyPr>
           <a:lstStyle>
-            <a:lvl1pPr algn="l">
-              <a:defRPr sz="4000" b="1" cap="all"/>
+            <a:lvl1pPr algn="ctr">
+              <a:defRPr sz="5600" b="0" cap="none" baseline="0">
+                <a:solidFill>
+                  <a:schemeClr val="tx1"/>
+                </a:solidFill>
+              </a:defRPr>
             </a:lvl1pPr>
           </a:lstStyle>
           <a:p>
@@ -927,7 +4289,7 @@
               <a:rPr lang="en-US" smtClean="0"/>
               <a:t>Click to edit Master title style</a:t>
             </a:r>
-            <a:endParaRPr lang="en-US"/>
+            <a:endParaRPr/>
           </a:p>
         </p:txBody>
       </p:sp>
@@ -943,20 +4305,21 @@
         </p:nvSpPr>
         <p:spPr>
           <a:xfrm>
-            <a:off x="722313" y="2906713"/>
-            <a:ext cx="7772400" cy="1500187"/>
-          </a:xfrm>
-        </p:spPr>
-        <p:txBody>
-          <a:bodyPr anchor="b"/>
+            <a:off x="571500" y="3644153"/>
+            <a:ext cx="8001000" cy="833718"/>
+          </a:xfrm>
+        </p:spPr>
+        <p:txBody>
+          <a:bodyPr anchor="t" anchorCtr="0"/>
           <a:lstStyle>
-            <a:lvl1pPr marL="0" indent="0">
-              <a:buNone/>
-              <a:defRPr sz="2000">
+            <a:lvl1pPr marL="0" indent="0" algn="ctr">
+              <a:spcAft>
+                <a:spcPts val="0"/>
+              </a:spcAft>
+              <a:buNone/>
+              <a:defRPr sz="2000" cap="none" baseline="0">
                 <a:solidFill>
-                  <a:schemeClr val="tx1">
-                    <a:tint val="75000"/>
-                  </a:schemeClr>
+                  <a:schemeClr val="tx1"/>
                 </a:solidFill>
               </a:defRPr>
             </a:lvl1pPr>
@@ -1065,9 +4428,10 @@
           <a:bodyPr/>
           <a:lstStyle/>
           <a:p>
-            <a:fld id="{F6F69B8E-2428-3940-9302-DEDA118D8E59}" type="datetimeFigureOut">
-              <a:rPr lang="en-US" smtClean="0"/>
-              <a:t>12/13/11</a:t>
+            <a:fld id="{64DDAE5B-B07C-441A-8026-C23A427A74DC}" type="datetime1">
+              <a:rPr lang="en-US" smtClean="0"/>
+              <a:pPr/>
+              <a:t>12/15/11</a:t>
             </a:fld>
             <a:endParaRPr lang="en-US"/>
           </a:p>
@@ -1107,20 +4471,47 @@
           <a:bodyPr/>
           <a:lstStyle/>
           <a:p>
-            <a:fld id="{2CFBDAFC-02EE-594F-8DC9-0F28EDAA04B6}" type="slidenum">
-              <a:rPr lang="en-US" smtClean="0"/>
+            <a:fld id="{AC5B1FEA-406A-7749-A5C3-DDCB5F67A4CE}" type="slidenum">
+              <a:rPr lang="en-US" smtClean="0"/>
+              <a:pPr/>
               <a:t>‹#›</a:t>
             </a:fld>
             <a:endParaRPr lang="en-US"/>
           </a:p>
         </p:txBody>
       </p:sp>
+      <p:pic>
+        <p:nvPicPr>
+          <p:cNvPr id="9" name="Picture 8" descr="standardRule.png"/>
+          <p:cNvPicPr>
+            <a:picLocks noChangeAspect="1"/>
+          </p:cNvPicPr>
+          <p:nvPr/>
+        </p:nvPicPr>
+        <p:blipFill>
+          <a:blip r:embed="rId2"/>
+          <a:stretch>
+            <a:fillRect/>
+          </a:stretch>
+        </p:blipFill>
+        <p:spPr>
+          <a:xfrm>
+            <a:off x="2705100" y="3352800"/>
+            <a:ext cx="3733800" cy="152400"/>
+          </a:xfrm>
+          <a:prstGeom prst="rect">
+            <a:avLst/>
+          </a:prstGeom>
+          <a:effectLst>
+            <a:outerShdw blurRad="25400" sx="101000" sy="101000" algn="ctr" rotWithShape="0">
+              <a:prstClr val="black">
+                <a:alpha val="40000"/>
+              </a:prstClr>
+            </a:outerShdw>
+          </a:effectLst>
+        </p:spPr>
+      </p:pic>
     </p:spTree>
-    <p:extLst>
-      <p:ext uri="{BB962C8B-B14F-4D97-AF65-F5344CB8AC3E}">
-        <p14:creationId xmlns:p14="http://schemas.microsoft.com/office/powerpoint/2010/main" val="914422332"/>
-      </p:ext>
-    </p:extLst>
   </p:cSld>
   <p:clrMapOvr>
     <a:masterClrMapping/>
@@ -1128,7 +4519,7 @@
 </p:sldLayout>
 </file>
 
-<file path=ppt/slideLayouts/slideLayout4.xml><?xml version="1.0" encoding="utf-8"?>
+<file path=ppt/slideLayouts/slideLayout5.xml><?xml version="1.0" encoding="utf-8"?>
 <p:sldLayout xmlns:a="http://schemas.openxmlformats.org/drawingml/2006/main" xmlns:r="http://schemas.openxmlformats.org/officeDocument/2006/relationships" xmlns:p="http://schemas.openxmlformats.org/presentationml/2006/main" type="twoObj" preserve="1">
   <p:cSld name="Two Content">
     <p:spTree>
@@ -1155,7 +4546,12 @@
             <p:ph type="title"/>
           </p:nvPr>
         </p:nvSpPr>
-        <p:spPr/>
+        <p:spPr>
+          <a:xfrm>
+            <a:off x="571500" y="274638"/>
+            <a:ext cx="8001000" cy="1143000"/>
+          </a:xfrm>
+        </p:spPr>
         <p:txBody>
           <a:bodyPr/>
           <a:lstStyle/>
@@ -1164,7 +4560,7 @@
               <a:rPr lang="en-US" smtClean="0"/>
               <a:t>Click to edit Master title style</a:t>
             </a:r>
-            <a:endParaRPr lang="en-US"/>
+            <a:endParaRPr/>
           </a:p>
         </p:txBody>
       </p:sp>
@@ -1180,21 +4576,26 @@
         </p:nvSpPr>
         <p:spPr>
           <a:xfrm>
-            <a:off x="457200" y="1600200"/>
-            <a:ext cx="4038600" cy="4525963"/>
-          </a:xfrm>
-        </p:spPr>
-        <p:txBody>
-          <a:bodyPr/>
+            <a:off x="571500" y="1936751"/>
+            <a:ext cx="3749040" cy="4102100"/>
+          </a:xfrm>
+        </p:spPr>
+        <p:txBody>
+          <a:bodyPr>
+            <a:normAutofit/>
+          </a:bodyPr>
           <a:lstStyle>
             <a:lvl1pPr>
-              <a:defRPr sz="2800"/>
+              <a:spcAft>
+                <a:spcPts val="1600"/>
+              </a:spcAft>
+              <a:defRPr sz="2000"/>
             </a:lvl1pPr>
             <a:lvl2pPr>
-              <a:defRPr sz="2400"/>
+              <a:defRPr sz="1800"/>
             </a:lvl2pPr>
             <a:lvl3pPr>
-              <a:defRPr sz="2000"/>
+              <a:defRPr sz="1800"/>
             </a:lvl3pPr>
             <a:lvl4pPr>
               <a:defRPr sz="1800"/>
@@ -1202,16 +4603,16 @@
             <a:lvl5pPr>
               <a:defRPr sz="1800"/>
             </a:lvl5pPr>
-            <a:lvl6pPr>
+            <a:lvl6pPr marL="2290763" indent="-461963">
               <a:defRPr sz="1800"/>
             </a:lvl6pPr>
-            <a:lvl7pPr>
+            <a:lvl7pPr marL="2290763" indent="-461963">
               <a:defRPr sz="1800"/>
             </a:lvl7pPr>
-            <a:lvl8pPr>
+            <a:lvl8pPr marL="2290763" indent="-461963">
               <a:defRPr sz="1800"/>
             </a:lvl8pPr>
-            <a:lvl9pPr>
+            <a:lvl9pPr marL="2290763" indent="-461963">
               <a:defRPr sz="1800"/>
             </a:lvl9pPr>
           </a:lstStyle>
@@ -1249,7 +4650,7 @@
               <a:rPr lang="en-US" smtClean="0"/>
               <a:t>Fifth level</a:t>
             </a:r>
-            <a:endParaRPr lang="en-US"/>
+            <a:endParaRPr dirty="0"/>
           </a:p>
         </p:txBody>
       </p:sp>
@@ -1265,21 +4666,26 @@
         </p:nvSpPr>
         <p:spPr>
           <a:xfrm>
-            <a:off x="4648200" y="1600200"/>
-            <a:ext cx="4038600" cy="4525963"/>
-          </a:xfrm>
-        </p:spPr>
-        <p:txBody>
-          <a:bodyPr/>
+            <a:off x="4823460" y="1936751"/>
+            <a:ext cx="3749040" cy="4102100"/>
+          </a:xfrm>
+        </p:spPr>
+        <p:txBody>
+          <a:bodyPr>
+            <a:normAutofit/>
+          </a:bodyPr>
           <a:lstStyle>
             <a:lvl1pPr>
-              <a:defRPr sz="2800"/>
+              <a:spcAft>
+                <a:spcPts val="1600"/>
+              </a:spcAft>
+              <a:defRPr sz="2000"/>
             </a:lvl1pPr>
             <a:lvl2pPr>
-              <a:defRPr sz="2400"/>
+              <a:defRPr sz="1800"/>
             </a:lvl2pPr>
             <a:lvl3pPr>
-              <a:defRPr sz="2000"/>
+              <a:defRPr sz="1800"/>
             </a:lvl3pPr>
             <a:lvl4pPr>
               <a:defRPr sz="1800"/>
@@ -1287,16 +4693,16 @@
             <a:lvl5pPr>
               <a:defRPr sz="1800"/>
             </a:lvl5pPr>
-            <a:lvl6pPr>
+            <a:lvl6pPr marL="2290763" indent="-461963">
               <a:defRPr sz="1800"/>
             </a:lvl6pPr>
-            <a:lvl7pPr>
+            <a:lvl7pPr marL="2290763" indent="-461963">
               <a:defRPr sz="1800"/>
             </a:lvl7pPr>
-            <a:lvl8pPr>
+            <a:lvl8pPr marL="2290763" indent="-461963">
               <a:defRPr sz="1800"/>
             </a:lvl8pPr>
-            <a:lvl9pPr>
+            <a:lvl9pPr marL="2290763" indent="-461963">
               <a:defRPr sz="1800"/>
             </a:lvl9pPr>
           </a:lstStyle>
@@ -1334,7 +4740,7 @@
               <a:rPr lang="en-US" smtClean="0"/>
               <a:t>Fifth level</a:t>
             </a:r>
-            <a:endParaRPr lang="en-US"/>
+            <a:endParaRPr dirty="0"/>
           </a:p>
         </p:txBody>
       </p:sp>
@@ -1355,7 +4761,7 @@
           <a:p>
             <a:fld id="{F6F69B8E-2428-3940-9302-DEDA118D8E59}" type="datetimeFigureOut">
               <a:rPr lang="en-US" smtClean="0"/>
-              <a:t>12/13/11</a:t>
+              <a:t>12/15/11</a:t>
             </a:fld>
             <a:endParaRPr lang="en-US"/>
           </a:p>
@@ -1403,12 +4809,38 @@
           </a:p>
         </p:txBody>
       </p:sp>
+      <p:pic>
+        <p:nvPicPr>
+          <p:cNvPr id="9" name="Picture 8" descr="standardRule.png"/>
+          <p:cNvPicPr>
+            <a:picLocks noChangeAspect="1"/>
+          </p:cNvPicPr>
+          <p:nvPr/>
+        </p:nvPicPr>
+        <p:blipFill>
+          <a:blip r:embed="rId2"/>
+          <a:stretch>
+            <a:fillRect/>
+          </a:stretch>
+        </p:blipFill>
+        <p:spPr>
+          <a:xfrm>
+            <a:off x="2705100" y="1524000"/>
+            <a:ext cx="3733800" cy="152400"/>
+          </a:xfrm>
+          <a:prstGeom prst="rect">
+            <a:avLst/>
+          </a:prstGeom>
+          <a:effectLst>
+            <a:outerShdw blurRad="25400" sx="101000" sy="101000" algn="ctr" rotWithShape="0">
+              <a:prstClr val="black">
+                <a:alpha val="40000"/>
+              </a:prstClr>
+            </a:outerShdw>
+          </a:effectLst>
+        </p:spPr>
+      </p:pic>
     </p:spTree>
-    <p:extLst>
-      <p:ext uri="{BB962C8B-B14F-4D97-AF65-F5344CB8AC3E}">
-        <p14:creationId xmlns:p14="http://schemas.microsoft.com/office/powerpoint/2010/main" val="2016969791"/>
-      </p:ext>
-    </p:extLst>
   </p:cSld>
   <p:clrMapOvr>
     <a:masterClrMapping/>
@@ -1416,7 +4848,7 @@
 </p:sldLayout>
 </file>
 
-<file path=ppt/slideLayouts/slideLayout5.xml><?xml version="1.0" encoding="utf-8"?>
+<file path=ppt/slideLayouts/slideLayout6.xml><?xml version="1.0" encoding="utf-8"?>
 <p:sldLayout xmlns:a="http://schemas.openxmlformats.org/drawingml/2006/main" xmlns:r="http://schemas.openxmlformats.org/officeDocument/2006/relationships" xmlns:p="http://schemas.openxmlformats.org/presentationml/2006/main" type="twoTxTwoObj" preserve="1">
   <p:cSld name="Comparison">
     <p:spTree>
@@ -1443,7 +4875,12 @@
             <p:ph type="title"/>
           </p:nvPr>
         </p:nvSpPr>
-        <p:spPr/>
+        <p:spPr>
+          <a:xfrm>
+            <a:off x="571500" y="274638"/>
+            <a:ext cx="8001000" cy="1143000"/>
+          </a:xfrm>
+        </p:spPr>
         <p:txBody>
           <a:bodyPr/>
           <a:lstStyle>
@@ -1456,7 +4893,7 @@
               <a:rPr lang="en-US" smtClean="0"/>
               <a:t>Click to edit Master title style</a:t>
             </a:r>
-            <a:endParaRPr lang="en-US"/>
+            <a:endParaRPr/>
           </a:p>
         </p:txBody>
       </p:sp>
@@ -1472,16 +4909,21 @@
         </p:nvSpPr>
         <p:spPr>
           <a:xfrm>
-            <a:off x="457200" y="1535113"/>
-            <a:ext cx="4040188" cy="639762"/>
-          </a:xfrm>
-        </p:spPr>
-        <p:txBody>
-          <a:bodyPr anchor="b"/>
+            <a:off x="571500" y="1874838"/>
+            <a:ext cx="3749040" cy="639762"/>
+          </a:xfrm>
+        </p:spPr>
+        <p:txBody>
+          <a:bodyPr anchor="ctr" anchorCtr="0">
+            <a:noAutofit/>
+          </a:bodyPr>
           <a:lstStyle>
-            <a:lvl1pPr marL="0" indent="0">
-              <a:buNone/>
-              <a:defRPr sz="2400" b="1"/>
+            <a:lvl1pPr marL="0" indent="0" algn="ctr">
+              <a:spcAft>
+                <a:spcPts val="0"/>
+              </a:spcAft>
+              <a:buNone/>
+              <a:defRPr sz="2400" b="0"/>
             </a:lvl1pPr>
             <a:lvl2pPr marL="457200" indent="0">
               <a:buNone/>
@@ -1537,39 +4979,44 @@
         </p:nvSpPr>
         <p:spPr>
           <a:xfrm>
-            <a:off x="457200" y="2174875"/>
-            <a:ext cx="4040188" cy="3951288"/>
-          </a:xfrm>
-        </p:spPr>
-        <p:txBody>
-          <a:bodyPr/>
+            <a:off x="571500" y="2590800"/>
+            <a:ext cx="3749040" cy="3448050"/>
+          </a:xfrm>
+        </p:spPr>
+        <p:txBody>
+          <a:bodyPr>
+            <a:normAutofit/>
+          </a:bodyPr>
           <a:lstStyle>
             <a:lvl1pPr>
-              <a:defRPr sz="2400"/>
+              <a:spcAft>
+                <a:spcPts val="1400"/>
+              </a:spcAft>
+              <a:defRPr sz="1800"/>
             </a:lvl1pPr>
             <a:lvl2pPr>
-              <a:defRPr sz="2000"/>
+              <a:defRPr sz="1800"/>
             </a:lvl2pPr>
             <a:lvl3pPr>
               <a:defRPr sz="1800"/>
             </a:lvl3pPr>
             <a:lvl4pPr>
-              <a:defRPr sz="1600"/>
+              <a:defRPr sz="1800"/>
             </a:lvl4pPr>
             <a:lvl5pPr>
-              <a:defRPr sz="1600"/>
+              <a:defRPr sz="1800"/>
             </a:lvl5pPr>
-            <a:lvl6pPr>
-              <a:defRPr sz="1600"/>
+            <a:lvl6pPr marL="2290763" indent="-461963">
+              <a:defRPr sz="1800"/>
             </a:lvl6pPr>
-            <a:lvl7pPr>
-              <a:defRPr sz="1600"/>
+            <a:lvl7pPr marL="2290763" indent="-461963">
+              <a:defRPr sz="1800"/>
             </a:lvl7pPr>
-            <a:lvl8pPr>
-              <a:defRPr sz="1600"/>
+            <a:lvl8pPr marL="2290763" indent="-461963">
+              <a:defRPr sz="1800"/>
             </a:lvl8pPr>
-            <a:lvl9pPr>
-              <a:defRPr sz="1600"/>
+            <a:lvl9pPr marL="2290763" indent="-461963">
+              <a:defRPr sz="1800"/>
             </a:lvl9pPr>
           </a:lstStyle>
           <a:p>
@@ -1606,7 +5053,7 @@
               <a:rPr lang="en-US" smtClean="0"/>
               <a:t>Fifth level</a:t>
             </a:r>
-            <a:endParaRPr lang="en-US"/>
+            <a:endParaRPr dirty="0"/>
           </a:p>
         </p:txBody>
       </p:sp>
@@ -1622,16 +5069,21 @@
         </p:nvSpPr>
         <p:spPr>
           <a:xfrm>
-            <a:off x="4645025" y="1535113"/>
-            <a:ext cx="4041775" cy="639762"/>
-          </a:xfrm>
-        </p:spPr>
-        <p:txBody>
-          <a:bodyPr anchor="b"/>
+            <a:off x="4823460" y="1874838"/>
+            <a:ext cx="3749040" cy="639762"/>
+          </a:xfrm>
+        </p:spPr>
+        <p:txBody>
+          <a:bodyPr anchor="ctr" anchorCtr="0">
+            <a:noAutofit/>
+          </a:bodyPr>
           <a:lstStyle>
-            <a:lvl1pPr marL="0" indent="0">
-              <a:buNone/>
-              <a:defRPr sz="2400" b="1"/>
+            <a:lvl1pPr marL="0" indent="0" algn="ctr">
+              <a:spcAft>
+                <a:spcPts val="0"/>
+              </a:spcAft>
+              <a:buNone/>
+              <a:defRPr sz="2400" b="0"/>
             </a:lvl1pPr>
             <a:lvl2pPr marL="457200" indent="0">
               <a:buNone/>
@@ -1687,39 +5139,44 @@
         </p:nvSpPr>
         <p:spPr>
           <a:xfrm>
-            <a:off x="4645025" y="2174875"/>
-            <a:ext cx="4041775" cy="3951288"/>
-          </a:xfrm>
-        </p:spPr>
-        <p:txBody>
-          <a:bodyPr/>
+            <a:off x="4823460" y="2590800"/>
+            <a:ext cx="3749040" cy="3448050"/>
+          </a:xfrm>
+        </p:spPr>
+        <p:txBody>
+          <a:bodyPr>
+            <a:normAutofit/>
+          </a:bodyPr>
           <a:lstStyle>
             <a:lvl1pPr>
-              <a:defRPr sz="2400"/>
+              <a:spcAft>
+                <a:spcPts val="1400"/>
+              </a:spcAft>
+              <a:defRPr sz="1800"/>
             </a:lvl1pPr>
             <a:lvl2pPr>
-              <a:defRPr sz="2000"/>
+              <a:defRPr sz="1800"/>
             </a:lvl2pPr>
             <a:lvl3pPr>
               <a:defRPr sz="1800"/>
             </a:lvl3pPr>
             <a:lvl4pPr>
-              <a:defRPr sz="1600"/>
+              <a:defRPr sz="1800"/>
             </a:lvl4pPr>
             <a:lvl5pPr>
-              <a:defRPr sz="1600"/>
+              <a:defRPr sz="1800"/>
             </a:lvl5pPr>
-            <a:lvl6pPr>
-              <a:defRPr sz="1600"/>
+            <a:lvl6pPr marL="2290763" indent="-461963">
+              <a:defRPr sz="1800"/>
             </a:lvl6pPr>
-            <a:lvl7pPr>
-              <a:defRPr sz="1600"/>
+            <a:lvl7pPr marL="2290763" indent="-461963">
+              <a:defRPr sz="1800"/>
             </a:lvl7pPr>
-            <a:lvl8pPr>
-              <a:defRPr sz="1600"/>
+            <a:lvl8pPr marL="2290763" indent="-461963">
+              <a:defRPr sz="1800"/>
             </a:lvl8pPr>
-            <a:lvl9pPr>
-              <a:defRPr sz="1600"/>
+            <a:lvl9pPr marL="2290763" indent="-461963">
+              <a:defRPr sz="1800"/>
             </a:lvl9pPr>
           </a:lstStyle>
           <a:p>
@@ -1756,7 +5213,7 @@
               <a:rPr lang="en-US" smtClean="0"/>
               <a:t>Fifth level</a:t>
             </a:r>
-            <a:endParaRPr lang="en-US"/>
+            <a:endParaRPr dirty="0"/>
           </a:p>
         </p:txBody>
       </p:sp>
@@ -1777,7 +5234,7 @@
           <a:p>
             <a:fld id="{F6F69B8E-2428-3940-9302-DEDA118D8E59}" type="datetimeFigureOut">
               <a:rPr lang="en-US" smtClean="0"/>
-              <a:t>12/13/11</a:t>
+              <a:t>12/15/11</a:t>
             </a:fld>
             <a:endParaRPr lang="en-US"/>
           </a:p>
@@ -1825,12 +5282,38 @@
           </a:p>
         </p:txBody>
       </p:sp>
+      <p:pic>
+        <p:nvPicPr>
+          <p:cNvPr id="11" name="Picture 10" descr="standardRule.png"/>
+          <p:cNvPicPr>
+            <a:picLocks noChangeAspect="1"/>
+          </p:cNvPicPr>
+          <p:nvPr/>
+        </p:nvPicPr>
+        <p:blipFill>
+          <a:blip r:embed="rId2"/>
+          <a:stretch>
+            <a:fillRect/>
+          </a:stretch>
+        </p:blipFill>
+        <p:spPr>
+          <a:xfrm>
+            <a:off x="2705100" y="1524000"/>
+            <a:ext cx="3733800" cy="152400"/>
+          </a:xfrm>
+          <a:prstGeom prst="rect">
+            <a:avLst/>
+          </a:prstGeom>
+          <a:effectLst>
+            <a:outerShdw blurRad="25400" sx="101000" sy="101000" algn="ctr" rotWithShape="0">
+              <a:prstClr val="black">
+                <a:alpha val="40000"/>
+              </a:prstClr>
+            </a:outerShdw>
+          </a:effectLst>
+        </p:spPr>
+      </p:pic>
     </p:spTree>
-    <p:extLst>
-      <p:ext uri="{BB962C8B-B14F-4D97-AF65-F5344CB8AC3E}">
-        <p14:creationId xmlns:p14="http://schemas.microsoft.com/office/powerpoint/2010/main" val="710003580"/>
-      </p:ext>
-    </p:extLst>
   </p:cSld>
   <p:clrMapOvr>
     <a:masterClrMapping/>
@@ -1838,7 +5321,7 @@
 </p:sldLayout>
 </file>
 
-<file path=ppt/slideLayouts/slideLayout6.xml><?xml version="1.0" encoding="utf-8"?>
+<file path=ppt/slideLayouts/slideLayout7.xml><?xml version="1.0" encoding="utf-8"?>
 <p:sldLayout xmlns:a="http://schemas.openxmlformats.org/drawingml/2006/main" xmlns:r="http://schemas.openxmlformats.org/officeDocument/2006/relationships" xmlns:p="http://schemas.openxmlformats.org/presentationml/2006/main" type="titleOnly" preserve="1">
   <p:cSld name="Title Only">
     <p:spTree>
@@ -1874,7 +5357,7 @@
               <a:rPr lang="en-US" smtClean="0"/>
               <a:t>Click to edit Master title style</a:t>
             </a:r>
-            <a:endParaRPr lang="en-US"/>
+            <a:endParaRPr/>
           </a:p>
         </p:txBody>
       </p:sp>
@@ -1895,7 +5378,7 @@
           <a:p>
             <a:fld id="{F6F69B8E-2428-3940-9302-DEDA118D8E59}" type="datetimeFigureOut">
               <a:rPr lang="en-US" smtClean="0"/>
-              <a:t>12/13/11</a:t>
+              <a:t>12/15/11</a:t>
             </a:fld>
             <a:endParaRPr lang="en-US"/>
           </a:p>
@@ -1944,11 +5427,6 @@
         </p:txBody>
       </p:sp>
     </p:spTree>
-    <p:extLst>
-      <p:ext uri="{BB962C8B-B14F-4D97-AF65-F5344CB8AC3E}">
-        <p14:creationId xmlns:p14="http://schemas.microsoft.com/office/powerpoint/2010/main" val="1425374863"/>
-      </p:ext>
-    </p:extLst>
   </p:cSld>
   <p:clrMapOvr>
     <a:masterClrMapping/>
@@ -1956,7 +5434,7 @@
 </p:sldLayout>
 </file>
 
-<file path=ppt/slideLayouts/slideLayout7.xml><?xml version="1.0" encoding="utf-8"?>
+<file path=ppt/slideLayouts/slideLayout8.xml><?xml version="1.0" encoding="utf-8"?>
 <p:sldLayout xmlns:a="http://schemas.openxmlformats.org/drawingml/2006/main" xmlns:r="http://schemas.openxmlformats.org/officeDocument/2006/relationships" xmlns:p="http://schemas.openxmlformats.org/presentationml/2006/main" type="blank" preserve="1">
   <p:cSld name="Blank">
     <p:spTree>
@@ -1990,7 +5468,7 @@
           <a:p>
             <a:fld id="{F6F69B8E-2428-3940-9302-DEDA118D8E59}" type="datetimeFigureOut">
               <a:rPr lang="en-US" smtClean="0"/>
-              <a:t>12/13/11</a:t>
+              <a:t>12/15/11</a:t>
             </a:fld>
             <a:endParaRPr lang="en-US"/>
           </a:p>
@@ -2039,11 +5517,6 @@
         </p:txBody>
       </p:sp>
     </p:spTree>
-    <p:extLst>
-      <p:ext uri="{BB962C8B-B14F-4D97-AF65-F5344CB8AC3E}">
-        <p14:creationId xmlns:p14="http://schemas.microsoft.com/office/powerpoint/2010/main" val="406118593"/>
-      </p:ext>
-    </p:extLst>
   </p:cSld>
   <p:clrMapOvr>
     <a:masterClrMapping/>
@@ -2051,7 +5524,7 @@
 </p:sldLayout>
 </file>
 
-<file path=ppt/slideLayouts/slideLayout8.xml><?xml version="1.0" encoding="utf-8"?>
+<file path=ppt/slideLayouts/slideLayout9.xml><?xml version="1.0" encoding="utf-8"?>
 <p:sldLayout xmlns:a="http://schemas.openxmlformats.org/drawingml/2006/main" xmlns:r="http://schemas.openxmlformats.org/officeDocument/2006/relationships" xmlns:p="http://schemas.openxmlformats.org/presentationml/2006/main" type="objTx" preserve="1">
   <p:cSld name="Content with Caption">
     <p:spTree>
@@ -2080,15 +5553,17 @@
         </p:nvSpPr>
         <p:spPr>
           <a:xfrm>
-            <a:off x="457200" y="273050"/>
-            <a:ext cx="3008313" cy="1162050"/>
-          </a:xfrm>
-        </p:spPr>
-        <p:txBody>
-          <a:bodyPr anchor="b"/>
+            <a:off x="596153" y="443752"/>
+            <a:ext cx="3749040" cy="1707777"/>
+          </a:xfrm>
+        </p:spPr>
+        <p:txBody>
+          <a:bodyPr anchor="b">
+            <a:noAutofit/>
+          </a:bodyPr>
           <a:lstStyle>
-            <a:lvl1pPr algn="l">
-              <a:defRPr sz="2000" b="1"/>
+            <a:lvl1pPr algn="ctr">
+              <a:defRPr sz="3600" b="0"/>
             </a:lvl1pPr>
           </a:lstStyle>
           <a:p>
@@ -2096,7 +5571,7 @@
               <a:rPr lang="en-US" smtClean="0"/>
               <a:t>Click to edit Master title style</a:t>
             </a:r>
-            <a:endParaRPr lang="en-US"/>
+            <a:endParaRPr/>
           </a:p>
         </p:txBody>
       </p:sp>
@@ -2112,38 +5587,40 @@
         </p:nvSpPr>
         <p:spPr>
           <a:xfrm>
-            <a:off x="3575050" y="273050"/>
-            <a:ext cx="5111750" cy="5853113"/>
-          </a:xfrm>
-        </p:spPr>
-        <p:txBody>
-          <a:bodyPr/>
+            <a:off x="4827494" y="430306"/>
+            <a:ext cx="3749040" cy="5608544"/>
+          </a:xfrm>
+        </p:spPr>
+        <p:txBody>
+          <a:bodyPr>
+            <a:normAutofit/>
+          </a:bodyPr>
           <a:lstStyle>
             <a:lvl1pPr>
-              <a:defRPr sz="3200"/>
+              <a:defRPr sz="2400"/>
             </a:lvl1pPr>
             <a:lvl2pPr>
-              <a:defRPr sz="2800"/>
+              <a:defRPr sz="2200"/>
             </a:lvl2pPr>
             <a:lvl3pPr>
-              <a:defRPr sz="2400"/>
+              <a:defRPr sz="2000"/>
             </a:lvl3pPr>
             <a:lvl4pPr>
-              <a:defRPr sz="2000"/>
+              <a:defRPr sz="1800"/>
             </a:lvl4pPr>
             <a:lvl5pPr>
-              <a:defRPr sz="2000"/>
+              <a:defRPr sz="1800"/>
             </a:lvl5pPr>
-            <a:lvl6pPr>
+            <a:lvl6pPr marL="2290763" indent="-461963">
               <a:defRPr sz="2000"/>
             </a:lvl6pPr>
-            <a:lvl7pPr>
+            <a:lvl7pPr marL="2290763" indent="-461963">
               <a:defRPr sz="2000"/>
             </a:lvl7pPr>
-            <a:lvl8pPr>
+            <a:lvl8pPr marL="2290763" indent="-461963">
               <a:defRPr sz="2000"/>
             </a:lvl8pPr>
-            <a:lvl9pPr>
+            <a:lvl9pPr marL="2290763" indent="-461963">
               <a:defRPr sz="2000"/>
             </a:lvl9pPr>
           </a:lstStyle>
@@ -2181,7 +5658,7 @@
               <a:rPr lang="en-US" smtClean="0"/>
               <a:t>Fifth level</a:t>
             </a:r>
-            <a:endParaRPr lang="en-US"/>
+            <a:endParaRPr dirty="0"/>
           </a:p>
         </p:txBody>
       </p:sp>
@@ -2197,16 +5674,21 @@
         </p:nvSpPr>
         <p:spPr>
           <a:xfrm>
-            <a:off x="457200" y="1435100"/>
-            <a:ext cx="3008313" cy="4691063"/>
-          </a:xfrm>
-        </p:spPr>
-        <p:txBody>
-          <a:bodyPr/>
+            <a:off x="596153" y="2554940"/>
+            <a:ext cx="3749040" cy="3146613"/>
+          </a:xfrm>
+        </p:spPr>
+        <p:txBody>
+          <a:bodyPr>
+            <a:normAutofit/>
+          </a:bodyPr>
           <a:lstStyle>
-            <a:lvl1pPr marL="0" indent="0">
-              <a:buNone/>
-              <a:defRPr sz="1400"/>
+            <a:lvl1pPr marL="0" indent="0" algn="ctr">
+              <a:spcAft>
+                <a:spcPts val="1000"/>
+              </a:spcAft>
+              <a:buNone/>
+              <a:defRPr sz="1800"/>
             </a:lvl1pPr>
             <a:lvl2pPr marL="457200" indent="0">
               <a:buNone/>
@@ -2267,7 +5749,7 @@
           <a:p>
             <a:fld id="{F6F69B8E-2428-3940-9302-DEDA118D8E59}" type="datetimeFigureOut">
               <a:rPr lang="en-US" smtClean="0"/>
-              <a:t>12/13/11</a:t>
+              <a:t>12/15/11</a:t>
             </a:fld>
             <a:endParaRPr lang="en-US"/>
           </a:p>
@@ -2315,265 +5797,38 @@
           </a:p>
         </p:txBody>
       </p:sp>
+      <p:pic>
+        <p:nvPicPr>
+          <p:cNvPr id="9" name="Picture 8" descr="shortRule.png"/>
+          <p:cNvPicPr>
+            <a:picLocks noChangeAspect="1"/>
+          </p:cNvPicPr>
+          <p:nvPr/>
+        </p:nvPicPr>
+        <p:blipFill>
+          <a:blip r:embed="rId2"/>
+          <a:stretch>
+            <a:fillRect/>
+          </a:stretch>
+        </p:blipFill>
+        <p:spPr>
+          <a:xfrm>
+            <a:off x="1222898" y="2305609"/>
+            <a:ext cx="2495550" cy="95250"/>
+          </a:xfrm>
+          <a:prstGeom prst="rect">
+            <a:avLst/>
+          </a:prstGeom>
+          <a:effectLst>
+            <a:outerShdw blurRad="25400" sx="101000" sy="101000" algn="ctr" rotWithShape="0">
+              <a:prstClr val="black">
+                <a:alpha val="40000"/>
+              </a:prstClr>
+            </a:outerShdw>
+          </a:effectLst>
+        </p:spPr>
+      </p:pic>
     </p:spTree>
-    <p:extLst>
-      <p:ext uri="{BB962C8B-B14F-4D97-AF65-F5344CB8AC3E}">
-        <p14:creationId xmlns:p14="http://schemas.microsoft.com/office/powerpoint/2010/main" val="1803214834"/>
-      </p:ext>
-    </p:extLst>
-  </p:cSld>
-  <p:clrMapOvr>
-    <a:masterClrMapping/>
-  </p:clrMapOvr>
-</p:sldLayout>
-</file>
-
-<file path=ppt/slideLayouts/slideLayout9.xml><?xml version="1.0" encoding="utf-8"?>
-<p:sldLayout xmlns:a="http://schemas.openxmlformats.org/drawingml/2006/main" xmlns:r="http://schemas.openxmlformats.org/officeDocument/2006/relationships" xmlns:p="http://schemas.openxmlformats.org/presentationml/2006/main" type="picTx" preserve="1">
-  <p:cSld name="Picture with Caption">
-    <p:spTree>
-      <p:nvGrpSpPr>
-        <p:cNvPr id="1" name=""/>
-        <p:cNvGrpSpPr/>
-        <p:nvPr/>
-      </p:nvGrpSpPr>
-      <p:grpSpPr>
-        <a:xfrm>
-          <a:off x="0" y="0"/>
-          <a:ext cx="0" cy="0"/>
-          <a:chOff x="0" y="0"/>
-          <a:chExt cx="0" cy="0"/>
-        </a:xfrm>
-      </p:grpSpPr>
-      <p:sp>
-        <p:nvSpPr>
-          <p:cNvPr id="2" name="Title 1"/>
-          <p:cNvSpPr>
-            <a:spLocks noGrp="1"/>
-          </p:cNvSpPr>
-          <p:nvPr>
-            <p:ph type="title"/>
-          </p:nvPr>
-        </p:nvSpPr>
-        <p:spPr>
-          <a:xfrm>
-            <a:off x="1792288" y="4800600"/>
-            <a:ext cx="5486400" cy="566738"/>
-          </a:xfrm>
-        </p:spPr>
-        <p:txBody>
-          <a:bodyPr anchor="b"/>
-          <a:lstStyle>
-            <a:lvl1pPr algn="l">
-              <a:defRPr sz="2000" b="1"/>
-            </a:lvl1pPr>
-          </a:lstStyle>
-          <a:p>
-            <a:r>
-              <a:rPr lang="en-US" smtClean="0"/>
-              <a:t>Click to edit Master title style</a:t>
-            </a:r>
-            <a:endParaRPr lang="en-US"/>
-          </a:p>
-        </p:txBody>
-      </p:sp>
-      <p:sp>
-        <p:nvSpPr>
-          <p:cNvPr id="3" name="Picture Placeholder 2"/>
-          <p:cNvSpPr>
-            <a:spLocks noGrp="1"/>
-          </p:cNvSpPr>
-          <p:nvPr>
-            <p:ph type="pic" idx="1"/>
-          </p:nvPr>
-        </p:nvSpPr>
-        <p:spPr>
-          <a:xfrm>
-            <a:off x="1792288" y="612775"/>
-            <a:ext cx="5486400" cy="4114800"/>
-          </a:xfrm>
-        </p:spPr>
-        <p:txBody>
-          <a:bodyPr/>
-          <a:lstStyle>
-            <a:lvl1pPr marL="0" indent="0">
-              <a:buNone/>
-              <a:defRPr sz="3200"/>
-            </a:lvl1pPr>
-            <a:lvl2pPr marL="457200" indent="0">
-              <a:buNone/>
-              <a:defRPr sz="2800"/>
-            </a:lvl2pPr>
-            <a:lvl3pPr marL="914400" indent="0">
-              <a:buNone/>
-              <a:defRPr sz="2400"/>
-            </a:lvl3pPr>
-            <a:lvl4pPr marL="1371600" indent="0">
-              <a:buNone/>
-              <a:defRPr sz="2000"/>
-            </a:lvl4pPr>
-            <a:lvl5pPr marL="1828800" indent="0">
-              <a:buNone/>
-              <a:defRPr sz="2000"/>
-            </a:lvl5pPr>
-            <a:lvl6pPr marL="2286000" indent="0">
-              <a:buNone/>
-              <a:defRPr sz="2000"/>
-            </a:lvl6pPr>
-            <a:lvl7pPr marL="2743200" indent="0">
-              <a:buNone/>
-              <a:defRPr sz="2000"/>
-            </a:lvl7pPr>
-            <a:lvl8pPr marL="3200400" indent="0">
-              <a:buNone/>
-              <a:defRPr sz="2000"/>
-            </a:lvl8pPr>
-            <a:lvl9pPr marL="3657600" indent="0">
-              <a:buNone/>
-              <a:defRPr sz="2000"/>
-            </a:lvl9pPr>
-          </a:lstStyle>
-          <a:p>
-            <a:endParaRPr lang="en-US"/>
-          </a:p>
-        </p:txBody>
-      </p:sp>
-      <p:sp>
-        <p:nvSpPr>
-          <p:cNvPr id="4" name="Text Placeholder 3"/>
-          <p:cNvSpPr>
-            <a:spLocks noGrp="1"/>
-          </p:cNvSpPr>
-          <p:nvPr>
-            <p:ph type="body" sz="half" idx="2"/>
-          </p:nvPr>
-        </p:nvSpPr>
-        <p:spPr>
-          <a:xfrm>
-            <a:off x="1792288" y="5367338"/>
-            <a:ext cx="5486400" cy="804862"/>
-          </a:xfrm>
-        </p:spPr>
-        <p:txBody>
-          <a:bodyPr/>
-          <a:lstStyle>
-            <a:lvl1pPr marL="0" indent="0">
-              <a:buNone/>
-              <a:defRPr sz="1400"/>
-            </a:lvl1pPr>
-            <a:lvl2pPr marL="457200" indent="0">
-              <a:buNone/>
-              <a:defRPr sz="1200"/>
-            </a:lvl2pPr>
-            <a:lvl3pPr marL="914400" indent="0">
-              <a:buNone/>
-              <a:defRPr sz="1000"/>
-            </a:lvl3pPr>
-            <a:lvl4pPr marL="1371600" indent="0">
-              <a:buNone/>
-              <a:defRPr sz="900"/>
-            </a:lvl4pPr>
-            <a:lvl5pPr marL="1828800" indent="0">
-              <a:buNone/>
-              <a:defRPr sz="900"/>
-            </a:lvl5pPr>
-            <a:lvl6pPr marL="2286000" indent="0">
-              <a:buNone/>
-              <a:defRPr sz="900"/>
-            </a:lvl6pPr>
-            <a:lvl7pPr marL="2743200" indent="0">
-              <a:buNone/>
-              <a:defRPr sz="900"/>
-            </a:lvl7pPr>
-            <a:lvl8pPr marL="3200400" indent="0">
-              <a:buNone/>
-              <a:defRPr sz="900"/>
-            </a:lvl8pPr>
-            <a:lvl9pPr marL="3657600" indent="0">
-              <a:buNone/>
-              <a:defRPr sz="900"/>
-            </a:lvl9pPr>
-          </a:lstStyle>
-          <a:p>
-            <a:pPr lvl="0"/>
-            <a:r>
-              <a:rPr lang="en-US" smtClean="0"/>
-              <a:t>Click to edit Master text styles</a:t>
-            </a:r>
-          </a:p>
-        </p:txBody>
-      </p:sp>
-      <p:sp>
-        <p:nvSpPr>
-          <p:cNvPr id="5" name="Date Placeholder 4"/>
-          <p:cNvSpPr>
-            <a:spLocks noGrp="1"/>
-          </p:cNvSpPr>
-          <p:nvPr>
-            <p:ph type="dt" sz="half" idx="10"/>
-          </p:nvPr>
-        </p:nvSpPr>
-        <p:spPr/>
-        <p:txBody>
-          <a:bodyPr/>
-          <a:lstStyle/>
-          <a:p>
-            <a:fld id="{F6F69B8E-2428-3940-9302-DEDA118D8E59}" type="datetimeFigureOut">
-              <a:rPr lang="en-US" smtClean="0"/>
-              <a:t>12/13/11</a:t>
-            </a:fld>
-            <a:endParaRPr lang="en-US"/>
-          </a:p>
-        </p:txBody>
-      </p:sp>
-      <p:sp>
-        <p:nvSpPr>
-          <p:cNvPr id="6" name="Footer Placeholder 5"/>
-          <p:cNvSpPr>
-            <a:spLocks noGrp="1"/>
-          </p:cNvSpPr>
-          <p:nvPr>
-            <p:ph type="ftr" sz="quarter" idx="11"/>
-          </p:nvPr>
-        </p:nvSpPr>
-        <p:spPr/>
-        <p:txBody>
-          <a:bodyPr/>
-          <a:lstStyle/>
-          <a:p>
-            <a:endParaRPr lang="en-US"/>
-          </a:p>
-        </p:txBody>
-      </p:sp>
-      <p:sp>
-        <p:nvSpPr>
-          <p:cNvPr id="7" name="Slide Number Placeholder 6"/>
-          <p:cNvSpPr>
-            <a:spLocks noGrp="1"/>
-          </p:cNvSpPr>
-          <p:nvPr>
-            <p:ph type="sldNum" sz="quarter" idx="12"/>
-          </p:nvPr>
-        </p:nvSpPr>
-        <p:spPr/>
-        <p:txBody>
-          <a:bodyPr/>
-          <a:lstStyle/>
-          <a:p>
-            <a:fld id="{2CFBDAFC-02EE-594F-8DC9-0F28EDAA04B6}" type="slidenum">
-              <a:rPr lang="en-US" smtClean="0"/>
-              <a:t>‹#›</a:t>
-            </a:fld>
-            <a:endParaRPr lang="en-US"/>
-          </a:p>
-        </p:txBody>
-      </p:sp>
-    </p:spTree>
-    <p:extLst>
-      <p:ext uri="{BB962C8B-B14F-4D97-AF65-F5344CB8AC3E}">
-        <p14:creationId xmlns:p14="http://schemas.microsoft.com/office/powerpoint/2010/main" val="1480618044"/>
-      </p:ext>
-    </p:extLst>
   </p:cSld>
   <p:clrMapOvr>
     <a:masterClrMapping/>
@@ -2585,7 +5840,7 @@
 <p:sldMaster xmlns:a="http://schemas.openxmlformats.org/drawingml/2006/main" xmlns:r="http://schemas.openxmlformats.org/officeDocument/2006/relationships" xmlns:p="http://schemas.openxmlformats.org/presentationml/2006/main">
   <p:cSld>
     <p:bg>
-      <p:bgRef idx="1001">
+      <p:bgRef idx="1002">
         <a:schemeClr val="bg1"/>
       </p:bgRef>
     </p:bg>
@@ -2603,115 +5858,44 @@
           <a:chExt cx="0" cy="0"/>
         </a:xfrm>
       </p:grpSpPr>
-      <p:sp>
-        <p:nvSpPr>
-          <p:cNvPr id="2" name="Title Placeholder 1"/>
-          <p:cNvSpPr>
-            <a:spLocks noGrp="1"/>
-          </p:cNvSpPr>
-          <p:nvPr>
-            <p:ph type="title"/>
-          </p:nvPr>
-        </p:nvSpPr>
+      <p:pic>
+        <p:nvPicPr>
+          <p:cNvPr id="7" name="Picture 6" descr="TextPageOverlay.png"/>
+          <p:cNvPicPr>
+            <a:picLocks noChangeAspect="1"/>
+          </p:cNvPicPr>
+          <p:nvPr/>
+        </p:nvPicPr>
+        <p:blipFill>
+          <a:blip r:embed="rId18"/>
+          <a:stretch>
+            <a:fillRect/>
+          </a:stretch>
+        </p:blipFill>
         <p:spPr>
           <a:xfrm>
-            <a:off x="457200" y="274638"/>
-            <a:ext cx="8229600" cy="1143000"/>
+            <a:off x="0" y="0"/>
+            <a:ext cx="9144000" cy="6858000"/>
           </a:xfrm>
           <a:prstGeom prst="rect">
             <a:avLst/>
           </a:prstGeom>
         </p:spPr>
-        <p:txBody>
-          <a:bodyPr vert="horz" lIns="91440" tIns="45720" rIns="91440" bIns="45720" rtlCol="0" anchor="ctr">
-            <a:normAutofit/>
-          </a:bodyPr>
-          <a:lstStyle/>
-          <a:p>
-            <a:r>
-              <a:rPr lang="en-US" smtClean="0"/>
-              <a:t>Click to edit Master title style</a:t>
-            </a:r>
-            <a:endParaRPr lang="en-US"/>
-          </a:p>
-        </p:txBody>
-      </p:sp>
-      <p:sp>
-        <p:nvSpPr>
-          <p:cNvPr id="3" name="Text Placeholder 2"/>
-          <p:cNvSpPr>
-            <a:spLocks noGrp="1"/>
-          </p:cNvSpPr>
-          <p:nvPr>
-            <p:ph type="body" idx="1"/>
+      </p:pic>
+      <p:sp>
+        <p:nvSpPr>
+          <p:cNvPr id="5" name="Footer Placeholder 4"/>
+          <p:cNvSpPr>
+            <a:spLocks noGrp="1"/>
+          </p:cNvSpPr>
+          <p:nvPr>
+            <p:ph type="ftr" sz="quarter" idx="3"/>
           </p:nvPr>
         </p:nvSpPr>
         <p:spPr>
           <a:xfrm>
-            <a:off x="457200" y="1600200"/>
-            <a:ext cx="8229600" cy="4525963"/>
-          </a:xfrm>
-          <a:prstGeom prst="rect">
-            <a:avLst/>
-          </a:prstGeom>
-        </p:spPr>
-        <p:txBody>
-          <a:bodyPr vert="horz" lIns="91440" tIns="45720" rIns="91440" bIns="45720" rtlCol="0">
-            <a:normAutofit/>
-          </a:bodyPr>
-          <a:lstStyle/>
-          <a:p>
-            <a:pPr lvl="0"/>
-            <a:r>
-              <a:rPr lang="en-US" smtClean="0"/>
-              <a:t>Click to edit Master text styles</a:t>
-            </a:r>
-          </a:p>
-          <a:p>
-            <a:pPr lvl="1"/>
-            <a:r>
-              <a:rPr lang="en-US" smtClean="0"/>
-              <a:t>Second level</a:t>
-            </a:r>
-          </a:p>
-          <a:p>
-            <a:pPr lvl="2"/>
-            <a:r>
-              <a:rPr lang="en-US" smtClean="0"/>
-              <a:t>Third level</a:t>
-            </a:r>
-          </a:p>
-          <a:p>
-            <a:pPr lvl="3"/>
-            <a:r>
-              <a:rPr lang="en-US" smtClean="0"/>
-              <a:t>Fourth level</a:t>
-            </a:r>
-          </a:p>
-          <a:p>
-            <a:pPr lvl="4"/>
-            <a:r>
-              <a:rPr lang="en-US" smtClean="0"/>
-              <a:t>Fifth level</a:t>
-            </a:r>
-            <a:endParaRPr lang="en-US"/>
-          </a:p>
-        </p:txBody>
-      </p:sp>
-      <p:sp>
-        <p:nvSpPr>
-          <p:cNvPr id="4" name="Date Placeholder 3"/>
-          <p:cNvSpPr>
-            <a:spLocks noGrp="1"/>
-          </p:cNvSpPr>
-          <p:nvPr>
-            <p:ph type="dt" sz="half" idx="2"/>
-          </p:nvPr>
-        </p:nvSpPr>
-        <p:spPr>
-          <a:xfrm>
-            <a:off x="457200" y="6356350"/>
-            <a:ext cx="2133600" cy="365125"/>
+            <a:off x="571500" y="6158753"/>
+            <a:ext cx="3200400" cy="365125"/>
           </a:xfrm>
           <a:prstGeom prst="rect">
             <a:avLst/>
@@ -2723,17 +5907,145 @@
             <a:lvl1pPr algn="l">
               <a:defRPr sz="1200">
                 <a:solidFill>
-                  <a:schemeClr val="tx1">
-                    <a:tint val="75000"/>
-                  </a:schemeClr>
+                  <a:schemeClr val="bg2"/>
                 </a:solidFill>
               </a:defRPr>
             </a:lvl1pPr>
           </a:lstStyle>
           <a:p>
+            <a:endParaRPr lang="en-US"/>
+          </a:p>
+        </p:txBody>
+      </p:sp>
+      <p:sp>
+        <p:nvSpPr>
+          <p:cNvPr id="2" name="Title Placeholder 1"/>
+          <p:cNvSpPr>
+            <a:spLocks noGrp="1"/>
+          </p:cNvSpPr>
+          <p:nvPr>
+            <p:ph type="title"/>
+          </p:nvPr>
+        </p:nvSpPr>
+        <p:spPr>
+          <a:xfrm>
+            <a:off x="571500" y="274638"/>
+            <a:ext cx="8001000" cy="1143000"/>
+          </a:xfrm>
+          <a:prstGeom prst="rect">
+            <a:avLst/>
+          </a:prstGeom>
+        </p:spPr>
+        <p:txBody>
+          <a:bodyPr vert="horz" lIns="91440" tIns="45720" rIns="91440" bIns="45720" rtlCol="0" anchor="ctr">
+            <a:noAutofit/>
+          </a:bodyPr>
+          <a:lstStyle/>
+          <a:p>
+            <a:r>
+              <a:rPr lang="en-US" smtClean="0"/>
+              <a:t>Click to edit Master title style</a:t>
+            </a:r>
+            <a:endParaRPr/>
+          </a:p>
+        </p:txBody>
+      </p:sp>
+      <p:sp>
+        <p:nvSpPr>
+          <p:cNvPr id="3" name="Text Placeholder 2"/>
+          <p:cNvSpPr>
+            <a:spLocks noGrp="1"/>
+          </p:cNvSpPr>
+          <p:nvPr>
+            <p:ph type="body" idx="1"/>
+          </p:nvPr>
+        </p:nvSpPr>
+        <p:spPr>
+          <a:xfrm>
+            <a:off x="571500" y="1905000"/>
+            <a:ext cx="8001000" cy="4114800"/>
+          </a:xfrm>
+          <a:prstGeom prst="rect">
+            <a:avLst/>
+          </a:prstGeom>
+        </p:spPr>
+        <p:txBody>
+          <a:bodyPr vert="horz" lIns="91440" tIns="45720" rIns="91440" bIns="45720" rtlCol="0">
+            <a:normAutofit/>
+          </a:bodyPr>
+          <a:lstStyle/>
+          <a:p>
+            <a:pPr lvl="0"/>
+            <a:r>
+              <a:rPr lang="en-US" smtClean="0"/>
+              <a:t>Click to edit Master text styles</a:t>
+            </a:r>
+          </a:p>
+          <a:p>
+            <a:pPr lvl="1"/>
+            <a:r>
+              <a:rPr lang="en-US" smtClean="0"/>
+              <a:t>Second level</a:t>
+            </a:r>
+          </a:p>
+          <a:p>
+            <a:pPr lvl="2"/>
+            <a:r>
+              <a:rPr lang="en-US" smtClean="0"/>
+              <a:t>Third level</a:t>
+            </a:r>
+          </a:p>
+          <a:p>
+            <a:pPr lvl="3"/>
+            <a:r>
+              <a:rPr lang="en-US" smtClean="0"/>
+              <a:t>Fourth level</a:t>
+            </a:r>
+          </a:p>
+          <a:p>
+            <a:pPr lvl="4"/>
+            <a:r>
+              <a:rPr lang="en-US" smtClean="0"/>
+              <a:t>Fifth level</a:t>
+            </a:r>
+            <a:endParaRPr dirty="0"/>
+          </a:p>
+        </p:txBody>
+      </p:sp>
+      <p:sp>
+        <p:nvSpPr>
+          <p:cNvPr id="4" name="Date Placeholder 3"/>
+          <p:cNvSpPr>
+            <a:spLocks noGrp="1"/>
+          </p:cNvSpPr>
+          <p:nvPr>
+            <p:ph type="dt" sz="half" idx="2"/>
+          </p:nvPr>
+        </p:nvSpPr>
+        <p:spPr>
+          <a:xfrm>
+            <a:off x="5372100" y="6158753"/>
+            <a:ext cx="3200400" cy="365125"/>
+          </a:xfrm>
+          <a:prstGeom prst="rect">
+            <a:avLst/>
+          </a:prstGeom>
+        </p:spPr>
+        <p:txBody>
+          <a:bodyPr vert="horz" lIns="91440" tIns="45720" rIns="91440" bIns="45720" rtlCol="0" anchor="ctr"/>
+          <a:lstStyle>
+            <a:lvl1pPr algn="r">
+              <a:defRPr sz="1200">
+                <a:solidFill>
+                  <a:schemeClr val="bg2"/>
+                </a:solidFill>
+              </a:defRPr>
+            </a:lvl1pPr>
+          </a:lstStyle>
+          <a:p>
             <a:fld id="{F6F69B8E-2428-3940-9302-DEDA118D8E59}" type="datetimeFigureOut">
               <a:rPr lang="en-US" smtClean="0"/>
-              <a:t>12/13/11</a:t>
+              <a:t>12/15/11</a:t>
             </a:fld>
             <a:endParaRPr lang="en-US"/>
           </a:p>
@@ -2741,18 +6053,18 @@
       </p:sp>
       <p:sp>
         <p:nvSpPr>
-          <p:cNvPr id="5" name="Footer Placeholder 4"/>
-          <p:cNvSpPr>
-            <a:spLocks noGrp="1"/>
-          </p:cNvSpPr>
-          <p:nvPr>
-            <p:ph type="ftr" sz="quarter" idx="3"/>
+          <p:cNvPr id="6" name="Slide Number Placeholder 5"/>
+          <p:cNvSpPr>
+            <a:spLocks noGrp="1"/>
+          </p:cNvSpPr>
+          <p:nvPr>
+            <p:ph type="sldNum" sz="quarter" idx="4"/>
           </p:nvPr>
         </p:nvSpPr>
         <p:spPr>
           <a:xfrm>
-            <a:off x="3124200" y="6356350"/>
-            <a:ext cx="2895600" cy="365125"/>
+            <a:off x="4046220" y="6158753"/>
+            <a:ext cx="1051560" cy="365125"/>
           </a:xfrm>
           <a:prstGeom prst="rect">
             <a:avLst/>
@@ -2764,51 +6076,12 @@
             <a:lvl1pPr algn="ctr">
               <a:defRPr sz="1200">
                 <a:solidFill>
-                  <a:schemeClr val="tx1">
-                    <a:tint val="75000"/>
-                  </a:schemeClr>
+                  <a:schemeClr val="bg2"/>
                 </a:solidFill>
               </a:defRPr>
             </a:lvl1pPr>
           </a:lstStyle>
           <a:p>
-            <a:endParaRPr lang="en-US"/>
-          </a:p>
-        </p:txBody>
-      </p:sp>
-      <p:sp>
-        <p:nvSpPr>
-          <p:cNvPr id="6" name="Slide Number Placeholder 5"/>
-          <p:cNvSpPr>
-            <a:spLocks noGrp="1"/>
-          </p:cNvSpPr>
-          <p:nvPr>
-            <p:ph type="sldNum" sz="quarter" idx="4"/>
-          </p:nvPr>
-        </p:nvSpPr>
-        <p:spPr>
-          <a:xfrm>
-            <a:off x="6553200" y="6356350"/>
-            <a:ext cx="2133600" cy="365125"/>
-          </a:xfrm>
-          <a:prstGeom prst="rect">
-            <a:avLst/>
-          </a:prstGeom>
-        </p:spPr>
-        <p:txBody>
-          <a:bodyPr vert="horz" lIns="91440" tIns="45720" rIns="91440" bIns="45720" rtlCol="0" anchor="ctr"/>
-          <a:lstStyle>
-            <a:lvl1pPr algn="r">
-              <a:defRPr sz="1200">
-                <a:solidFill>
-                  <a:schemeClr val="tx1">
-                    <a:tint val="75000"/>
-                  </a:schemeClr>
-                </a:solidFill>
-              </a:defRPr>
-            </a:lvl1pPr>
-          </a:lstStyle>
-          <a:p>
             <a:fld id="{2CFBDAFC-02EE-594F-8DC9-0F28EDAA04B6}" type="slidenum">
               <a:rPr lang="en-US" smtClean="0"/>
               <a:t>‹#›</a:t>
@@ -2818,34 +6091,34 @@
         </p:txBody>
       </p:sp>
     </p:spTree>
-    <p:extLst>
-      <p:ext uri="{BB962C8B-B14F-4D97-AF65-F5344CB8AC3E}">
-        <p14:creationId xmlns:p14="http://schemas.microsoft.com/office/powerpoint/2010/main" val="348095526"/>
-      </p:ext>
-    </p:extLst>
   </p:cSld>
   <p:clrMap bg1="lt1" tx1="dk1" bg2="lt2" tx2="dk2" accent1="accent1" accent2="accent2" accent3="accent3" accent4="accent4" accent5="accent5" accent6="accent6" hlink="hlink" folHlink="folHlink"/>
   <p:sldLayoutIdLst>
-    <p:sldLayoutId id="2147483649" r:id="rId1"/>
-    <p:sldLayoutId id="2147483650" r:id="rId2"/>
-    <p:sldLayoutId id="2147483651" r:id="rId3"/>
-    <p:sldLayoutId id="2147483652" r:id="rId4"/>
-    <p:sldLayoutId id="2147483653" r:id="rId5"/>
-    <p:sldLayoutId id="2147483654" r:id="rId6"/>
-    <p:sldLayoutId id="2147483655" r:id="rId7"/>
-    <p:sldLayoutId id="2147483656" r:id="rId8"/>
-    <p:sldLayoutId id="2147483657" r:id="rId9"/>
-    <p:sldLayoutId id="2147483658" r:id="rId10"/>
-    <p:sldLayoutId id="2147483659" r:id="rId11"/>
+    <p:sldLayoutId id="2147483890" r:id="rId1"/>
+    <p:sldLayoutId id="2147483891" r:id="rId2"/>
+    <p:sldLayoutId id="2147483892" r:id="rId3"/>
+    <p:sldLayoutId id="2147483893" r:id="rId4"/>
+    <p:sldLayoutId id="2147483894" r:id="rId5"/>
+    <p:sldLayoutId id="2147483895" r:id="rId6"/>
+    <p:sldLayoutId id="2147483896" r:id="rId7"/>
+    <p:sldLayoutId id="2147483897" r:id="rId8"/>
+    <p:sldLayoutId id="2147483898" r:id="rId9"/>
+    <p:sldLayoutId id="2147483899" r:id="rId10"/>
+    <p:sldLayoutId id="2147483900" r:id="rId11"/>
+    <p:sldLayoutId id="2147483901" r:id="rId12"/>
+    <p:sldLayoutId id="2147483902" r:id="rId13"/>
+    <p:sldLayoutId id="2147483903" r:id="rId14"/>
+    <p:sldLayoutId id="2147483904" r:id="rId15"/>
+    <p:sldLayoutId id="2147483905" r:id="rId16"/>
   </p:sldLayoutIdLst>
   <p:txStyles>
     <p:titleStyle>
-      <a:lvl1pPr algn="ctr" defTabSz="457200" rtl="0" eaLnBrk="1" latinLnBrk="0" hangingPunct="1">
+      <a:lvl1pPr algn="ctr" defTabSz="914400" rtl="0" eaLnBrk="1" latinLnBrk="0" hangingPunct="1">
         <a:spcBef>
           <a:spcPct val="0"/>
         </a:spcBef>
         <a:buNone/>
-        <a:defRPr sz="4400" kern="1200">
+        <a:defRPr sz="5400" kern="1200">
           <a:solidFill>
             <a:schemeClr val="tx1"/>
           </a:solidFill>
@@ -2856,13 +6129,16 @@
       </a:lvl1pPr>
     </p:titleStyle>
     <p:bodyStyle>
-      <a:lvl1pPr marL="342900" indent="-342900" algn="l" defTabSz="457200" rtl="0" eaLnBrk="1" latinLnBrk="0" hangingPunct="1">
+      <a:lvl1pPr marL="457200" indent="-457200" algn="l" defTabSz="914400" rtl="0" eaLnBrk="1" latinLnBrk="0" hangingPunct="1">
         <a:spcBef>
-          <a:spcPct val="20000"/>
+          <a:spcPts val="0"/>
         </a:spcBef>
-        <a:buFont typeface="Arial"/>
-        <a:buChar char="•"/>
-        <a:defRPr sz="3200" kern="1200">
+        <a:spcAft>
+          <a:spcPts val="2000"/>
+        </a:spcAft>
+        <a:buFont typeface="Wingdings 2" pitchFamily="18" charset="2"/>
+        <a:buChar char=""/>
+        <a:defRPr sz="2400" kern="1200">
           <a:solidFill>
             <a:schemeClr val="tx1"/>
           </a:solidFill>
@@ -2871,13 +6147,19 @@
           <a:cs typeface="+mn-cs"/>
         </a:defRPr>
       </a:lvl1pPr>
-      <a:lvl2pPr marL="742950" indent="-285750" algn="l" defTabSz="457200" rtl="0" eaLnBrk="1" latinLnBrk="0" hangingPunct="1">
+      <a:lvl2pPr marL="914400" indent="-457200" algn="l" defTabSz="914400" rtl="0" eaLnBrk="1" latinLnBrk="0" hangingPunct="1">
         <a:spcBef>
-          <a:spcPct val="20000"/>
+          <a:spcPts val="0"/>
         </a:spcBef>
-        <a:buFont typeface="Arial"/>
-        <a:buChar char="–"/>
-        <a:defRPr sz="2800" kern="1200">
+        <a:spcAft>
+          <a:spcPts val="1000"/>
+        </a:spcAft>
+        <a:buClr>
+          <a:schemeClr val="bg2"/>
+        </a:buClr>
+        <a:buFont typeface="Wingdings 2" pitchFamily="18" charset="2"/>
+        <a:buChar char=""/>
+        <a:defRPr sz="2200" kern="1200">
           <a:solidFill>
             <a:schemeClr val="tx1"/>
           </a:solidFill>
@@ -2886,13 +6168,16 @@
           <a:cs typeface="+mn-cs"/>
         </a:defRPr>
       </a:lvl2pPr>
-      <a:lvl3pPr marL="1143000" indent="-228600" algn="l" defTabSz="457200" rtl="0" eaLnBrk="1" latinLnBrk="0" hangingPunct="1">
+      <a:lvl3pPr marL="1371600" indent="-457200" algn="l" defTabSz="914400" rtl="0" eaLnBrk="1" latinLnBrk="0" hangingPunct="1">
         <a:spcBef>
-          <a:spcPct val="20000"/>
+          <a:spcPts val="0"/>
         </a:spcBef>
-        <a:buFont typeface="Arial"/>
-        <a:buChar char="•"/>
-        <a:defRPr sz="2400" kern="1200">
+        <a:spcAft>
+          <a:spcPts val="1000"/>
+        </a:spcAft>
+        <a:buFont typeface="Wingdings 2" pitchFamily="18" charset="2"/>
+        <a:buChar char=""/>
+        <a:defRPr sz="2000" kern="1200">
           <a:solidFill>
             <a:schemeClr val="tx1"/>
           </a:solidFill>
@@ -2901,13 +6186,19 @@
           <a:cs typeface="+mn-cs"/>
         </a:defRPr>
       </a:lvl3pPr>
-      <a:lvl4pPr marL="1600200" indent="-228600" algn="l" defTabSz="457200" rtl="0" eaLnBrk="1" latinLnBrk="0" hangingPunct="1">
+      <a:lvl4pPr marL="1828800" indent="-457200" algn="l" defTabSz="914400" rtl="0" eaLnBrk="1" latinLnBrk="0" hangingPunct="1">
         <a:spcBef>
-          <a:spcPct val="20000"/>
+          <a:spcPts val="0"/>
         </a:spcBef>
-        <a:buFont typeface="Arial"/>
-        <a:buChar char="–"/>
-        <a:defRPr sz="2000" kern="1200">
+        <a:spcAft>
+          <a:spcPts val="1000"/>
+        </a:spcAft>
+        <a:buClr>
+          <a:schemeClr val="bg2"/>
+        </a:buClr>
+        <a:buFont typeface="Wingdings 2" pitchFamily="18" charset="2"/>
+        <a:buChar char=""/>
+        <a:defRPr sz="1800" kern="1200">
           <a:solidFill>
             <a:schemeClr val="tx1"/>
           </a:solidFill>
@@ -2916,13 +6207,16 @@
           <a:cs typeface="+mn-cs"/>
         </a:defRPr>
       </a:lvl4pPr>
-      <a:lvl5pPr marL="2057400" indent="-228600" algn="l" defTabSz="457200" rtl="0" eaLnBrk="1" latinLnBrk="0" hangingPunct="1">
+      <a:lvl5pPr marL="2286000" indent="-457200" algn="l" defTabSz="914400" rtl="0" eaLnBrk="1" latinLnBrk="0" hangingPunct="1">
         <a:spcBef>
-          <a:spcPct val="20000"/>
+          <a:spcPts val="0"/>
         </a:spcBef>
-        <a:buFont typeface="Arial"/>
-        <a:buChar char="»"/>
-        <a:defRPr sz="2000" kern="1200">
+        <a:spcAft>
+          <a:spcPts val="1000"/>
+        </a:spcAft>
+        <a:buFont typeface="Wingdings 2" pitchFamily="18" charset="2"/>
+        <a:buChar char=""/>
+        <a:defRPr sz="1800" kern="1200">
           <a:solidFill>
             <a:schemeClr val="tx1"/>
           </a:solidFill>
@@ -2931,13 +6225,19 @@
           <a:cs typeface="+mn-cs"/>
         </a:defRPr>
       </a:lvl5pPr>
-      <a:lvl6pPr marL="2514600" indent="-228600" algn="l" defTabSz="457200" rtl="0" eaLnBrk="1" latinLnBrk="0" hangingPunct="1">
+      <a:lvl6pPr marL="2743200" indent="-461963" algn="l" defTabSz="914400" rtl="0" eaLnBrk="1" latinLnBrk="0" hangingPunct="1">
         <a:spcBef>
-          <a:spcPct val="20000"/>
+          <a:spcPts val="0"/>
         </a:spcBef>
-        <a:buFont typeface="Arial"/>
-        <a:buChar char="•"/>
-        <a:defRPr sz="2000" kern="1200">
+        <a:spcAft>
+          <a:spcPts val="600"/>
+        </a:spcAft>
+        <a:buClr>
+          <a:schemeClr val="bg2"/>
+        </a:buClr>
+        <a:buFont typeface="Wingdings 2" pitchFamily="18" charset="2"/>
+        <a:buChar char="ò"/>
+        <a:defRPr lang="en-US" sz="1800" kern="1200" dirty="0" smtClean="0">
           <a:solidFill>
             <a:schemeClr val="tx1"/>
           </a:solidFill>
@@ -2946,13 +6246,16 @@
           <a:cs typeface="+mn-cs"/>
         </a:defRPr>
       </a:lvl6pPr>
-      <a:lvl7pPr marL="2971800" indent="-228600" algn="l" defTabSz="457200" rtl="0" eaLnBrk="1" latinLnBrk="0" hangingPunct="1">
+      <a:lvl7pPr marL="3205163" indent="-461963" algn="l" defTabSz="914400" rtl="0" eaLnBrk="1" latinLnBrk="0" hangingPunct="1">
         <a:spcBef>
-          <a:spcPct val="20000"/>
+          <a:spcPts val="0"/>
         </a:spcBef>
-        <a:buFont typeface="Arial"/>
-        <a:buChar char="•"/>
-        <a:defRPr sz="2000" kern="1200">
+        <a:spcAft>
+          <a:spcPts val="600"/>
+        </a:spcAft>
+        <a:buFont typeface="Wingdings 2" pitchFamily="18" charset="2"/>
+        <a:buChar char="ò"/>
+        <a:defRPr lang="en-US" sz="1800" kern="1200" dirty="0" smtClean="0">
           <a:solidFill>
             <a:schemeClr val="tx1"/>
           </a:solidFill>
@@ -2961,13 +6264,19 @@
           <a:cs typeface="+mn-cs"/>
         </a:defRPr>
       </a:lvl7pPr>
-      <a:lvl8pPr marL="3429000" indent="-228600" algn="l" defTabSz="457200" rtl="0" eaLnBrk="1" latinLnBrk="0" hangingPunct="1">
+      <a:lvl8pPr marL="3657600" indent="-461963" algn="l" defTabSz="914400" rtl="0" eaLnBrk="1" latinLnBrk="0" hangingPunct="1">
         <a:spcBef>
-          <a:spcPct val="20000"/>
+          <a:spcPts val="0"/>
         </a:spcBef>
-        <a:buFont typeface="Arial"/>
-        <a:buChar char="•"/>
-        <a:defRPr sz="2000" kern="1200">
+        <a:spcAft>
+          <a:spcPts val="600"/>
+        </a:spcAft>
+        <a:buClr>
+          <a:schemeClr val="bg2"/>
+        </a:buClr>
+        <a:buFont typeface="Wingdings 2" pitchFamily="18" charset="2"/>
+        <a:buChar char="ò"/>
+        <a:defRPr lang="en-US" sz="1800" kern="1200" dirty="0" smtClean="0">
           <a:solidFill>
             <a:schemeClr val="tx1"/>
           </a:solidFill>
@@ -2976,13 +6285,16 @@
           <a:cs typeface="+mn-cs"/>
         </a:defRPr>
       </a:lvl8pPr>
-      <a:lvl9pPr marL="3886200" indent="-228600" algn="l" defTabSz="457200" rtl="0" eaLnBrk="1" latinLnBrk="0" hangingPunct="1">
+      <a:lvl9pPr marL="4119563" indent="-461963" algn="l" defTabSz="914400" rtl="0" eaLnBrk="1" latinLnBrk="0" hangingPunct="1">
         <a:spcBef>
-          <a:spcPct val="20000"/>
+          <a:spcPts val="0"/>
         </a:spcBef>
-        <a:buFont typeface="Arial"/>
-        <a:buChar char="•"/>
-        <a:defRPr sz="2000" kern="1200">
+        <a:spcAft>
+          <a:spcPts val="600"/>
+        </a:spcAft>
+        <a:buFont typeface="Wingdings 2" pitchFamily="18" charset="2"/>
+        <a:buChar char="ò"/>
+        <a:defRPr lang="en-US" sz="1800" kern="1200" dirty="0" smtClean="0">
           <a:solidFill>
             <a:schemeClr val="tx1"/>
           </a:solidFill>
@@ -2994,9 +6306,9 @@
     </p:bodyStyle>
     <p:otherStyle>
       <a:defPPr>
-        <a:defRPr lang="en-US"/>
+        <a:defRPr/>
       </a:defPPr>
-      <a:lvl1pPr marL="0" algn="l" defTabSz="457200" rtl="0" eaLnBrk="1" latinLnBrk="0" hangingPunct="1">
+      <a:lvl1pPr marL="0" algn="l" defTabSz="914400" rtl="0" eaLnBrk="1" latinLnBrk="0" hangingPunct="1">
         <a:defRPr sz="1800" kern="1200">
           <a:solidFill>
             <a:schemeClr val="tx1"/>
@@ -3006,7 +6318,7 @@
           <a:cs typeface="+mn-cs"/>
         </a:defRPr>
       </a:lvl1pPr>
-      <a:lvl2pPr marL="457200" algn="l" defTabSz="457200" rtl="0" eaLnBrk="1" latinLnBrk="0" hangingPunct="1">
+      <a:lvl2pPr marL="457200" algn="l" defTabSz="914400" rtl="0" eaLnBrk="1" latinLnBrk="0" hangingPunct="1">
         <a:defRPr sz="1800" kern="1200">
           <a:solidFill>
             <a:schemeClr val="tx1"/>
@@ -3016,7 +6328,7 @@
           <a:cs typeface="+mn-cs"/>
         </a:defRPr>
       </a:lvl2pPr>
-      <a:lvl3pPr marL="914400" algn="l" defTabSz="457200" rtl="0" eaLnBrk="1" latinLnBrk="0" hangingPunct="1">
+      <a:lvl3pPr marL="914400" algn="l" defTabSz="914400" rtl="0" eaLnBrk="1" latinLnBrk="0" hangingPunct="1">
         <a:defRPr sz="1800" kern="1200">
           <a:solidFill>
             <a:schemeClr val="tx1"/>
@@ -3026,7 +6338,7 @@
           <a:cs typeface="+mn-cs"/>
         </a:defRPr>
       </a:lvl3pPr>
-      <a:lvl4pPr marL="1371600" algn="l" defTabSz="457200" rtl="0" eaLnBrk="1" latinLnBrk="0" hangingPunct="1">
+      <a:lvl4pPr marL="1371600" algn="l" defTabSz="914400" rtl="0" eaLnBrk="1" latinLnBrk="0" hangingPunct="1">
         <a:defRPr sz="1800" kern="1200">
           <a:solidFill>
             <a:schemeClr val="tx1"/>
@@ -3036,7 +6348,7 @@
           <a:cs typeface="+mn-cs"/>
         </a:defRPr>
       </a:lvl4pPr>
-      <a:lvl5pPr marL="1828800" algn="l" defTabSz="457200" rtl="0" eaLnBrk="1" latinLnBrk="0" hangingPunct="1">
+      <a:lvl5pPr marL="1828800" algn="l" defTabSz="914400" rtl="0" eaLnBrk="1" latinLnBrk="0" hangingPunct="1">
         <a:defRPr sz="1800" kern="1200">
           <a:solidFill>
             <a:schemeClr val="tx1"/>
@@ -3046,7 +6358,7 @@
           <a:cs typeface="+mn-cs"/>
         </a:defRPr>
       </a:lvl5pPr>
-      <a:lvl6pPr marL="2286000" algn="l" defTabSz="457200" rtl="0" eaLnBrk="1" latinLnBrk="0" hangingPunct="1">
+      <a:lvl6pPr marL="2286000" algn="l" defTabSz="914400" rtl="0" eaLnBrk="1" latinLnBrk="0" hangingPunct="1">
         <a:defRPr sz="1800" kern="1200">
           <a:solidFill>
             <a:schemeClr val="tx1"/>
@@ -3056,7 +6368,7 @@
           <a:cs typeface="+mn-cs"/>
         </a:defRPr>
       </a:lvl6pPr>
-      <a:lvl7pPr marL="2743200" algn="l" defTabSz="457200" rtl="0" eaLnBrk="1" latinLnBrk="0" hangingPunct="1">
+      <a:lvl7pPr marL="2743200" algn="l" defTabSz="914400" rtl="0" eaLnBrk="1" latinLnBrk="0" hangingPunct="1">
         <a:defRPr sz="1800" kern="1200">
           <a:solidFill>
             <a:schemeClr val="tx1"/>
@@ -3066,7 +6378,7 @@
           <a:cs typeface="+mn-cs"/>
         </a:defRPr>
       </a:lvl7pPr>
-      <a:lvl8pPr marL="3200400" algn="l" defTabSz="457200" rtl="0" eaLnBrk="1" latinLnBrk="0" hangingPunct="1">
+      <a:lvl8pPr marL="3200400" algn="l" defTabSz="914400" rtl="0" eaLnBrk="1" latinLnBrk="0" hangingPunct="1">
         <a:defRPr sz="1800" kern="1200">
           <a:solidFill>
             <a:schemeClr val="tx1"/>
@@ -3076,7 +6388,7 @@
           <a:cs typeface="+mn-cs"/>
         </a:defRPr>
       </a:lvl8pPr>
-      <a:lvl9pPr marL="3657600" algn="l" defTabSz="457200" rtl="0" eaLnBrk="1" latinLnBrk="0" hangingPunct="1">
+      <a:lvl9pPr marL="3657600" algn="l" defTabSz="914400" rtl="0" eaLnBrk="1" latinLnBrk="0" hangingPunct="1">
         <a:defRPr sz="1800" kern="1200">
           <a:solidFill>
             <a:schemeClr val="tx1"/>
@@ -3120,7 +6432,9 @@
         </p:nvSpPr>
         <p:spPr/>
         <p:txBody>
-          <a:bodyPr/>
+          <a:bodyPr>
+            <a:normAutofit/>
+          </a:bodyPr>
           <a:lstStyle/>
           <a:p>
             <a:r>
@@ -3154,7 +6468,9 @@
         </p:nvSpPr>
         <p:spPr/>
         <p:txBody>
-          <a:bodyPr/>
+          <a:bodyPr>
+            <a:normAutofit/>
+          </a:bodyPr>
           <a:lstStyle/>
           <a:p>
             <a:r>
@@ -3250,80 +6566,136 @@
           <a:p>
             <a:r>
               <a:rPr lang="en-US" dirty="0" smtClean="0"/>
-              <a:t>Dataset</a:t>
+              <a:t>PCA</a:t>
             </a:r>
             <a:endParaRPr lang="en-US" dirty="0"/>
           </a:p>
         </p:txBody>
       </p:sp>
-      <p:sp>
-        <p:nvSpPr>
-          <p:cNvPr id="3" name="Content Placeholder 2"/>
-          <p:cNvSpPr>
-            <a:spLocks noGrp="1"/>
-          </p:cNvSpPr>
-          <p:nvPr>
-            <p:ph idx="1"/>
-          </p:nvPr>
-        </p:nvSpPr>
-        <p:spPr/>
-        <p:txBody>
-          <a:bodyPr/>
+      <p:pic>
+        <p:nvPicPr>
+          <p:cNvPr id="5" name="Picture 4" descr="svm_acc_vs_dim_pca_sr.png"/>
+          <p:cNvPicPr>
+            <a:picLocks noChangeAspect="1"/>
+          </p:cNvPicPr>
+          <p:nvPr/>
+        </p:nvPicPr>
+        <p:blipFill>
+          <a:blip r:embed="rId2">
+            <a:extLst>
+              <a:ext uri="{28A0092B-C50C-407E-A947-70E740481C1C}">
+                <a14:useLocalDpi xmlns:a14="http://schemas.microsoft.com/office/drawing/2010/main" val="0"/>
+              </a:ext>
+            </a:extLst>
+          </a:blip>
+          <a:stretch>
+            <a:fillRect/>
+          </a:stretch>
+        </p:blipFill>
+        <p:spPr>
+          <a:xfrm>
+            <a:off x="4531541" y="1417638"/>
+            <a:ext cx="4389541" cy="3292156"/>
+          </a:xfrm>
+          <a:prstGeom prst="rect">
+            <a:avLst/>
+          </a:prstGeom>
+        </p:spPr>
+      </p:pic>
+      <p:pic>
+        <p:nvPicPr>
+          <p:cNvPr id="6" name="Picture 5" descr="nb_acc_vs_dim_pca_sr.png"/>
+          <p:cNvPicPr>
+            <a:picLocks noChangeAspect="1"/>
+          </p:cNvPicPr>
+          <p:nvPr/>
+        </p:nvPicPr>
+        <p:blipFill>
+          <a:blip r:embed="rId3">
+            <a:extLst>
+              <a:ext uri="{28A0092B-C50C-407E-A947-70E740481C1C}">
+                <a14:useLocalDpi xmlns:a14="http://schemas.microsoft.com/office/drawing/2010/main" val="0"/>
+              </a:ext>
+            </a:extLst>
+          </a:blip>
+          <a:stretch>
+            <a:fillRect/>
+          </a:stretch>
+        </p:blipFill>
+        <p:spPr>
+          <a:xfrm>
+            <a:off x="99596" y="1473198"/>
+            <a:ext cx="4315461" cy="3236596"/>
+          </a:xfrm>
+          <a:prstGeom prst="rect">
+            <a:avLst/>
+          </a:prstGeom>
+        </p:spPr>
+      </p:pic>
+      <p:sp>
+        <p:nvSpPr>
+          <p:cNvPr id="8" name="TextBox 7"/>
+          <p:cNvSpPr txBox="1"/>
+          <p:nvPr/>
+        </p:nvSpPr>
+        <p:spPr>
+          <a:xfrm>
+            <a:off x="1467859" y="4709794"/>
+            <a:ext cx="3113488" cy="461665"/>
+          </a:xfrm>
+          <a:prstGeom prst="rect">
+            <a:avLst/>
+          </a:prstGeom>
+          <a:noFill/>
+        </p:spPr>
+        <p:txBody>
+          <a:bodyPr wrap="square" rtlCol="0">
+            <a:spAutoFit/>
+          </a:bodyPr>
           <a:lstStyle/>
           <a:p>
             <a:r>
-              <a:rPr lang="en-US" dirty="0" smtClean="0"/>
-              <a:t>Freq. of word stems in text</a:t>
-            </a:r>
-          </a:p>
-          <a:p>
-            <a:r>
-              <a:rPr lang="en-US" dirty="0" smtClean="0"/>
-              <a:t>Classes</a:t>
-            </a:r>
-            <a:r>
-              <a:rPr lang="en-US" smtClean="0"/>
-              <a:t>: Is </a:t>
-            </a:r>
-            <a:r>
-              <a:rPr lang="en-US" dirty="0" smtClean="0"/>
-              <a:t>Reuter’s article about ‘</a:t>
-            </a:r>
-            <a:r>
-              <a:rPr lang="en-US" smtClean="0"/>
-              <a:t>corporate acquisitions’ or not?</a:t>
-            </a:r>
-          </a:p>
-          <a:p>
-            <a:endParaRPr lang="en-US" dirty="0" smtClean="0"/>
-          </a:p>
-          <a:p>
-            <a:r>
-              <a:rPr lang="en-US" dirty="0" smtClean="0"/>
-              <a:t>N = 2600</a:t>
-            </a:r>
-          </a:p>
-          <a:p>
-            <a:r>
-              <a:rPr lang="en-US" dirty="0" smtClean="0"/>
-              <a:t>P = 20,000</a:t>
-            </a:r>
-          </a:p>
-          <a:p>
-            <a:r>
-              <a:rPr lang="en-US" dirty="0" smtClean="0"/>
-              <a:t>Some algorithms can handle bigger p, but not all, and want to compare. </a:t>
-            </a:r>
-          </a:p>
-          <a:p>
-            <a:endParaRPr lang="en-US" dirty="0"/>
+              <a:rPr lang="en-US" sz="2400" dirty="0" smtClean="0"/>
+              <a:t>Naïve Bayes</a:t>
+            </a:r>
+            <a:endParaRPr lang="en-US" sz="2400" dirty="0"/>
+          </a:p>
+        </p:txBody>
+      </p:sp>
+      <p:sp>
+        <p:nvSpPr>
+          <p:cNvPr id="9" name="TextBox 8"/>
+          <p:cNvSpPr txBox="1"/>
+          <p:nvPr/>
+        </p:nvSpPr>
+        <p:spPr>
+          <a:xfrm>
+            <a:off x="6326108" y="4740569"/>
+            <a:ext cx="3113488" cy="461665"/>
+          </a:xfrm>
+          <a:prstGeom prst="rect">
+            <a:avLst/>
+          </a:prstGeom>
+          <a:noFill/>
+        </p:spPr>
+        <p:txBody>
+          <a:bodyPr wrap="square" rtlCol="0">
+            <a:spAutoFit/>
+          </a:bodyPr>
+          <a:lstStyle/>
+          <a:p>
+            <a:r>
+              <a:rPr lang="en-US" sz="2400" dirty="0" smtClean="0"/>
+              <a:t>SVM</a:t>
+            </a:r>
+            <a:endParaRPr lang="en-US" sz="2400" dirty="0"/>
           </a:p>
         </p:txBody>
       </p:sp>
     </p:spTree>
     <p:extLst>
       <p:ext uri="{BB962C8B-B14F-4D97-AF65-F5344CB8AC3E}">
-        <p14:creationId xmlns:p14="http://schemas.microsoft.com/office/powerpoint/2010/main" val="2960204213"/>
+        <p14:creationId xmlns:p14="http://schemas.microsoft.com/office/powerpoint/2010/main" val="2626299536"/>
       </p:ext>
     </p:extLst>
   </p:cSld>
@@ -3369,84 +6741,51 @@
         </p:nvSpPr>
         <p:spPr/>
         <p:txBody>
-          <a:bodyPr>
-            <a:normAutofit fontScale="90000"/>
-          </a:bodyPr>
-          <a:lstStyle/>
-          <a:p>
-            <a:r>
-              <a:rPr lang="en-US" dirty="0" smtClean="0"/>
-              <a:t>Experiments: Find </a:t>
-            </a:r>
-            <a:r>
-              <a:rPr lang="en-US" dirty="0" err="1" smtClean="0"/>
-              <a:t>subregimes</a:t>
-            </a:r>
-            <a:r>
-              <a:rPr lang="en-US" dirty="0" smtClean="0"/>
-              <a:t/>
-            </a:r>
-            <a:br>
-              <a:rPr lang="en-US" dirty="0" smtClean="0"/>
-            </a:br>
-            <a:r>
-              <a:rPr lang="en-US" dirty="0" smtClean="0"/>
-              <a:t> of n &lt;&lt; p</a:t>
-            </a:r>
-            <a:endParaRPr lang="en-US" dirty="0"/>
-          </a:p>
-        </p:txBody>
-      </p:sp>
-      <p:sp>
-        <p:nvSpPr>
-          <p:cNvPr id="3" name="Content Placeholder 2"/>
-          <p:cNvSpPr>
-            <a:spLocks noGrp="1"/>
-          </p:cNvSpPr>
-          <p:nvPr>
-            <p:ph idx="1"/>
-          </p:nvPr>
-        </p:nvSpPr>
-        <p:spPr/>
-        <p:txBody>
           <a:bodyPr/>
           <a:lstStyle/>
           <a:p>
             <a:r>
               <a:rPr lang="en-US" dirty="0" smtClean="0"/>
-              <a:t>Fix test set</a:t>
-            </a:r>
-          </a:p>
-          <a:p>
-            <a:r>
-              <a:rPr lang="en-US" dirty="0" smtClean="0"/>
-              <a:t>Vary training set size</a:t>
-            </a:r>
-          </a:p>
-          <a:p>
-            <a:r>
-              <a:rPr lang="en-US" dirty="0" smtClean="0"/>
-              <a:t>Train/Test various algorithms</a:t>
-            </a:r>
-          </a:p>
-          <a:p>
-            <a:r>
-              <a:rPr lang="en-US" dirty="0" smtClean="0"/>
-              <a:t>Plot time, accuracy vs. train set size.</a:t>
-            </a:r>
-          </a:p>
-          <a:p>
-            <a:r>
-              <a:rPr lang="en-US" dirty="0" smtClean="0"/>
-              <a:t>Identify crossing points.</a:t>
-            </a:r>
-          </a:p>
-        </p:txBody>
-      </p:sp>
+              <a:t>PCA</a:t>
+            </a:r>
+            <a:endParaRPr lang="en-US" dirty="0"/>
+          </a:p>
+        </p:txBody>
+      </p:sp>
+      <p:pic>
+        <p:nvPicPr>
+          <p:cNvPr id="4" name="Picture 3" descr="_lasso_lasso_pca_acc.eps"/>
+          <p:cNvPicPr>
+            <a:picLocks noChangeAspect="1"/>
+          </p:cNvPicPr>
+          <p:nvPr/>
+        </p:nvPicPr>
+        <p:blipFill>
+          <a:blip r:embed="rId2">
+            <a:extLst>
+              <a:ext uri="{28A0092B-C50C-407E-A947-70E740481C1C}">
+                <a14:useLocalDpi xmlns:a14="http://schemas.microsoft.com/office/drawing/2010/main" val="0"/>
+              </a:ext>
+            </a:extLst>
+          </a:blip>
+          <a:stretch>
+            <a:fillRect/>
+          </a:stretch>
+        </p:blipFill>
+        <p:spPr>
+          <a:xfrm>
+            <a:off x="1371600" y="1417638"/>
+            <a:ext cx="6388100" cy="4864100"/>
+          </a:xfrm>
+          <a:prstGeom prst="rect">
+            <a:avLst/>
+          </a:prstGeom>
+        </p:spPr>
+      </p:pic>
     </p:spTree>
     <p:extLst>
       <p:ext uri="{BB962C8B-B14F-4D97-AF65-F5344CB8AC3E}">
-        <p14:creationId xmlns:p14="http://schemas.microsoft.com/office/powerpoint/2010/main" val="1096221382"/>
+        <p14:creationId xmlns:p14="http://schemas.microsoft.com/office/powerpoint/2010/main" val="2548754565"/>
       </p:ext>
     </p:extLst>
   </p:cSld>
@@ -3497,7 +6836,7 @@
           <a:p>
             <a:r>
               <a:rPr lang="en-US" dirty="0" smtClean="0"/>
-              <a:t>Hypotheses</a:t>
+              <a:t>Random Projections</a:t>
             </a:r>
             <a:endParaRPr lang="en-US" dirty="0"/>
           </a:p>
@@ -3515,66 +6854,82 @@
         </p:nvSpPr>
         <p:spPr/>
         <p:txBody>
-          <a:bodyPr/>
+          <a:bodyPr>
+            <a:normAutofit/>
+          </a:bodyPr>
           <a:lstStyle/>
           <a:p>
-            <a:r>
-              <a:rPr lang="en-US" dirty="0"/>
-              <a:t>F</a:t>
-            </a:r>
-            <a:r>
-              <a:rPr lang="en-US" dirty="0" smtClean="0"/>
-              <a:t>or very small n, dimensionality reduction will be important to prevent </a:t>
-            </a:r>
-            <a:r>
-              <a:rPr lang="en-US" dirty="0" err="1" smtClean="0"/>
-              <a:t>overfitting</a:t>
-            </a:r>
-            <a:r>
-              <a:rPr lang="en-US" dirty="0" smtClean="0"/>
-              <a:t>.</a:t>
-            </a:r>
-          </a:p>
-          <a:p>
-            <a:r>
-              <a:rPr lang="en-US" dirty="0" smtClean="0"/>
-              <a:t>L2 Logistic regression will be asymptotically worse</a:t>
-            </a:r>
-            <a:r>
-              <a:rPr lang="en-US" smtClean="0"/>
-              <a:t>, but </a:t>
-            </a:r>
-            <a:r>
-              <a:rPr lang="en-US" dirty="0" smtClean="0"/>
-              <a:t>better better for </a:t>
-            </a:r>
-            <a:r>
-              <a:rPr lang="en-US" smtClean="0"/>
-              <a:t>small n. </a:t>
-            </a:r>
-            <a:endParaRPr lang="en-US" dirty="0" smtClean="0"/>
-          </a:p>
-          <a:p>
-            <a:r>
-              <a:rPr lang="en-US" dirty="0" smtClean="0"/>
-              <a:t>For small n generative techniques will be better.</a:t>
-            </a:r>
-          </a:p>
-          <a:p>
-            <a:r>
-              <a:rPr lang="en-US" dirty="0" smtClean="0"/>
-              <a:t>For large n, discriminative techniques will be better.</a:t>
-            </a:r>
-          </a:p>
+            <a:pPr marL="0" indent="0">
+              <a:buNone/>
+            </a:pPr>
+            <a:r>
+              <a:rPr lang="en-US" sz="3600" dirty="0" smtClean="0"/>
+              <a:t>Surprisingly Effective!</a:t>
+            </a:r>
+            <a:endParaRPr lang="en-US" sz="3600" dirty="0"/>
+          </a:p>
+        </p:txBody>
+      </p:sp>
+      <p:sp>
+        <p:nvSpPr>
+          <p:cNvPr id="4" name="TextBox 3"/>
+          <p:cNvSpPr txBox="1"/>
+          <p:nvPr/>
+        </p:nvSpPr>
+        <p:spPr>
+          <a:xfrm>
+            <a:off x="1301750" y="6445250"/>
+            <a:ext cx="184666" cy="369332"/>
+          </a:xfrm>
+          <a:prstGeom prst="rect">
+            <a:avLst/>
+          </a:prstGeom>
+          <a:noFill/>
+        </p:spPr>
+        <p:txBody>
+          <a:bodyPr wrap="none" rtlCol="0">
+            <a:spAutoFit/>
+          </a:bodyPr>
+          <a:lstStyle/>
           <a:p>
             <a:endParaRPr lang="en-US" dirty="0"/>
           </a:p>
         </p:txBody>
       </p:sp>
+      <p:pic>
+        <p:nvPicPr>
+          <p:cNvPr id="5" name="Picture 4" descr="accuracy_vs_dim_randproj.png"/>
+          <p:cNvPicPr>
+            <a:picLocks noChangeAspect="1"/>
+          </p:cNvPicPr>
+          <p:nvPr/>
+        </p:nvPicPr>
+        <p:blipFill>
+          <a:blip r:embed="rId2">
+            <a:extLst>
+              <a:ext uri="{28A0092B-C50C-407E-A947-70E740481C1C}">
+                <a14:useLocalDpi xmlns:a14="http://schemas.microsoft.com/office/drawing/2010/main" val="0"/>
+              </a:ext>
+            </a:extLst>
+          </a:blip>
+          <a:stretch>
+            <a:fillRect/>
+          </a:stretch>
+        </p:blipFill>
+        <p:spPr>
+          <a:xfrm>
+            <a:off x="1968500" y="2638626"/>
+            <a:ext cx="5202498" cy="3901874"/>
+          </a:xfrm>
+          <a:prstGeom prst="rect">
+            <a:avLst/>
+          </a:prstGeom>
+        </p:spPr>
+      </p:pic>
     </p:spTree>
     <p:extLst>
       <p:ext uri="{BB962C8B-B14F-4D97-AF65-F5344CB8AC3E}">
-        <p14:creationId xmlns:p14="http://schemas.microsoft.com/office/powerpoint/2010/main" val="69837880"/>
+        <p14:creationId xmlns:p14="http://schemas.microsoft.com/office/powerpoint/2010/main" val="1106399543"/>
       </p:ext>
     </p:extLst>
   </p:cSld>
@@ -3625,7 +6980,7 @@
           <a:p>
             <a:r>
               <a:rPr lang="en-US" dirty="0" smtClean="0"/>
-              <a:t>Curse of Dimensionality</a:t>
+              <a:t>Dimensionality Reduction Observations</a:t>
             </a:r>
             <a:endParaRPr lang="en-US" dirty="0"/>
           </a:p>
@@ -3648,16 +7003,41 @@
           <a:p>
             <a:r>
               <a:rPr lang="en-US" dirty="0" smtClean="0"/>
-              <a:t>Vary </a:t>
+              <a:t>Tradeoff between </a:t>
             </a:r>
             <a:r>
               <a:rPr lang="en-US" dirty="0" err="1" smtClean="0"/>
-              <a:t>RandProjection</a:t>
+              <a:t>lossy</a:t>
             </a:r>
             <a:r>
               <a:rPr lang="en-US" dirty="0" smtClean="0"/>
-              <a:t> dimension and compute KNN accuracy.</a:t>
-            </a:r>
+              <a:t> compression and utility of small dimensionality</a:t>
+            </a:r>
+          </a:p>
+          <a:p>
+            <a:r>
+              <a:rPr lang="en-US" dirty="0" smtClean="0"/>
+              <a:t>Necessary for extremely small training data.</a:t>
+            </a:r>
+          </a:p>
+          <a:p>
+            <a:r>
+              <a:rPr lang="en-US" dirty="0" smtClean="0"/>
+              <a:t>PCA &gt; Rand </a:t>
+            </a:r>
+            <a:r>
+              <a:rPr lang="en-US" dirty="0" err="1" smtClean="0"/>
+              <a:t>Proj</a:t>
+            </a:r>
+            <a:r>
+              <a:rPr lang="en-US" dirty="0" smtClean="0"/>
+              <a:t>., but expensive to compute</a:t>
+            </a:r>
+          </a:p>
+          <a:p>
+            <a:endParaRPr lang="en-US" dirty="0" smtClean="0"/>
+          </a:p>
+          <a:p>
             <a:endParaRPr lang="en-US" dirty="0"/>
           </a:p>
         </p:txBody>
@@ -3665,13 +7045,20 @@
     </p:spTree>
     <p:extLst>
       <p:ext uri="{BB962C8B-B14F-4D97-AF65-F5344CB8AC3E}">
-        <p14:creationId xmlns:p14="http://schemas.microsoft.com/office/powerpoint/2010/main" val="1011378445"/>
+        <p14:creationId xmlns:p14="http://schemas.microsoft.com/office/powerpoint/2010/main" val="4222429763"/>
       </p:ext>
     </p:extLst>
   </p:cSld>
   <p:clrMapOvr>
     <a:masterClrMapping/>
   </p:clrMapOvr>
+  <p:timing>
+    <p:tnLst>
+      <p:par>
+        <p:cTn xmlns:p14="http://schemas.microsoft.com/office/powerpoint/2010/main" id="1" dur="indefinite" restart="never" nodeType="tmRoot"/>
+      </p:par>
+    </p:tnLst>
+  </p:timing>
 </p:sld>
 </file>
 
@@ -3709,7 +7096,19 @@
           <a:p>
             <a:r>
               <a:rPr lang="en-US" dirty="0" smtClean="0"/>
-              <a:t>Feature Selection</a:t>
+              <a:t>Feature</a:t>
+            </a:r>
+            <a:r>
+              <a:rPr lang="en-US" dirty="0" smtClean="0"/>
+              <a:t> </a:t>
+            </a:r>
+            <a:r>
+              <a:rPr lang="en-US" dirty="0" err="1" smtClean="0"/>
+              <a:t>Sparsity</a:t>
+            </a:r>
+            <a:r>
+              <a:rPr lang="en-US" dirty="0" smtClean="0"/>
+              <a:t> Observations</a:t>
             </a:r>
             <a:endParaRPr lang="en-US" dirty="0"/>
           </a:p>
@@ -3732,18 +7131,24 @@
           <a:p>
             <a:r>
               <a:rPr lang="en-US" dirty="0" smtClean="0"/>
-              <a:t>“Blow Up” dataset by adding random features. </a:t>
-            </a:r>
-          </a:p>
-          <a:p>
+              <a:t>Dot products are extremely efficient. </a:t>
+            </a:r>
+          </a:p>
+          <a:p>
+            <a:pPr lvl="1"/>
             <a:r>
               <a:rPr lang="en-US" dirty="0" smtClean="0"/>
-              <a:t>See if you can recover original features by doing sparse </a:t>
-            </a:r>
+              <a:t>Linear Kernel SVM fast</a:t>
+            </a:r>
+            <a:endParaRPr lang="en-US" dirty="0"/>
+          </a:p>
+          <a:p>
             <a:r>
               <a:rPr lang="en-US" dirty="0" smtClean="0"/>
-              <a:t>logistic regression.</a:t>
-            </a:r>
+              <a:t>Need smoothing in Naïve Bayes</a:t>
+            </a:r>
+          </a:p>
+          <a:p>
             <a:endParaRPr lang="en-US" dirty="0" smtClean="0"/>
           </a:p>
         </p:txBody>
@@ -3751,13 +7156,840 @@
     </p:spTree>
     <p:extLst>
       <p:ext uri="{BB962C8B-B14F-4D97-AF65-F5344CB8AC3E}">
-        <p14:creationId xmlns:p14="http://schemas.microsoft.com/office/powerpoint/2010/main" val="4074227388"/>
+        <p14:creationId xmlns:p14="http://schemas.microsoft.com/office/powerpoint/2010/main" val="2228457651"/>
       </p:ext>
     </p:extLst>
   </p:cSld>
   <p:clrMapOvr>
     <a:masterClrMapping/>
   </p:clrMapOvr>
+  <p:timing>
+    <p:tnLst>
+      <p:par>
+        <p:cTn xmlns:p14="http://schemas.microsoft.com/office/powerpoint/2010/main" id="1" dur="indefinite" restart="never" nodeType="tmRoot"/>
+      </p:par>
+    </p:tnLst>
+  </p:timing>
+</p:sld>
+</file>
+
+<file path=ppt/slides/slide15.xml><?xml version="1.0" encoding="utf-8"?>
+<p:sld xmlns:a="http://schemas.openxmlformats.org/drawingml/2006/main" xmlns:r="http://schemas.openxmlformats.org/officeDocument/2006/relationships" xmlns:p="http://schemas.openxmlformats.org/presentationml/2006/main">
+  <p:cSld>
+    <p:spTree>
+      <p:nvGrpSpPr>
+        <p:cNvPr id="1" name=""/>
+        <p:cNvGrpSpPr/>
+        <p:nvPr/>
+      </p:nvGrpSpPr>
+      <p:grpSpPr>
+        <a:xfrm>
+          <a:off x="0" y="0"/>
+          <a:ext cx="0" cy="0"/>
+          <a:chOff x="0" y="0"/>
+          <a:chExt cx="0" cy="0"/>
+        </a:xfrm>
+      </p:grpSpPr>
+      <p:sp>
+        <p:nvSpPr>
+          <p:cNvPr id="2" name="Title 1"/>
+          <p:cNvSpPr>
+            <a:spLocks noGrp="1"/>
+          </p:cNvSpPr>
+          <p:nvPr>
+            <p:ph type="title"/>
+          </p:nvPr>
+        </p:nvSpPr>
+        <p:spPr/>
+        <p:txBody>
+          <a:bodyPr/>
+          <a:lstStyle/>
+          <a:p>
+            <a:r>
+              <a:rPr lang="en-US" dirty="0" err="1" smtClean="0"/>
+              <a:t>Subregimes</a:t>
+            </a:r>
+            <a:r>
+              <a:rPr lang="en-US" dirty="0" smtClean="0"/>
+              <a:t> of n &lt;&lt; p</a:t>
+            </a:r>
+            <a:endParaRPr lang="en-US" dirty="0"/>
+          </a:p>
+        </p:txBody>
+      </p:sp>
+      <p:sp>
+        <p:nvSpPr>
+          <p:cNvPr id="3" name="Content Placeholder 2"/>
+          <p:cNvSpPr>
+            <a:spLocks noGrp="1"/>
+          </p:cNvSpPr>
+          <p:nvPr>
+            <p:ph idx="1"/>
+          </p:nvPr>
+        </p:nvSpPr>
+        <p:spPr>
+          <a:xfrm>
+            <a:off x="173116" y="1904999"/>
+            <a:ext cx="3686156" cy="4665171"/>
+          </a:xfrm>
+        </p:spPr>
+        <p:txBody>
+          <a:bodyPr/>
+          <a:lstStyle/>
+          <a:p>
+            <a:pPr marL="0" indent="0">
+              <a:buNone/>
+            </a:pPr>
+            <a:r>
+              <a:rPr lang="en-US" dirty="0" smtClean="0"/>
+              <a:t>Ng. and Jordan 2002 : </a:t>
+            </a:r>
+          </a:p>
+          <a:p>
+            <a:pPr marL="0" indent="0">
+              <a:buNone/>
+            </a:pPr>
+            <a:r>
+              <a:rPr lang="en-US" dirty="0" smtClean="0"/>
+              <a:t>Log. Regression is asymptotically better than naïve </a:t>
+            </a:r>
+            <a:r>
+              <a:rPr lang="en-US" dirty="0" err="1" smtClean="0"/>
+              <a:t>bayes</a:t>
+            </a:r>
+            <a:r>
+              <a:rPr lang="en-US" dirty="0" smtClean="0"/>
+              <a:t>, but requires more samples to reach this limit. </a:t>
+            </a:r>
+            <a:endParaRPr lang="en-US" dirty="0"/>
+          </a:p>
+        </p:txBody>
+      </p:sp>
+      <p:pic>
+        <p:nvPicPr>
+          <p:cNvPr id="4" name="Picture 3" descr="Screen Shot 2011-12-15 at 11.03.52 AM.png"/>
+          <p:cNvPicPr>
+            <a:picLocks noChangeAspect="1"/>
+          </p:cNvPicPr>
+          <p:nvPr/>
+        </p:nvPicPr>
+        <p:blipFill>
+          <a:blip r:embed="rId2">
+            <a:extLst>
+              <a:ext uri="{28A0092B-C50C-407E-A947-70E740481C1C}">
+                <a14:useLocalDpi xmlns:a14="http://schemas.microsoft.com/office/drawing/2010/main" val="0"/>
+              </a:ext>
+            </a:extLst>
+          </a:blip>
+          <a:stretch>
+            <a:fillRect/>
+          </a:stretch>
+        </p:blipFill>
+        <p:spPr>
+          <a:xfrm>
+            <a:off x="3834374" y="2163863"/>
+            <a:ext cx="5487247" cy="4295673"/>
+          </a:xfrm>
+          <a:prstGeom prst="rect">
+            <a:avLst/>
+          </a:prstGeom>
+        </p:spPr>
+      </p:pic>
+    </p:spTree>
+    <p:extLst>
+      <p:ext uri="{BB962C8B-B14F-4D97-AF65-F5344CB8AC3E}">
+        <p14:creationId xmlns:p14="http://schemas.microsoft.com/office/powerpoint/2010/main" val="1351953233"/>
+      </p:ext>
+    </p:extLst>
+  </p:cSld>
+  <p:clrMapOvr>
+    <a:masterClrMapping/>
+  </p:clrMapOvr>
+  <p:timing>
+    <p:tnLst>
+      <p:par>
+        <p:cTn xmlns:p14="http://schemas.microsoft.com/office/powerpoint/2010/main" id="1" dur="indefinite" restart="never" nodeType="tmRoot"/>
+      </p:par>
+    </p:tnLst>
+  </p:timing>
+</p:sld>
+</file>
+
+<file path=ppt/slides/slide16.xml><?xml version="1.0" encoding="utf-8"?>
+<p:sld xmlns:a="http://schemas.openxmlformats.org/drawingml/2006/main" xmlns:r="http://schemas.openxmlformats.org/officeDocument/2006/relationships" xmlns:p="http://schemas.openxmlformats.org/presentationml/2006/main">
+  <p:cSld>
+    <p:spTree>
+      <p:nvGrpSpPr>
+        <p:cNvPr id="1" name=""/>
+        <p:cNvGrpSpPr/>
+        <p:nvPr/>
+      </p:nvGrpSpPr>
+      <p:grpSpPr>
+        <a:xfrm>
+          <a:off x="0" y="0"/>
+          <a:ext cx="0" cy="0"/>
+          <a:chOff x="0" y="0"/>
+          <a:chExt cx="0" cy="0"/>
+        </a:xfrm>
+      </p:grpSpPr>
+      <p:sp>
+        <p:nvSpPr>
+          <p:cNvPr id="2" name="Title 1"/>
+          <p:cNvSpPr>
+            <a:spLocks noGrp="1"/>
+          </p:cNvSpPr>
+          <p:nvPr>
+            <p:ph type="title"/>
+          </p:nvPr>
+        </p:nvSpPr>
+        <p:spPr/>
+        <p:txBody>
+          <a:bodyPr/>
+          <a:lstStyle/>
+          <a:p>
+            <a:r>
+              <a:rPr lang="en-US" dirty="0" err="1" smtClean="0"/>
+              <a:t>Subregimes</a:t>
+            </a:r>
+            <a:r>
+              <a:rPr lang="en-US" dirty="0" smtClean="0"/>
+              <a:t> of n &lt;&lt; p</a:t>
+            </a:r>
+            <a:endParaRPr lang="en-US" dirty="0"/>
+          </a:p>
+        </p:txBody>
+      </p:sp>
+      <p:pic>
+        <p:nvPicPr>
+          <p:cNvPr id="4" name="Content Placeholder 3" descr="_naivebayes_smooth_pca_lasso_pca_acc.eps"/>
+          <p:cNvPicPr>
+            <a:picLocks noGrp="1" noChangeAspect="1"/>
+          </p:cNvPicPr>
+          <p:nvPr>
+            <p:ph idx="1"/>
+          </p:nvPr>
+        </p:nvPicPr>
+        <p:blipFill>
+          <a:blip r:embed="rId2">
+            <a:extLst>
+              <a:ext uri="{28A0092B-C50C-407E-A947-70E740481C1C}">
+                <a14:useLocalDpi xmlns:a14="http://schemas.microsoft.com/office/drawing/2010/main" val="0"/>
+              </a:ext>
+            </a:extLst>
+          </a:blip>
+          <a:srcRect t="16229" b="16229"/>
+          <a:stretch>
+            <a:fillRect/>
+          </a:stretch>
+        </p:blipFill>
+        <p:spPr>
+          <a:xfrm>
+            <a:off x="3616847" y="3256140"/>
+            <a:ext cx="5254435" cy="2702281"/>
+          </a:xfrm>
+        </p:spPr>
+      </p:pic>
+      <p:sp>
+        <p:nvSpPr>
+          <p:cNvPr id="5" name="Content Placeholder 2"/>
+          <p:cNvSpPr txBox="1">
+            <a:spLocks/>
+          </p:cNvSpPr>
+          <p:nvPr/>
+        </p:nvSpPr>
+        <p:spPr>
+          <a:xfrm>
+            <a:off x="173116" y="1904999"/>
+            <a:ext cx="3686156" cy="4665171"/>
+          </a:xfrm>
+          <a:prstGeom prst="rect">
+            <a:avLst/>
+          </a:prstGeom>
+        </p:spPr>
+        <p:txBody>
+          <a:bodyPr vert="horz" lIns="91440" tIns="45720" rIns="91440" bIns="45720" rtlCol="0">
+            <a:normAutofit/>
+          </a:bodyPr>
+          <a:lstStyle>
+            <a:lvl1pPr marL="457200" indent="-457200" algn="l" defTabSz="914400" rtl="0" eaLnBrk="1" latinLnBrk="0" hangingPunct="1">
+              <a:spcBef>
+                <a:spcPts val="0"/>
+              </a:spcBef>
+              <a:spcAft>
+                <a:spcPts val="2000"/>
+              </a:spcAft>
+              <a:buFont typeface="Wingdings 2" pitchFamily="18" charset="2"/>
+              <a:buChar char=""/>
+              <a:defRPr sz="2400" kern="1200">
+                <a:solidFill>
+                  <a:schemeClr val="tx1"/>
+                </a:solidFill>
+                <a:latin typeface="+mn-lt"/>
+                <a:ea typeface="+mn-ea"/>
+                <a:cs typeface="+mn-cs"/>
+              </a:defRPr>
+            </a:lvl1pPr>
+            <a:lvl2pPr marL="914400" indent="-457200" algn="l" defTabSz="914400" rtl="0" eaLnBrk="1" latinLnBrk="0" hangingPunct="1">
+              <a:spcBef>
+                <a:spcPts val="0"/>
+              </a:spcBef>
+              <a:spcAft>
+                <a:spcPts val="1000"/>
+              </a:spcAft>
+              <a:buClr>
+                <a:schemeClr val="bg2"/>
+              </a:buClr>
+              <a:buFont typeface="Wingdings 2" pitchFamily="18" charset="2"/>
+              <a:buChar char=""/>
+              <a:defRPr sz="2200" kern="1200">
+                <a:solidFill>
+                  <a:schemeClr val="tx1"/>
+                </a:solidFill>
+                <a:latin typeface="+mn-lt"/>
+                <a:ea typeface="+mn-ea"/>
+                <a:cs typeface="+mn-cs"/>
+              </a:defRPr>
+            </a:lvl2pPr>
+            <a:lvl3pPr marL="1371600" indent="-457200" algn="l" defTabSz="914400" rtl="0" eaLnBrk="1" latinLnBrk="0" hangingPunct="1">
+              <a:spcBef>
+                <a:spcPts val="0"/>
+              </a:spcBef>
+              <a:spcAft>
+                <a:spcPts val="1000"/>
+              </a:spcAft>
+              <a:buFont typeface="Wingdings 2" pitchFamily="18" charset="2"/>
+              <a:buChar char=""/>
+              <a:defRPr sz="2000" kern="1200">
+                <a:solidFill>
+                  <a:schemeClr val="tx1"/>
+                </a:solidFill>
+                <a:latin typeface="+mn-lt"/>
+                <a:ea typeface="+mn-ea"/>
+                <a:cs typeface="+mn-cs"/>
+              </a:defRPr>
+            </a:lvl3pPr>
+            <a:lvl4pPr marL="1828800" indent="-457200" algn="l" defTabSz="914400" rtl="0" eaLnBrk="1" latinLnBrk="0" hangingPunct="1">
+              <a:spcBef>
+                <a:spcPts val="0"/>
+              </a:spcBef>
+              <a:spcAft>
+                <a:spcPts val="1000"/>
+              </a:spcAft>
+              <a:buClr>
+                <a:schemeClr val="bg2"/>
+              </a:buClr>
+              <a:buFont typeface="Wingdings 2" pitchFamily="18" charset="2"/>
+              <a:buChar char=""/>
+              <a:defRPr sz="1800" kern="1200">
+                <a:solidFill>
+                  <a:schemeClr val="tx1"/>
+                </a:solidFill>
+                <a:latin typeface="+mn-lt"/>
+                <a:ea typeface="+mn-ea"/>
+                <a:cs typeface="+mn-cs"/>
+              </a:defRPr>
+            </a:lvl4pPr>
+            <a:lvl5pPr marL="2286000" indent="-457200" algn="l" defTabSz="914400" rtl="0" eaLnBrk="1" latinLnBrk="0" hangingPunct="1">
+              <a:spcBef>
+                <a:spcPts val="0"/>
+              </a:spcBef>
+              <a:spcAft>
+                <a:spcPts val="1000"/>
+              </a:spcAft>
+              <a:buFont typeface="Wingdings 2" pitchFamily="18" charset="2"/>
+              <a:buChar char=""/>
+              <a:defRPr sz="1800" kern="1200">
+                <a:solidFill>
+                  <a:schemeClr val="tx1"/>
+                </a:solidFill>
+                <a:latin typeface="+mn-lt"/>
+                <a:ea typeface="+mn-ea"/>
+                <a:cs typeface="+mn-cs"/>
+              </a:defRPr>
+            </a:lvl5pPr>
+            <a:lvl6pPr marL="2743200" indent="-461963" algn="l" defTabSz="914400" rtl="0" eaLnBrk="1" latinLnBrk="0" hangingPunct="1">
+              <a:spcBef>
+                <a:spcPts val="0"/>
+              </a:spcBef>
+              <a:spcAft>
+                <a:spcPts val="600"/>
+              </a:spcAft>
+              <a:buClr>
+                <a:schemeClr val="bg2"/>
+              </a:buClr>
+              <a:buFont typeface="Wingdings 2" pitchFamily="18" charset="2"/>
+              <a:buChar char="ò"/>
+              <a:defRPr lang="en-US" sz="1800" kern="1200" dirty="0" smtClean="0">
+                <a:solidFill>
+                  <a:schemeClr val="tx1"/>
+                </a:solidFill>
+                <a:latin typeface="+mn-lt"/>
+                <a:ea typeface="+mn-ea"/>
+                <a:cs typeface="+mn-cs"/>
+              </a:defRPr>
+            </a:lvl6pPr>
+            <a:lvl7pPr marL="3205163" indent="-461963" algn="l" defTabSz="914400" rtl="0" eaLnBrk="1" latinLnBrk="0" hangingPunct="1">
+              <a:spcBef>
+                <a:spcPts val="0"/>
+              </a:spcBef>
+              <a:spcAft>
+                <a:spcPts val="600"/>
+              </a:spcAft>
+              <a:buFont typeface="Wingdings 2" pitchFamily="18" charset="2"/>
+              <a:buChar char="ò"/>
+              <a:defRPr lang="en-US" sz="1800" kern="1200" dirty="0" smtClean="0">
+                <a:solidFill>
+                  <a:schemeClr val="tx1"/>
+                </a:solidFill>
+                <a:latin typeface="+mn-lt"/>
+                <a:ea typeface="+mn-ea"/>
+                <a:cs typeface="+mn-cs"/>
+              </a:defRPr>
+            </a:lvl7pPr>
+            <a:lvl8pPr marL="3657600" indent="-461963" algn="l" defTabSz="914400" rtl="0" eaLnBrk="1" latinLnBrk="0" hangingPunct="1">
+              <a:spcBef>
+                <a:spcPts val="0"/>
+              </a:spcBef>
+              <a:spcAft>
+                <a:spcPts val="600"/>
+              </a:spcAft>
+              <a:buClr>
+                <a:schemeClr val="bg2"/>
+              </a:buClr>
+              <a:buFont typeface="Wingdings 2" pitchFamily="18" charset="2"/>
+              <a:buChar char="ò"/>
+              <a:defRPr lang="en-US" sz="1800" kern="1200" dirty="0" smtClean="0">
+                <a:solidFill>
+                  <a:schemeClr val="tx1"/>
+                </a:solidFill>
+                <a:latin typeface="+mn-lt"/>
+                <a:ea typeface="+mn-ea"/>
+                <a:cs typeface="+mn-cs"/>
+              </a:defRPr>
+            </a:lvl8pPr>
+            <a:lvl9pPr marL="4119563" indent="-461963" algn="l" defTabSz="914400" rtl="0" eaLnBrk="1" latinLnBrk="0" hangingPunct="1">
+              <a:spcBef>
+                <a:spcPts val="0"/>
+              </a:spcBef>
+              <a:spcAft>
+                <a:spcPts val="600"/>
+              </a:spcAft>
+              <a:buFont typeface="Wingdings 2" pitchFamily="18" charset="2"/>
+              <a:buChar char="ò"/>
+              <a:defRPr lang="en-US" sz="1800" kern="1200" dirty="0" smtClean="0">
+                <a:solidFill>
+                  <a:schemeClr val="tx1"/>
+                </a:solidFill>
+                <a:latin typeface="+mn-lt"/>
+                <a:ea typeface="+mn-ea"/>
+                <a:cs typeface="+mn-cs"/>
+              </a:defRPr>
+            </a:lvl9pPr>
+          </a:lstStyle>
+          <a:p>
+            <a:pPr marL="0" indent="0">
+              <a:buFont typeface="Wingdings 2" pitchFamily="18" charset="2"/>
+              <a:buNone/>
+            </a:pPr>
+            <a:r>
+              <a:rPr lang="en-US" dirty="0" err="1" smtClean="0"/>
+              <a:t>Anzaroot</a:t>
+            </a:r>
+            <a:r>
+              <a:rPr lang="en-US" dirty="0" smtClean="0"/>
+              <a:t> and Belanger 2011: </a:t>
+            </a:r>
+          </a:p>
+          <a:p>
+            <a:pPr marL="0" indent="0">
+              <a:buFont typeface="Wingdings 2" pitchFamily="18" charset="2"/>
+              <a:buNone/>
+            </a:pPr>
+            <a:r>
+              <a:rPr lang="en-US" dirty="0" smtClean="0"/>
+              <a:t>Log. Regression is always better than naïve Bayes.</a:t>
+            </a:r>
+          </a:p>
+          <a:p>
+            <a:pPr marL="0" indent="0">
+              <a:buFont typeface="Wingdings 2" pitchFamily="18" charset="2"/>
+              <a:buNone/>
+            </a:pPr>
+            <a:endParaRPr lang="en-US" dirty="0" smtClean="0"/>
+          </a:p>
+          <a:p>
+            <a:pPr marL="0" indent="0">
+              <a:buFont typeface="Wingdings 2" pitchFamily="18" charset="2"/>
+              <a:buNone/>
+            </a:pPr>
+            <a:r>
+              <a:rPr lang="en-US" dirty="0" smtClean="0"/>
+              <a:t>Reason: </a:t>
+            </a:r>
+          </a:p>
+          <a:p>
+            <a:pPr marL="0" indent="0">
+              <a:buFont typeface="Wingdings 2" pitchFamily="18" charset="2"/>
+              <a:buNone/>
+            </a:pPr>
+            <a:r>
+              <a:rPr lang="en-US" dirty="0" smtClean="0"/>
+              <a:t>Very sparse data. Smoothing in Naïve Bayes sensitive</a:t>
+            </a:r>
+            <a:endParaRPr lang="en-US" dirty="0"/>
+          </a:p>
+        </p:txBody>
+      </p:sp>
+    </p:spTree>
+    <p:extLst>
+      <p:ext uri="{BB962C8B-B14F-4D97-AF65-F5344CB8AC3E}">
+        <p14:creationId xmlns:p14="http://schemas.microsoft.com/office/powerpoint/2010/main" val="1451709568"/>
+      </p:ext>
+    </p:extLst>
+  </p:cSld>
+  <p:clrMapOvr>
+    <a:masterClrMapping/>
+  </p:clrMapOvr>
+  <p:timing>
+    <p:tnLst>
+      <p:par>
+        <p:cTn xmlns:p14="http://schemas.microsoft.com/office/powerpoint/2010/main" id="1" dur="indefinite" restart="never" nodeType="tmRoot"/>
+      </p:par>
+    </p:tnLst>
+  </p:timing>
+</p:sld>
+</file>
+
+<file path=ppt/slides/slide17.xml><?xml version="1.0" encoding="utf-8"?>
+<p:sld xmlns:a="http://schemas.openxmlformats.org/drawingml/2006/main" xmlns:r="http://schemas.openxmlformats.org/officeDocument/2006/relationships" xmlns:p="http://schemas.openxmlformats.org/presentationml/2006/main">
+  <p:cSld>
+    <p:spTree>
+      <p:nvGrpSpPr>
+        <p:cNvPr id="1" name=""/>
+        <p:cNvGrpSpPr/>
+        <p:nvPr/>
+      </p:nvGrpSpPr>
+      <p:grpSpPr>
+        <a:xfrm>
+          <a:off x="0" y="0"/>
+          <a:ext cx="0" cy="0"/>
+          <a:chOff x="0" y="0"/>
+          <a:chExt cx="0" cy="0"/>
+        </a:xfrm>
+      </p:grpSpPr>
+      <p:sp>
+        <p:nvSpPr>
+          <p:cNvPr id="2" name="Title 1"/>
+          <p:cNvSpPr>
+            <a:spLocks noGrp="1"/>
+          </p:cNvSpPr>
+          <p:nvPr>
+            <p:ph type="title"/>
+          </p:nvPr>
+        </p:nvSpPr>
+        <p:spPr/>
+        <p:txBody>
+          <a:bodyPr/>
+          <a:lstStyle/>
+          <a:p>
+            <a:r>
+              <a:rPr lang="en-US" dirty="0" smtClean="0"/>
+              <a:t>L1 Feature Selection</a:t>
+            </a:r>
+            <a:endParaRPr lang="en-US" dirty="0"/>
+          </a:p>
+        </p:txBody>
+      </p:sp>
+      <p:sp>
+        <p:nvSpPr>
+          <p:cNvPr id="3" name="Content Placeholder 2"/>
+          <p:cNvSpPr>
+            <a:spLocks noGrp="1"/>
+          </p:cNvSpPr>
+          <p:nvPr>
+            <p:ph idx="1"/>
+          </p:nvPr>
+        </p:nvSpPr>
+        <p:spPr/>
+        <p:txBody>
+          <a:bodyPr/>
+          <a:lstStyle/>
+          <a:p>
+            <a:r>
+              <a:rPr lang="en-US" dirty="0" smtClean="0"/>
+              <a:t>Goal of L1 model: find important/ relevant features and use them.</a:t>
+            </a:r>
+          </a:p>
+          <a:p>
+            <a:r>
+              <a:rPr lang="en-US" dirty="0" smtClean="0"/>
+              <a:t>How robust is L1 </a:t>
+            </a:r>
+            <a:r>
+              <a:rPr lang="en-US" dirty="0" err="1" smtClean="0"/>
+              <a:t>logisitic</a:t>
+            </a:r>
+            <a:r>
+              <a:rPr lang="en-US" dirty="0" smtClean="0"/>
+              <a:t> regression to extra random features?</a:t>
+            </a:r>
+            <a:endParaRPr lang="en-US" dirty="0"/>
+          </a:p>
+        </p:txBody>
+      </p:sp>
+    </p:spTree>
+    <p:extLst>
+      <p:ext uri="{BB962C8B-B14F-4D97-AF65-F5344CB8AC3E}">
+        <p14:creationId xmlns:p14="http://schemas.microsoft.com/office/powerpoint/2010/main" val="3216089031"/>
+      </p:ext>
+    </p:extLst>
+  </p:cSld>
+  <p:clrMapOvr>
+    <a:masterClrMapping/>
+  </p:clrMapOvr>
+  <p:timing>
+    <p:tnLst>
+      <p:par>
+        <p:cTn xmlns:p14="http://schemas.microsoft.com/office/powerpoint/2010/main" id="1" dur="indefinite" restart="never" nodeType="tmRoot"/>
+      </p:par>
+    </p:tnLst>
+  </p:timing>
+</p:sld>
+</file>
+
+<file path=ppt/slides/slide18.xml><?xml version="1.0" encoding="utf-8"?>
+<p:sld xmlns:a="http://schemas.openxmlformats.org/drawingml/2006/main" xmlns:r="http://schemas.openxmlformats.org/officeDocument/2006/relationships" xmlns:p="http://schemas.openxmlformats.org/presentationml/2006/main">
+  <p:cSld>
+    <p:spTree>
+      <p:nvGrpSpPr>
+        <p:cNvPr id="1" name=""/>
+        <p:cNvGrpSpPr/>
+        <p:nvPr/>
+      </p:nvGrpSpPr>
+      <p:grpSpPr>
+        <a:xfrm>
+          <a:off x="0" y="0"/>
+          <a:ext cx="0" cy="0"/>
+          <a:chOff x="0" y="0"/>
+          <a:chExt cx="0" cy="0"/>
+        </a:xfrm>
+      </p:grpSpPr>
+      <p:sp>
+        <p:nvSpPr>
+          <p:cNvPr id="2" name="Title 1"/>
+          <p:cNvSpPr>
+            <a:spLocks noGrp="1"/>
+          </p:cNvSpPr>
+          <p:nvPr>
+            <p:ph type="title"/>
+          </p:nvPr>
+        </p:nvSpPr>
+        <p:spPr/>
+        <p:txBody>
+          <a:bodyPr/>
+          <a:lstStyle/>
+          <a:p>
+            <a:r>
+              <a:rPr lang="en-US" dirty="0" smtClean="0"/>
+              <a:t>Feature Selection Exp.</a:t>
+            </a:r>
+            <a:endParaRPr lang="en-US" dirty="0"/>
+          </a:p>
+        </p:txBody>
+      </p:sp>
+      <p:pic>
+        <p:nvPicPr>
+          <p:cNvPr id="5" name="Picture 4" descr="zipfAllSorted.png"/>
+          <p:cNvPicPr>
+            <a:picLocks noChangeAspect="1"/>
+          </p:cNvPicPr>
+          <p:nvPr/>
+        </p:nvPicPr>
+        <p:blipFill>
+          <a:blip r:embed="rId2">
+            <a:extLst>
+              <a:ext uri="{28A0092B-C50C-407E-A947-70E740481C1C}">
+                <a14:useLocalDpi xmlns:a14="http://schemas.microsoft.com/office/drawing/2010/main" val="0"/>
+              </a:ext>
+            </a:extLst>
+          </a:blip>
+          <a:stretch>
+            <a:fillRect/>
+          </a:stretch>
+        </p:blipFill>
+        <p:spPr>
+          <a:xfrm>
+            <a:off x="371144" y="1818008"/>
+            <a:ext cx="4085700" cy="4090788"/>
+          </a:xfrm>
+          <a:prstGeom prst="rect">
+            <a:avLst/>
+          </a:prstGeom>
+        </p:spPr>
+      </p:pic>
+      <p:sp>
+        <p:nvSpPr>
+          <p:cNvPr id="6" name="TextBox 5"/>
+          <p:cNvSpPr txBox="1"/>
+          <p:nvPr/>
+        </p:nvSpPr>
+        <p:spPr>
+          <a:xfrm>
+            <a:off x="4456844" y="2067049"/>
+            <a:ext cx="4332351" cy="3046988"/>
+          </a:xfrm>
+          <a:prstGeom prst="rect">
+            <a:avLst/>
+          </a:prstGeom>
+          <a:noFill/>
+        </p:spPr>
+        <p:txBody>
+          <a:bodyPr wrap="square" rtlCol="0">
+            <a:spAutoFit/>
+          </a:bodyPr>
+          <a:lstStyle/>
+          <a:p>
+            <a:r>
+              <a:rPr lang="en-US" sz="2400" dirty="0" smtClean="0"/>
+              <a:t>Step 1: Generate random features using </a:t>
+            </a:r>
+            <a:r>
+              <a:rPr lang="en-US" sz="2400" dirty="0" err="1" smtClean="0"/>
+              <a:t>Zipf’s</a:t>
+            </a:r>
+            <a:r>
+              <a:rPr lang="en-US" sz="2400" dirty="0" smtClean="0"/>
+              <a:t> law.</a:t>
+            </a:r>
+          </a:p>
+          <a:p>
+            <a:endParaRPr lang="en-US" sz="2400" dirty="0" smtClean="0"/>
+          </a:p>
+          <a:p>
+            <a:r>
+              <a:rPr lang="en-US" sz="2400" dirty="0" smtClean="0"/>
+              <a:t>Step 2: Train/ Test sparse Logistic Regression Model</a:t>
+            </a:r>
+          </a:p>
+          <a:p>
+            <a:endParaRPr lang="en-US" sz="2400" dirty="0" smtClean="0"/>
+          </a:p>
+          <a:p>
+            <a:r>
+              <a:rPr lang="en-US" sz="2400" dirty="0" smtClean="0"/>
+              <a:t>Step 3: compare selected feature sets</a:t>
+            </a:r>
+            <a:endParaRPr lang="en-US" sz="2400" dirty="0"/>
+          </a:p>
+        </p:txBody>
+      </p:sp>
+    </p:spTree>
+    <p:extLst>
+      <p:ext uri="{BB962C8B-B14F-4D97-AF65-F5344CB8AC3E}">
+        <p14:creationId xmlns:p14="http://schemas.microsoft.com/office/powerpoint/2010/main" val="1111878563"/>
+      </p:ext>
+    </p:extLst>
+  </p:cSld>
+  <p:clrMapOvr>
+    <a:masterClrMapping/>
+  </p:clrMapOvr>
+  <p:timing>
+    <p:tnLst>
+      <p:par>
+        <p:cTn xmlns:p14="http://schemas.microsoft.com/office/powerpoint/2010/main" id="1" dur="indefinite" restart="never" nodeType="tmRoot"/>
+      </p:par>
+    </p:tnLst>
+  </p:timing>
+</p:sld>
+</file>
+
+<file path=ppt/slides/slide19.xml><?xml version="1.0" encoding="utf-8"?>
+<p:sld xmlns:a="http://schemas.openxmlformats.org/drawingml/2006/main" xmlns:r="http://schemas.openxmlformats.org/officeDocument/2006/relationships" xmlns:p="http://schemas.openxmlformats.org/presentationml/2006/main">
+  <p:cSld>
+    <p:spTree>
+      <p:nvGrpSpPr>
+        <p:cNvPr id="1" name=""/>
+        <p:cNvGrpSpPr/>
+        <p:nvPr/>
+      </p:nvGrpSpPr>
+      <p:grpSpPr>
+        <a:xfrm>
+          <a:off x="0" y="0"/>
+          <a:ext cx="0" cy="0"/>
+          <a:chOff x="0" y="0"/>
+          <a:chExt cx="0" cy="0"/>
+        </a:xfrm>
+      </p:grpSpPr>
+      <p:sp>
+        <p:nvSpPr>
+          <p:cNvPr id="2" name="Title 1"/>
+          <p:cNvSpPr>
+            <a:spLocks noGrp="1"/>
+          </p:cNvSpPr>
+          <p:nvPr>
+            <p:ph type="title"/>
+          </p:nvPr>
+        </p:nvSpPr>
+        <p:spPr/>
+        <p:txBody>
+          <a:bodyPr/>
+          <a:lstStyle/>
+          <a:p>
+            <a:r>
+              <a:rPr lang="en-US" dirty="0" smtClean="0"/>
+              <a:t>Feature Selection Results</a:t>
+            </a:r>
+            <a:endParaRPr lang="en-US" dirty="0"/>
+          </a:p>
+        </p:txBody>
+      </p:sp>
+      <p:pic>
+        <p:nvPicPr>
+          <p:cNvPr id="4" name="Picture 3" descr="Screen Shot 2011-12-15 at 11.33.54 AM.png"/>
+          <p:cNvPicPr>
+            <a:picLocks noChangeAspect="1"/>
+          </p:cNvPicPr>
+          <p:nvPr/>
+        </p:nvPicPr>
+        <p:blipFill>
+          <a:blip r:embed="rId2">
+            <a:extLst>
+              <a:ext uri="{28A0092B-C50C-407E-A947-70E740481C1C}">
+                <a14:useLocalDpi xmlns:a14="http://schemas.microsoft.com/office/drawing/2010/main" val="0"/>
+              </a:ext>
+            </a:extLst>
+          </a:blip>
+          <a:stretch>
+            <a:fillRect/>
+          </a:stretch>
+        </p:blipFill>
+        <p:spPr>
+          <a:xfrm>
+            <a:off x="0" y="2730500"/>
+            <a:ext cx="9144000" cy="1381648"/>
+          </a:xfrm>
+          <a:prstGeom prst="rect">
+            <a:avLst/>
+          </a:prstGeom>
+        </p:spPr>
+      </p:pic>
+    </p:spTree>
+    <p:extLst>
+      <p:ext uri="{BB962C8B-B14F-4D97-AF65-F5344CB8AC3E}">
+        <p14:creationId xmlns:p14="http://schemas.microsoft.com/office/powerpoint/2010/main" val="576122084"/>
+      </p:ext>
+    </p:extLst>
+  </p:cSld>
+  <p:clrMapOvr>
+    <a:masterClrMapping/>
+  </p:clrMapOvr>
+  <p:timing>
+    <p:tnLst>
+      <p:par>
+        <p:cTn xmlns:p14="http://schemas.microsoft.com/office/powerpoint/2010/main" id="1" dur="indefinite" restart="never" nodeType="tmRoot"/>
+      </p:par>
+    </p:tnLst>
+  </p:timing>
 </p:sld>
 </file>
 
@@ -3790,13 +8022,13 @@
         </p:nvSpPr>
         <p:spPr>
           <a:xfrm>
-            <a:off x="457200" y="274638"/>
+            <a:off x="457200" y="75406"/>
             <a:ext cx="8229600" cy="1518466"/>
           </a:xfrm>
         </p:spPr>
         <p:txBody>
           <a:bodyPr>
-            <a:normAutofit/>
+            <a:normAutofit fontScale="90000"/>
           </a:bodyPr>
           <a:lstStyle/>
           <a:p>
@@ -3804,12 +8036,13 @@
               <a:rPr lang="en-US" dirty="0" smtClean="0"/>
               <a:t>Goal: </a:t>
             </a:r>
-            <a:br>
+            <a:r>
               <a:rPr lang="en-US" dirty="0" smtClean="0"/>
-            </a:br>
+              <a:t>Classify </a:t>
+            </a:r>
             <a:r>
               <a:rPr lang="en-US" dirty="0" smtClean="0"/>
-              <a:t>Classify genre of “Documents”</a:t>
+              <a:t>genre of “Documents”</a:t>
             </a:r>
             <a:endParaRPr lang="en-US" dirty="0"/>
           </a:p>
@@ -3877,6 +8110,224 @@
   <p:clrMapOvr>
     <a:masterClrMapping/>
   </p:clrMapOvr>
+  <p:timing>
+    <p:tnLst>
+      <p:par>
+        <p:cTn xmlns:p14="http://schemas.microsoft.com/office/powerpoint/2010/main" id="1" dur="indefinite" restart="never" nodeType="tmRoot"/>
+      </p:par>
+    </p:tnLst>
+  </p:timing>
+</p:sld>
+</file>
+
+<file path=ppt/slides/slide20.xml><?xml version="1.0" encoding="utf-8"?>
+<p:sld xmlns:a="http://schemas.openxmlformats.org/drawingml/2006/main" xmlns:r="http://schemas.openxmlformats.org/officeDocument/2006/relationships" xmlns:p="http://schemas.openxmlformats.org/presentationml/2006/main">
+  <p:cSld>
+    <p:spTree>
+      <p:nvGrpSpPr>
+        <p:cNvPr id="1" name=""/>
+        <p:cNvGrpSpPr/>
+        <p:nvPr/>
+      </p:nvGrpSpPr>
+      <p:grpSpPr>
+        <a:xfrm>
+          <a:off x="0" y="0"/>
+          <a:ext cx="0" cy="0"/>
+          <a:chOff x="0" y="0"/>
+          <a:chExt cx="0" cy="0"/>
+        </a:xfrm>
+      </p:grpSpPr>
+      <p:sp>
+        <p:nvSpPr>
+          <p:cNvPr id="2" name="Title 1"/>
+          <p:cNvSpPr>
+            <a:spLocks noGrp="1"/>
+          </p:cNvSpPr>
+          <p:nvPr>
+            <p:ph type="title"/>
+          </p:nvPr>
+        </p:nvSpPr>
+        <p:spPr/>
+        <p:txBody>
+          <a:bodyPr/>
+          <a:lstStyle/>
+          <a:p>
+            <a:r>
+              <a:rPr lang="en-US" dirty="0" smtClean="0"/>
+              <a:t>Overall Results</a:t>
+            </a:r>
+            <a:endParaRPr lang="en-US" dirty="0"/>
+          </a:p>
+        </p:txBody>
+      </p:sp>
+      <p:pic>
+        <p:nvPicPr>
+          <p:cNvPr id="4" name="Picture 3" descr="Screen Shot 2011-12-15 at 11.36.35 AM.png"/>
+          <p:cNvPicPr>
+            <a:picLocks noChangeAspect="1"/>
+          </p:cNvPicPr>
+          <p:nvPr/>
+        </p:nvPicPr>
+        <p:blipFill>
+          <a:blip r:embed="rId2">
+            <a:extLst>
+              <a:ext uri="{28A0092B-C50C-407E-A947-70E740481C1C}">
+                <a14:useLocalDpi xmlns:a14="http://schemas.microsoft.com/office/drawing/2010/main" val="0"/>
+              </a:ext>
+            </a:extLst>
+          </a:blip>
+          <a:stretch>
+            <a:fillRect/>
+          </a:stretch>
+        </p:blipFill>
+        <p:spPr>
+          <a:xfrm>
+            <a:off x="64965" y="2139950"/>
+            <a:ext cx="8834499" cy="3575050"/>
+          </a:xfrm>
+          <a:prstGeom prst="rect">
+            <a:avLst/>
+          </a:prstGeom>
+        </p:spPr>
+      </p:pic>
+    </p:spTree>
+    <p:extLst>
+      <p:ext uri="{BB962C8B-B14F-4D97-AF65-F5344CB8AC3E}">
+        <p14:creationId xmlns:p14="http://schemas.microsoft.com/office/powerpoint/2010/main" val="399635270"/>
+      </p:ext>
+    </p:extLst>
+  </p:cSld>
+  <p:clrMapOvr>
+    <a:masterClrMapping/>
+  </p:clrMapOvr>
+  <p:timing>
+    <p:tnLst>
+      <p:par>
+        <p:cTn xmlns:p14="http://schemas.microsoft.com/office/powerpoint/2010/main" id="1" dur="indefinite" restart="never" nodeType="tmRoot"/>
+      </p:par>
+    </p:tnLst>
+  </p:timing>
+</p:sld>
+</file>
+
+<file path=ppt/slides/slide21.xml><?xml version="1.0" encoding="utf-8"?>
+<p:sld xmlns:a="http://schemas.openxmlformats.org/drawingml/2006/main" xmlns:r="http://schemas.openxmlformats.org/officeDocument/2006/relationships" xmlns:p="http://schemas.openxmlformats.org/presentationml/2006/main">
+  <p:cSld>
+    <p:spTree>
+      <p:nvGrpSpPr>
+        <p:cNvPr id="1" name=""/>
+        <p:cNvGrpSpPr/>
+        <p:nvPr/>
+      </p:nvGrpSpPr>
+      <p:grpSpPr>
+        <a:xfrm>
+          <a:off x="0" y="0"/>
+          <a:ext cx="0" cy="0"/>
+          <a:chOff x="0" y="0"/>
+          <a:chExt cx="0" cy="0"/>
+        </a:xfrm>
+      </p:grpSpPr>
+      <p:sp>
+        <p:nvSpPr>
+          <p:cNvPr id="2" name="Title 1"/>
+          <p:cNvSpPr>
+            <a:spLocks noGrp="1"/>
+          </p:cNvSpPr>
+          <p:nvPr>
+            <p:ph type="title"/>
+          </p:nvPr>
+        </p:nvSpPr>
+        <p:spPr/>
+        <p:txBody>
+          <a:bodyPr/>
+          <a:lstStyle/>
+          <a:p>
+            <a:r>
+              <a:rPr lang="en-US" dirty="0" smtClean="0"/>
+              <a:t>Lessons Learned</a:t>
+            </a:r>
+            <a:endParaRPr lang="en-US" dirty="0"/>
+          </a:p>
+        </p:txBody>
+      </p:sp>
+      <p:sp>
+        <p:nvSpPr>
+          <p:cNvPr id="3" name="Content Placeholder 2"/>
+          <p:cNvSpPr>
+            <a:spLocks noGrp="1"/>
+          </p:cNvSpPr>
+          <p:nvPr>
+            <p:ph idx="1"/>
+          </p:nvPr>
+        </p:nvSpPr>
+        <p:spPr/>
+        <p:txBody>
+          <a:bodyPr>
+            <a:normAutofit/>
+          </a:bodyPr>
+          <a:lstStyle/>
+          <a:p>
+            <a:r>
+              <a:rPr lang="en-US" dirty="0" smtClean="0"/>
+              <a:t>You can get surprisingly good results in n &lt;&lt; p</a:t>
+            </a:r>
+          </a:p>
+          <a:p>
+            <a:pPr lvl="1"/>
+            <a:r>
+              <a:rPr lang="en-US" dirty="0" smtClean="0"/>
+              <a:t>100 examples, 17,000 dim. </a:t>
+            </a:r>
+          </a:p>
+          <a:p>
+            <a:pPr lvl="1"/>
+            <a:r>
+              <a:rPr lang="en-US" dirty="0" smtClean="0"/>
+              <a:t>86% acc. With log. Regression</a:t>
+            </a:r>
+          </a:p>
+          <a:p>
+            <a:r>
+              <a:rPr lang="en-US" dirty="0"/>
+              <a:t>S</a:t>
+            </a:r>
+            <a:r>
+              <a:rPr lang="en-US" dirty="0" smtClean="0"/>
+              <a:t>hould have used harder dataset</a:t>
+            </a:r>
+          </a:p>
+          <a:p>
+            <a:r>
+              <a:rPr lang="en-US" dirty="0" smtClean="0"/>
+              <a:t>Don’t standardize sparse data!</a:t>
+            </a:r>
+          </a:p>
+          <a:p>
+            <a:r>
+              <a:rPr lang="en-US" dirty="0" smtClean="0"/>
+              <a:t>Dimensionality reduction (even random) helps!</a:t>
+            </a:r>
+            <a:endParaRPr lang="en-US" dirty="0"/>
+          </a:p>
+        </p:txBody>
+      </p:sp>
+    </p:spTree>
+    <p:extLst>
+      <p:ext uri="{BB962C8B-B14F-4D97-AF65-F5344CB8AC3E}">
+        <p14:creationId xmlns:p14="http://schemas.microsoft.com/office/powerpoint/2010/main" val="3368244901"/>
+      </p:ext>
+    </p:extLst>
+  </p:cSld>
+  <p:clrMapOvr>
+    <a:masterClrMapping/>
+  </p:clrMapOvr>
+  <p:timing>
+    <p:tnLst>
+      <p:par>
+        <p:cTn xmlns:p14="http://schemas.microsoft.com/office/powerpoint/2010/main" id="1" dur="indefinite" restart="never" nodeType="tmRoot"/>
+      </p:par>
+    </p:tnLst>
+  </p:timing>
 </p:sld>
 </file>
 
@@ -3968,6 +8419,13 @@
   <p:clrMapOvr>
     <a:masterClrMapping/>
   </p:clrMapOvr>
+  <p:timing>
+    <p:tnLst>
+      <p:par>
+        <p:cTn xmlns:p14="http://schemas.microsoft.com/office/powerpoint/2010/main" id="1" dur="indefinite" restart="never" nodeType="tmRoot"/>
+      </p:par>
+    </p:tnLst>
+  </p:timing>
 </p:sld>
 </file>
 
@@ -4005,7 +8463,7 @@
           <a:p>
             <a:r>
               <a:rPr lang="en-US" dirty="0" smtClean="0"/>
-              <a:t>Feature Characteristics</a:t>
+              <a:t>Example Dataset</a:t>
             </a:r>
             <a:endParaRPr lang="en-US" dirty="0"/>
           </a:p>
@@ -4023,39 +8481,57 @@
         </p:nvSpPr>
         <p:spPr/>
         <p:txBody>
-          <a:bodyPr/>
+          <a:bodyPr>
+            <a:normAutofit/>
+          </a:bodyPr>
           <a:lstStyle/>
           <a:p>
-            <a:pPr marL="0" indent="0">
-              <a:buNone/>
-            </a:pPr>
             <a:r>
               <a:rPr lang="en-US" dirty="0" smtClean="0"/>
-              <a:t>High Dimensional</a:t>
-            </a:r>
-          </a:p>
-          <a:p>
-            <a:pPr marL="0" indent="0">
-              <a:buNone/>
-            </a:pPr>
+              <a:t>Reuters newswire articles</a:t>
+            </a:r>
+          </a:p>
+          <a:p>
             <a:r>
               <a:rPr lang="en-US" dirty="0" smtClean="0"/>
-              <a:t>Sparse </a:t>
-            </a:r>
-          </a:p>
-          <a:p>
-            <a:pPr marL="0" indent="0">
-              <a:buNone/>
-            </a:pPr>
+              <a:t>Task = classify as “about corporate acquisitions” or not</a:t>
+            </a:r>
+          </a:p>
+          <a:p>
             <a:r>
               <a:rPr lang="en-US" dirty="0" smtClean="0"/>
-              <a:t>Few training examples (n &lt;&lt; p)</a:t>
-            </a:r>
-          </a:p>
-          <a:p>
-            <a:pPr marL="0" indent="0">
-              <a:buNone/>
-            </a:pPr>
+              <a:t>Bag-of-words frequency features</a:t>
+            </a:r>
+          </a:p>
+          <a:p>
+            <a:r>
+              <a:rPr lang="en-US" dirty="0" smtClean="0"/>
+              <a:t>17,000 dim features</a:t>
+            </a:r>
+          </a:p>
+          <a:p>
+            <a:r>
+              <a:rPr lang="en-US" dirty="0" smtClean="0"/>
+              <a:t>1500 </a:t>
+            </a:r>
+            <a:r>
+              <a:rPr lang="en-US" dirty="0" err="1" smtClean="0"/>
+              <a:t>pos</a:t>
+            </a:r>
+            <a:r>
+              <a:rPr lang="en-US" dirty="0" smtClean="0"/>
+              <a:t>, 1500 </a:t>
+            </a:r>
+            <a:r>
+              <a:rPr lang="en-US" dirty="0" err="1" smtClean="0"/>
+              <a:t>neg</a:t>
+            </a:r>
+            <a:r>
+              <a:rPr lang="en-US" dirty="0" smtClean="0"/>
+              <a:t> training examples</a:t>
+            </a:r>
+          </a:p>
+          <a:p>
             <a:endParaRPr lang="en-US" dirty="0"/>
           </a:p>
         </p:txBody>
@@ -4063,13 +8539,20 @@
     </p:spTree>
     <p:extLst>
       <p:ext uri="{BB962C8B-B14F-4D97-AF65-F5344CB8AC3E}">
-        <p14:creationId xmlns:p14="http://schemas.microsoft.com/office/powerpoint/2010/main" val="3093326829"/>
+        <p14:creationId xmlns:p14="http://schemas.microsoft.com/office/powerpoint/2010/main" val="2757426021"/>
       </p:ext>
     </p:extLst>
   </p:cSld>
   <p:clrMapOvr>
     <a:masterClrMapping/>
   </p:clrMapOvr>
+  <p:timing>
+    <p:tnLst>
+      <p:par>
+        <p:cTn xmlns:p14="http://schemas.microsoft.com/office/powerpoint/2010/main" id="1" dur="indefinite" restart="never" nodeType="tmRoot"/>
+      </p:par>
+    </p:tnLst>
+  </p:timing>
 </p:sld>
 </file>
 
@@ -4107,7 +8590,11 @@
           <a:p>
             <a:r>
               <a:rPr lang="en-US" dirty="0" smtClean="0"/>
-              <a:t>Example Dataset</a:t>
+              <a:t>Data </a:t>
+            </a:r>
+            <a:r>
+              <a:rPr lang="en-US" dirty="0" smtClean="0"/>
+              <a:t>Characteristics</a:t>
             </a:r>
             <a:endParaRPr lang="en-US" dirty="0"/>
           </a:p>
@@ -4128,52 +8615,55 @@
           <a:bodyPr/>
           <a:lstStyle/>
           <a:p>
+            <a:pPr marL="0" indent="0">
+              <a:buNone/>
+            </a:pPr>
             <a:r>
               <a:rPr lang="en-US" dirty="0" smtClean="0"/>
-              <a:t>Reuters newswire articles</a:t>
-            </a:r>
-          </a:p>
-          <a:p>
+              <a:t>High </a:t>
+            </a:r>
             <a:r>
               <a:rPr lang="en-US" dirty="0" smtClean="0"/>
-              <a:t>Task = classify as “about corporate acquisitions” or not</a:t>
-            </a:r>
-          </a:p>
-          <a:p>
+              <a:t>Dimensional (17,000 dim)</a:t>
+            </a:r>
+            <a:endParaRPr lang="en-US" dirty="0" smtClean="0"/>
+          </a:p>
+          <a:p>
+            <a:pPr marL="0" indent="0">
+              <a:buNone/>
+            </a:pPr>
             <a:r>
               <a:rPr lang="en-US" dirty="0" smtClean="0"/>
-              <a:t>Bag-of-words frequency features</a:t>
-            </a:r>
-          </a:p>
-          <a:p>
+              <a:t>Sparse </a:t>
+            </a:r>
             <a:r>
               <a:rPr lang="en-US" dirty="0" smtClean="0"/>
-              <a:t>17,000 dim features</a:t>
-            </a:r>
-          </a:p>
-          <a:p>
+              <a:t>(99.5%)</a:t>
+            </a:r>
+            <a:endParaRPr lang="en-US" dirty="0" smtClean="0"/>
+          </a:p>
+          <a:p>
+            <a:pPr marL="0" indent="0">
+              <a:buNone/>
+            </a:pPr>
             <a:r>
               <a:rPr lang="en-US" dirty="0" smtClean="0"/>
-              <a:t>1500 </a:t>
-            </a:r>
-            <a:r>
-              <a:rPr lang="en-US" dirty="0" err="1" smtClean="0"/>
-              <a:t>pos</a:t>
+              <a:t>n </a:t>
             </a:r>
             <a:r>
               <a:rPr lang="en-US" dirty="0" smtClean="0"/>
-              <a:t>, 1500 </a:t>
-            </a:r>
-            <a:r>
-              <a:rPr lang="en-US" dirty="0" err="1" smtClean="0"/>
-              <a:t>neg</a:t>
+              <a:t>&lt;&lt; </a:t>
             </a:r>
             <a:r>
               <a:rPr lang="en-US" dirty="0" smtClean="0"/>
-              <a:t> training examples</a:t>
-            </a:r>
-          </a:p>
-          <a:p>
+              <a:t>p (1,500 examples per class)</a:t>
+            </a:r>
+            <a:endParaRPr lang="en-US" dirty="0" smtClean="0"/>
+          </a:p>
+          <a:p>
+            <a:pPr marL="0" indent="0">
+              <a:buNone/>
+            </a:pPr>
             <a:endParaRPr lang="en-US" dirty="0"/>
           </a:p>
         </p:txBody>
@@ -4181,13 +8671,20 @@
     </p:spTree>
     <p:extLst>
       <p:ext uri="{BB962C8B-B14F-4D97-AF65-F5344CB8AC3E}">
-        <p14:creationId xmlns:p14="http://schemas.microsoft.com/office/powerpoint/2010/main" val="3452026980"/>
+        <p14:creationId xmlns:p14="http://schemas.microsoft.com/office/powerpoint/2010/main" val="3093326829"/>
       </p:ext>
     </p:extLst>
   </p:cSld>
   <p:clrMapOvr>
     <a:masterClrMapping/>
   </p:clrMapOvr>
+  <p:timing>
+    <p:tnLst>
+      <p:par>
+        <p:cTn xmlns:p14="http://schemas.microsoft.com/office/powerpoint/2010/main" id="1" dur="indefinite" restart="never" nodeType="tmRoot"/>
+      </p:par>
+    </p:tnLst>
+  </p:timing>
 </p:sld>
 </file>
 
@@ -4230,7 +8727,7 @@
           <a:p>
             <a:r>
               <a:rPr lang="en-US" dirty="0" smtClean="0"/>
-              <a:t>Themes</a:t>
+              <a:t>Themes in n &lt;&lt; p</a:t>
             </a:r>
             <a:endParaRPr lang="en-US" dirty="0"/>
           </a:p>
@@ -4246,6 +8743,13 @@
   <p:clrMapOvr>
     <a:masterClrMapping/>
   </p:clrMapOvr>
+  <p:timing>
+    <p:tnLst>
+      <p:par>
+        <p:cTn xmlns:p14="http://schemas.microsoft.com/office/powerpoint/2010/main" id="1" dur="indefinite" restart="never" nodeType="tmRoot"/>
+      </p:par>
+    </p:tnLst>
+  </p:timing>
 </p:sld>
 </file>
 
@@ -4309,14 +8813,15 @@
         </p:nvPicPr>
         <p:blipFill>
           <a:blip r:embed="rId4"/>
+          <a:srcRect t="15714" b="15714"/>
           <a:stretch>
             <a:fillRect/>
           </a:stretch>
         </p:blipFill>
         <p:spPr>
           <a:xfrm>
-            <a:off x="1554163" y="1600200"/>
-            <a:ext cx="6034087" cy="4525963"/>
+            <a:off x="1828800" y="1905000"/>
+            <a:ext cx="5486400" cy="4114800"/>
           </a:xfrm>
         </p:spPr>
       </p:pic>
@@ -4446,91 +8951,76 @@
           <a:lstStyle/>
           <a:p>
             <a:r>
-              <a:rPr lang="en-US" dirty="0" smtClean="0"/>
-              <a:t>Section I: Themes and Background</a:t>
-            </a:r>
-            <a:endParaRPr lang="en-US" dirty="0"/>
-          </a:p>
-        </p:txBody>
-      </p:sp>
-      <p:sp>
-        <p:nvSpPr>
-          <p:cNvPr id="3" name="Content Placeholder 2"/>
-          <p:cNvSpPr>
-            <a:spLocks noGrp="1"/>
-          </p:cNvSpPr>
-          <p:nvPr>
-            <p:ph idx="1"/>
-          </p:nvPr>
-        </p:nvSpPr>
-        <p:spPr/>
-        <p:txBody>
-          <a:bodyPr/>
+              <a:rPr lang="en-US" dirty="0"/>
+              <a:t>Curse of Dimensionality</a:t>
+            </a:r>
+          </a:p>
+        </p:txBody>
+      </p:sp>
+      <p:pic>
+        <p:nvPicPr>
+          <p:cNvPr id="4" name="Picture 3" descr="svm_linear_vs_rbf.eps"/>
+          <p:cNvPicPr>
+            <a:picLocks noChangeAspect="1"/>
+          </p:cNvPicPr>
+          <p:nvPr/>
+        </p:nvPicPr>
+        <p:blipFill>
+          <a:blip r:embed="rId2">
+            <a:extLst>
+              <a:ext uri="{28A0092B-C50C-407E-A947-70E740481C1C}">
+                <a14:useLocalDpi xmlns:a14="http://schemas.microsoft.com/office/drawing/2010/main" val="0"/>
+              </a:ext>
+            </a:extLst>
+          </a:blip>
+          <a:stretch>
+            <a:fillRect/>
+          </a:stretch>
+        </p:blipFill>
+        <p:spPr>
+          <a:xfrm>
+            <a:off x="1795623" y="1423392"/>
+            <a:ext cx="5815359" cy="4379292"/>
+          </a:xfrm>
+          <a:prstGeom prst="rect">
+            <a:avLst/>
+          </a:prstGeom>
+        </p:spPr>
+      </p:pic>
+      <p:sp>
+        <p:nvSpPr>
+          <p:cNvPr id="6" name="TextBox 5"/>
+          <p:cNvSpPr txBox="1"/>
+          <p:nvPr/>
+        </p:nvSpPr>
+        <p:spPr>
+          <a:xfrm>
+            <a:off x="2913140" y="6076630"/>
+            <a:ext cx="6274439" cy="523220"/>
+          </a:xfrm>
+          <a:prstGeom prst="rect">
+            <a:avLst/>
+          </a:prstGeom>
+          <a:noFill/>
+        </p:spPr>
+        <p:txBody>
+          <a:bodyPr wrap="square" rtlCol="0">
+            <a:spAutoFit/>
+          </a:bodyPr>
           <a:lstStyle/>
           <a:p>
             <a:r>
-              <a:rPr lang="en-US" dirty="0" smtClean="0"/>
-              <a:t>Curse of Dimensionality</a:t>
-            </a:r>
-          </a:p>
-          <a:p>
-            <a:r>
-              <a:rPr lang="en-US" dirty="0" smtClean="0"/>
-              <a:t>Johnson-</a:t>
-            </a:r>
-            <a:r>
-              <a:rPr lang="en-US" dirty="0" err="1" smtClean="0"/>
-              <a:t>Lindenstrauss</a:t>
-            </a:r>
-            <a:endParaRPr lang="en-US" dirty="0" smtClean="0"/>
-          </a:p>
-          <a:p>
-            <a:r>
-              <a:rPr lang="en-US" dirty="0" smtClean="0"/>
-              <a:t>Model </a:t>
-            </a:r>
-            <a:r>
-              <a:rPr lang="en-US" dirty="0" err="1" smtClean="0"/>
-              <a:t>Sparsity</a:t>
-            </a:r>
-            <a:r>
-              <a:rPr lang="en-US" dirty="0" smtClean="0"/>
-              <a:t> + why L1 yields it</a:t>
-            </a:r>
-          </a:p>
-          <a:p>
-            <a:r>
-              <a:rPr lang="en-US" dirty="0" smtClean="0"/>
-              <a:t>Feature </a:t>
-            </a:r>
-            <a:r>
-              <a:rPr lang="en-US" dirty="0" err="1" smtClean="0"/>
-              <a:t>sparsity</a:t>
-            </a:r>
-            <a:r>
-              <a:rPr lang="en-US" dirty="0" smtClean="0"/>
-              <a:t> + how to handle it</a:t>
-            </a:r>
-          </a:p>
-          <a:p>
-            <a:r>
-              <a:rPr lang="en-US" dirty="0" smtClean="0"/>
-              <a:t>Text tasks are often n &lt;&lt; p</a:t>
-            </a:r>
-          </a:p>
-          <a:p>
-            <a:r>
-              <a:rPr lang="en-US" dirty="0" smtClean="0"/>
-              <a:t>Model complexity in generative vs. discriminative models.</a:t>
-            </a:r>
-            <a:endParaRPr lang="en-US" dirty="0"/>
+              <a:rPr lang="en-US" sz="2800" dirty="0" smtClean="0"/>
+              <a:t>Linear vs. RBF Kernel</a:t>
+            </a:r>
+            <a:endParaRPr lang="en-US" sz="2800" dirty="0"/>
           </a:p>
         </p:txBody>
       </p:sp>
     </p:spTree>
     <p:extLst>
       <p:ext uri="{BB962C8B-B14F-4D97-AF65-F5344CB8AC3E}">
-        <p14:creationId xmlns:p14="http://schemas.microsoft.com/office/powerpoint/2010/main" val="324693389"/>
+        <p14:creationId xmlns:p14="http://schemas.microsoft.com/office/powerpoint/2010/main" val="3677236155"/>
       </p:ext>
     </p:extLst>
   </p:cSld>
@@ -4581,69 +9071,140 @@
           <a:p>
             <a:r>
               <a:rPr lang="en-US" dirty="0" smtClean="0"/>
-              <a:t>Techniques</a:t>
+              <a:t>PCA</a:t>
             </a:r>
             <a:endParaRPr lang="en-US" dirty="0"/>
           </a:p>
         </p:txBody>
       </p:sp>
-      <p:sp>
-        <p:nvSpPr>
-          <p:cNvPr id="3" name="Content Placeholder 2"/>
-          <p:cNvSpPr>
-            <a:spLocks noGrp="1"/>
-          </p:cNvSpPr>
-          <p:nvPr>
-            <p:ph idx="1"/>
-          </p:nvPr>
-        </p:nvSpPr>
-        <p:spPr/>
-        <p:txBody>
-          <a:bodyPr/>
+      <p:pic>
+        <p:nvPicPr>
+          <p:cNvPr id="4" name="Picture 3" descr="pca_cumsum.png"/>
+          <p:cNvPicPr>
+            <a:picLocks noChangeAspect="1"/>
+          </p:cNvPicPr>
+          <p:nvPr/>
+        </p:nvPicPr>
+        <p:blipFill>
+          <a:blip r:embed="rId2">
+            <a:extLst>
+              <a:ext uri="{28A0092B-C50C-407E-A947-70E740481C1C}">
+                <a14:useLocalDpi xmlns:a14="http://schemas.microsoft.com/office/drawing/2010/main" val="0"/>
+              </a:ext>
+            </a:extLst>
+          </a:blip>
+          <a:stretch>
+            <a:fillRect/>
+          </a:stretch>
+        </p:blipFill>
+        <p:spPr>
+          <a:xfrm>
+            <a:off x="374991" y="1846760"/>
+            <a:ext cx="3946334" cy="2959751"/>
+          </a:xfrm>
+          <a:prstGeom prst="rect">
+            <a:avLst/>
+          </a:prstGeom>
+        </p:spPr>
+      </p:pic>
+      <p:pic>
+        <p:nvPicPr>
+          <p:cNvPr id="6" name="Picture 5" descr="PCAsparsityDensity.png"/>
+          <p:cNvPicPr>
+            <a:picLocks noChangeAspect="1"/>
+          </p:cNvPicPr>
+          <p:nvPr/>
+        </p:nvPicPr>
+        <p:blipFill>
+          <a:blip r:embed="rId3">
+            <a:extLst>
+              <a:ext uri="{28A0092B-C50C-407E-A947-70E740481C1C}">
+                <a14:useLocalDpi xmlns:a14="http://schemas.microsoft.com/office/drawing/2010/main" val="0"/>
+              </a:ext>
+            </a:extLst>
+          </a:blip>
+          <a:stretch>
+            <a:fillRect/>
+          </a:stretch>
+        </p:blipFill>
+        <p:spPr>
+          <a:xfrm>
+            <a:off x="4680931" y="1741391"/>
+            <a:ext cx="4108474" cy="3081356"/>
+          </a:xfrm>
+          <a:prstGeom prst="rect">
+            <a:avLst/>
+          </a:prstGeom>
+        </p:spPr>
+      </p:pic>
+      <p:sp>
+        <p:nvSpPr>
+          <p:cNvPr id="7" name="TextBox 6"/>
+          <p:cNvSpPr txBox="1"/>
+          <p:nvPr/>
+        </p:nvSpPr>
+        <p:spPr>
+          <a:xfrm>
+            <a:off x="845389" y="4831422"/>
+            <a:ext cx="3749825" cy="461665"/>
+          </a:xfrm>
+          <a:prstGeom prst="rect">
+            <a:avLst/>
+          </a:prstGeom>
+          <a:noFill/>
+        </p:spPr>
+        <p:txBody>
+          <a:bodyPr wrap="square" rtlCol="0">
+            <a:spAutoFit/>
+          </a:bodyPr>
           <a:lstStyle/>
           <a:p>
             <a:r>
-              <a:rPr lang="en-US" dirty="0" smtClean="0"/>
-              <a:t>L1/L2 Logistic Regression</a:t>
-            </a:r>
-          </a:p>
-          <a:p>
-            <a:r>
-              <a:rPr lang="en-US" dirty="0" smtClean="0"/>
-              <a:t>Random projection + classifier/ KNN</a:t>
-            </a:r>
-          </a:p>
-          <a:p>
-            <a:r>
-              <a:rPr lang="en-US" dirty="0" smtClean="0"/>
-              <a:t>SVM</a:t>
-            </a:r>
-          </a:p>
-          <a:p>
-            <a:r>
-              <a:rPr lang="en-US" dirty="0" smtClean="0"/>
-              <a:t>Generative model</a:t>
-            </a:r>
-          </a:p>
-          <a:p>
-            <a:pPr lvl="1"/>
-            <a:r>
-              <a:rPr lang="en-US" dirty="0" smtClean="0"/>
-              <a:t>Naïve Bayes ( w/ smoothing).</a:t>
-            </a:r>
-          </a:p>
-          <a:p>
-            <a:endParaRPr lang="en-US" dirty="0" smtClean="0"/>
-          </a:p>
-          <a:p>
-            <a:endParaRPr lang="en-US" dirty="0"/>
+              <a:rPr lang="en-US" sz="2400" dirty="0" smtClean="0"/>
+              <a:t>Cumulative Variance</a:t>
+            </a:r>
+            <a:endParaRPr lang="en-US" sz="2400" dirty="0"/>
+          </a:p>
+        </p:txBody>
+      </p:sp>
+      <p:sp>
+        <p:nvSpPr>
+          <p:cNvPr id="8" name="TextBox 7"/>
+          <p:cNvSpPr txBox="1"/>
+          <p:nvPr/>
+        </p:nvSpPr>
+        <p:spPr>
+          <a:xfrm>
+            <a:off x="4822675" y="4834400"/>
+            <a:ext cx="3749825" cy="461665"/>
+          </a:xfrm>
+          <a:prstGeom prst="rect">
+            <a:avLst/>
+          </a:prstGeom>
+          <a:noFill/>
+        </p:spPr>
+        <p:txBody>
+          <a:bodyPr wrap="square" rtlCol="0">
+            <a:spAutoFit/>
+          </a:bodyPr>
+          <a:lstStyle/>
+          <a:p>
+            <a:r>
+              <a:rPr lang="en-US" sz="2400" dirty="0" err="1" smtClean="0"/>
+              <a:t>Sparsity</a:t>
+            </a:r>
+            <a:r>
+              <a:rPr lang="en-US" sz="2400" dirty="0" smtClean="0"/>
+              <a:t> of Projected Data</a:t>
+            </a:r>
+            <a:endParaRPr lang="en-US" sz="2400" dirty="0"/>
           </a:p>
         </p:txBody>
       </p:sp>
     </p:spTree>
     <p:extLst>
       <p:ext uri="{BB962C8B-B14F-4D97-AF65-F5344CB8AC3E}">
-        <p14:creationId xmlns:p14="http://schemas.microsoft.com/office/powerpoint/2010/main" val="1429063953"/>
+        <p14:creationId xmlns:p14="http://schemas.microsoft.com/office/powerpoint/2010/main" val="450853638"/>
       </p:ext>
     </p:extLst>
   </p:cSld>
@@ -4661,165 +9222,99 @@
 </file>
 
 <file path=ppt/theme/theme1.xml><?xml version="1.0" encoding="utf-8"?>
-<a:theme xmlns:a="http://schemas.openxmlformats.org/drawingml/2006/main" name="Office Theme">
+<a:theme xmlns:a="http://schemas.openxmlformats.org/drawingml/2006/main" name="Travelogue">
   <a:themeElements>
-    <a:clrScheme name="Office">
+    <a:clrScheme name="Travelogue">
       <a:dk1>
         <a:sysClr val="windowText" lastClr="000000"/>
       </a:dk1>
       <a:lt1>
-        <a:sysClr val="window" lastClr="FFFFFF"/>
+        <a:srgbClr val="EAC968"/>
       </a:lt1>
       <a:dk2>
-        <a:srgbClr val="1F497D"/>
+        <a:srgbClr val="2A2515"/>
       </a:dk2>
       <a:lt2>
-        <a:srgbClr val="EEECE1"/>
+        <a:srgbClr val="82682C"/>
       </a:lt2>
       <a:accent1>
-        <a:srgbClr val="4F81BD"/>
+        <a:srgbClr val="B74D21"/>
       </a:accent1>
       <a:accent2>
-        <a:srgbClr val="C0504D"/>
+        <a:srgbClr val="A32323"/>
       </a:accent2>
       <a:accent3>
-        <a:srgbClr val="9BBB59"/>
+        <a:srgbClr val="4576A3"/>
       </a:accent3>
       <a:accent4>
-        <a:srgbClr val="8064A2"/>
+        <a:srgbClr val="615D9A"/>
       </a:accent4>
       <a:accent5>
-        <a:srgbClr val="4BACC6"/>
+        <a:srgbClr val="67924B"/>
       </a:accent5>
       <a:accent6>
-        <a:srgbClr val="F79646"/>
+        <a:srgbClr val="BF7B1B"/>
       </a:accent6>
       <a:hlink>
-        <a:srgbClr val="0000FF"/>
+        <a:srgbClr val="99350B"/>
       </a:hlink>
       <a:folHlink>
-        <a:srgbClr val="800080"/>
+        <a:srgbClr val="785140"/>
       </a:folHlink>
     </a:clrScheme>
-    <a:fontScheme name="Office">
+    <a:fontScheme name="Travelogue">
       <a:majorFont>
-        <a:latin typeface="Calibri"/>
+        <a:latin typeface="Calisto MT"/>
         <a:ea typeface=""/>
         <a:cs typeface=""/>
-        <a:font script="Jpan" typeface="ＭＳ Ｐゴシック"/>
-        <a:font script="Hang" typeface="맑은 고딕"/>
+        <a:font script="Jpan" typeface="ＭＳ 明朝"/>
         <a:font script="Hans" typeface="宋体"/>
         <a:font script="Hant" typeface="新細明體"/>
-        <a:font script="Arab" typeface="Times New Roman"/>
-        <a:font script="Hebr" typeface="Times New Roman"/>
-        <a:font script="Thai" typeface="Angsana New"/>
-        <a:font script="Ethi" typeface="Nyala"/>
-        <a:font script="Beng" typeface="Vrinda"/>
-        <a:font script="Gujr" typeface="Shruti"/>
-        <a:font script="Khmr" typeface="MoolBoran"/>
-        <a:font script="Knda" typeface="Tunga"/>
-        <a:font script="Guru" typeface="Raavi"/>
-        <a:font script="Cans" typeface="Euphemia"/>
-        <a:font script="Cher" typeface="Plantagenet Cherokee"/>
-        <a:font script="Yiii" typeface="Microsoft Yi Baiti"/>
-        <a:font script="Tibt" typeface="Microsoft Himalaya"/>
-        <a:font script="Thaa" typeface="MV Boli"/>
-        <a:font script="Deva" typeface="Mangal"/>
-        <a:font script="Telu" typeface="Gautami"/>
-        <a:font script="Taml" typeface="Latha"/>
-        <a:font script="Syrc" typeface="Estrangelo Edessa"/>
-        <a:font script="Orya" typeface="Kalinga"/>
-        <a:font script="Mlym" typeface="Kartika"/>
-        <a:font script="Laoo" typeface="DokChampa"/>
-        <a:font script="Sinh" typeface="Iskoola Pota"/>
-        <a:font script="Mong" typeface="Mongolian Baiti"/>
-        <a:font script="Viet" typeface="Times New Roman"/>
-        <a:font script="Uigh" typeface="Microsoft Uighur"/>
-        <a:font script="Geor" typeface="Sylfaen"/>
       </a:majorFont>
       <a:minorFont>
-        <a:latin typeface="Calibri"/>
+        <a:latin typeface="Calisto MT"/>
         <a:ea typeface=""/>
         <a:cs typeface=""/>
-        <a:font script="Jpan" typeface="ＭＳ Ｐゴシック"/>
-        <a:font script="Hang" typeface="맑은 고딕"/>
+        <a:font script="Jpan" typeface="ＭＳ 明朝"/>
         <a:font script="Hans" typeface="宋体"/>
         <a:font script="Hant" typeface="新細明體"/>
-        <a:font script="Arab" typeface="Arial"/>
-        <a:font script="Hebr" typeface="Arial"/>
-        <a:font script="Thai" typeface="Cordia New"/>
-        <a:font script="Ethi" typeface="Nyala"/>
-        <a:font script="Beng" typeface="Vrinda"/>
-        <a:font script="Gujr" typeface="Shruti"/>
-        <a:font script="Khmr" typeface="DaunPenh"/>
-        <a:font script="Knda" typeface="Tunga"/>
-        <a:font script="Guru" typeface="Raavi"/>
-        <a:font script="Cans" typeface="Euphemia"/>
-        <a:font script="Cher" typeface="Plantagenet Cherokee"/>
-        <a:font script="Yiii" typeface="Microsoft Yi Baiti"/>
-        <a:font script="Tibt" typeface="Microsoft Himalaya"/>
-        <a:font script="Thaa" typeface="MV Boli"/>
-        <a:font script="Deva" typeface="Mangal"/>
-        <a:font script="Telu" typeface="Gautami"/>
-        <a:font script="Taml" typeface="Latha"/>
-        <a:font script="Syrc" typeface="Estrangelo Edessa"/>
-        <a:font script="Orya" typeface="Kalinga"/>
-        <a:font script="Mlym" typeface="Kartika"/>
-        <a:font script="Laoo" typeface="DokChampa"/>
-        <a:font script="Sinh" typeface="Iskoola Pota"/>
-        <a:font script="Mong" typeface="Mongolian Baiti"/>
-        <a:font script="Viet" typeface="Arial"/>
-        <a:font script="Uigh" typeface="Microsoft Uighur"/>
-        <a:font script="Geor" typeface="Sylfaen"/>
       </a:minorFont>
     </a:fontScheme>
-    <a:fmtScheme name="Office">
+    <a:fmtScheme name="Travelogue">
       <a:fillStyleLst>
         <a:solidFill>
           <a:schemeClr val="phClr"/>
         </a:solidFill>
-        <a:gradFill rotWithShape="1">
-          <a:gsLst>
-            <a:gs pos="0">
+        <a:blipFill rotWithShape="1">
+          <a:blip xmlns:r="http://schemas.openxmlformats.org/officeDocument/2006/relationships" r:embed="rId1">
+            <a:duotone>
               <a:schemeClr val="phClr">
-                <a:tint val="50000"/>
-                <a:satMod val="300000"/>
-              </a:schemeClr>
-            </a:gs>
-            <a:gs pos="35000">
-              <a:schemeClr val="phClr">
-                <a:tint val="37000"/>
-                <a:satMod val="300000"/>
-              </a:schemeClr>
-            </a:gs>
-            <a:gs pos="100000">
-              <a:schemeClr val="phClr">
-                <a:tint val="15000"/>
-                <a:satMod val="350000"/>
-              </a:schemeClr>
-            </a:gs>
-          </a:gsLst>
-          <a:lin ang="16200000" scaled="1"/>
-        </a:gradFill>
-        <a:gradFill rotWithShape="1">
-          <a:gsLst>
-            <a:gs pos="0">
-              <a:schemeClr val="phClr">
-                <a:tint val="100000"/>
-                <a:shade val="100000"/>
+                <a:shade val="20000"/>
                 <a:satMod val="130000"/>
               </a:schemeClr>
-            </a:gs>
-            <a:gs pos="100000">
               <a:schemeClr val="phClr">
-                <a:tint val="50000"/>
-                <a:shade val="100000"/>
-                <a:satMod val="350000"/>
+                <a:tint val="80000"/>
+                <a:satMod val="150000"/>
               </a:schemeClr>
-            </a:gs>
-          </a:gsLst>
-          <a:lin ang="16200000" scaled="0"/>
-        </a:gradFill>
+            </a:duotone>
+          </a:blip>
+          <a:tile tx="0" ty="0" sx="50000" sy="50000" flip="none" algn="tl"/>
+        </a:blipFill>
+        <a:blipFill rotWithShape="1">
+          <a:blip xmlns:r="http://schemas.openxmlformats.org/officeDocument/2006/relationships" r:embed="rId2">
+            <a:duotone>
+              <a:schemeClr val="phClr">
+                <a:shade val="20000"/>
+                <a:satMod val="130000"/>
+              </a:schemeClr>
+              <a:schemeClr val="phClr">
+                <a:tint val="80000"/>
+                <a:satMod val="150000"/>
+              </a:schemeClr>
+            </a:duotone>
+          </a:blip>
+          <a:tile tx="0" ty="0" sx="50000" sy="50000" flip="none" algn="tl"/>
+        </a:blipFill>
       </a:fillStyleLst>
       <a:lnStyleLst>
         <a:ln w="9525" cap="flat" cmpd="sng" algn="ctr">
@@ -4846,17 +9341,11 @@
       </a:lnStyleLst>
       <a:effectStyleLst>
         <a:effectStyle>
-          <a:effectLst>
-            <a:outerShdw blurRad="40000" dist="20000" dir="5400000" rotWithShape="0">
-              <a:srgbClr val="000000">
-                <a:alpha val="38000"/>
-              </a:srgbClr>
-            </a:outerShdw>
-          </a:effectLst>
+          <a:effectLst/>
         </a:effectStyle>
         <a:effectStyle>
           <a:effectLst>
-            <a:outerShdw blurRad="40000" dist="23000" dir="5400000" rotWithShape="0">
+            <a:outerShdw blurRad="50800" dist="25400" dir="6600000" sx="102000" sy="102000" rotWithShape="0">
               <a:srgbClr val="000000">
                 <a:alpha val="35000"/>
               </a:srgbClr>
@@ -4865,9 +9354,9 @@
         </a:effectStyle>
         <a:effectStyle>
           <a:effectLst>
-            <a:outerShdw blurRad="40000" dist="23000" dir="5400000" rotWithShape="0">
+            <a:outerShdw blurRad="88900" dist="63500" dir="2400000" rotWithShape="0">
               <a:srgbClr val="000000">
-                <a:alpha val="35000"/>
+                <a:alpha val="50000"/>
               </a:srgbClr>
             </a:outerShdw>
           </a:effectLst>
@@ -4875,12 +9364,12 @@
             <a:camera prst="orthographicFront">
               <a:rot lat="0" lon="0" rev="0"/>
             </a:camera>
-            <a:lightRig rig="threePt" dir="t">
-              <a:rot lat="0" lon="0" rev="1200000"/>
+            <a:lightRig rig="sunset" dir="t">
+              <a:rot lat="0" lon="0" rev="4200000"/>
             </a:lightRig>
           </a:scene3d>
           <a:sp3d>
-            <a:bevelT w="63500" h="25400"/>
+            <a:bevelT w="63500" h="25400" prst="coolSlant"/>
           </a:sp3d>
         </a:effectStyle>
       </a:effectStyleLst>
@@ -4892,21 +9381,28 @@
           <a:gsLst>
             <a:gs pos="0">
               <a:schemeClr val="phClr">
-                <a:tint val="40000"/>
-                <a:satMod val="350000"/>
+                <a:tint val="50000"/>
+                <a:shade val="90000"/>
+                <a:hueMod val="85000"/>
+                <a:satMod val="300000"/>
+                <a:lumMod val="100000"/>
               </a:schemeClr>
             </a:gs>
             <a:gs pos="40000">
               <a:schemeClr val="phClr">
                 <a:tint val="45000"/>
                 <a:shade val="99000"/>
-                <a:satMod val="350000"/>
+                <a:hueMod val="95000"/>
+                <a:satMod val="300000"/>
+                <a:lumMod val="100000"/>
               </a:schemeClr>
             </a:gs>
             <a:gs pos="100000">
               <a:schemeClr val="phClr">
                 <a:shade val="20000"/>
+                <a:hueMod val="95000"/>
                 <a:satMod val="255000"/>
+                <a:lumMod val="100000"/>
               </a:schemeClr>
             </a:gs>
           </a:gsLst>
@@ -4918,8 +9414,8 @@
           <a:gsLst>
             <a:gs pos="0">
               <a:schemeClr val="phClr">
-                <a:tint val="80000"/>
-                <a:satMod val="300000"/>
+                <a:tint val="70000"/>
+                <a:satMod val="200000"/>
               </a:schemeClr>
             </a:gs>
             <a:gs pos="100000">
@@ -4936,46 +9432,7 @@
       </a:bgFillStyleLst>
     </a:fmtScheme>
   </a:themeElements>
-  <a:objectDefaults>
-    <a:spDef>
-      <a:spPr/>
-      <a:bodyPr/>
-      <a:lstStyle/>
-      <a:style>
-        <a:lnRef idx="1">
-          <a:schemeClr val="accent1"/>
-        </a:lnRef>
-        <a:fillRef idx="3">
-          <a:schemeClr val="accent1"/>
-        </a:fillRef>
-        <a:effectRef idx="2">
-          <a:schemeClr val="accent1"/>
-        </a:effectRef>
-        <a:fontRef idx="minor">
-          <a:schemeClr val="lt1"/>
-        </a:fontRef>
-      </a:style>
-    </a:spDef>
-    <a:lnDef>
-      <a:spPr/>
-      <a:bodyPr/>
-      <a:lstStyle/>
-      <a:style>
-        <a:lnRef idx="2">
-          <a:schemeClr val="accent1"/>
-        </a:lnRef>
-        <a:fillRef idx="0">
-          <a:schemeClr val="accent1"/>
-        </a:fillRef>
-        <a:effectRef idx="1">
-          <a:schemeClr val="accent1"/>
-        </a:effectRef>
-        <a:fontRef idx="minor">
-          <a:schemeClr val="tx1"/>
-        </a:fontRef>
-      </a:style>
-    </a:lnDef>
-  </a:objectDefaults>
+  <a:objectDefaults/>
   <a:extraClrSchemeLst/>
 </a:theme>
 </file>